--- a/python.pptx
+++ b/python.pptx
@@ -1,26 +1,27 @@
 
 <file path=ppt/presentation.xml><?xml version="1.0" encoding="utf-8"?>
-<p:presentation xmlns:a="http://schemas.openxmlformats.org/drawingml/2006/main" xmlns:r="http://schemas.openxmlformats.org/officeDocument/2006/relationships" xmlns:p="http://schemas.openxmlformats.org/presentationml/2006/main" xmlns:m="http://schemas.openxmlformats.org/officeDocument/2006/math" xmlns:a14="http://schemas.microsoft.com/office/drawing/2010/main">
+<p:presentation xmlns:a="http://schemas.openxmlformats.org/drawingml/2006/main" xmlns:r="http://schemas.openxmlformats.org/officeDocument/2006/relationships" xmlns:p="http://schemas.openxmlformats.org/presentationml/2006/main">
   <p:sldMasterIdLst>
-    <p:sldMasterId id="2147483648" r:id="rId5"/>
+    <p:sldMasterId id="2147483648" r:id="rId1"/>
   </p:sldMasterIdLst>
   <p:notesMasterIdLst>
-    <p:notesMasterId r:id="rId7"/>
+    <p:notesMasterId r:id="rId16"/>
   </p:notesMasterIdLst>
   <p:sldIdLst>
-    <p:sldId id="256" r:id="rId8"/>
-    <p:sldId id="257" r:id="rId9"/>
-    <p:sldId id="258" r:id="rId10"/>
-    <p:sldId id="259" r:id="rId11"/>
-    <p:sldId id="260" r:id="rId12"/>
-    <p:sldId id="261" r:id="rId13"/>
-    <p:sldId id="262" r:id="rId14"/>
-    <p:sldId id="263" r:id="rId15"/>
-    <p:sldId id="264" r:id="rId16"/>
-    <p:sldId id="265" r:id="rId17"/>
-    <p:sldId id="266" r:id="rId18"/>
-    <p:sldId id="267" r:id="rId19"/>
-    <p:sldId id="268" r:id="rId20"/>
+    <p:sldId id="256" r:id="rId2"/>
+    <p:sldId id="257" r:id="rId3"/>
+    <p:sldId id="269" r:id="rId4"/>
+    <p:sldId id="258" r:id="rId5"/>
+    <p:sldId id="259" r:id="rId6"/>
+    <p:sldId id="260" r:id="rId7"/>
+    <p:sldId id="261" r:id="rId8"/>
+    <p:sldId id="262" r:id="rId9"/>
+    <p:sldId id="263" r:id="rId10"/>
+    <p:sldId id="264" r:id="rId11"/>
+    <p:sldId id="265" r:id="rId12"/>
+    <p:sldId id="266" r:id="rId13"/>
+    <p:sldId id="267" r:id="rId14"/>
+    <p:sldId id="268" r:id="rId15"/>
   </p:sldIdLst>
   <p:sldSz cx="12192000" cy="6858000"/>
   <p:notesSz cx="6858000" cy="9144000"/>
@@ -40,7 +41,7 @@
       <a:buFontTx/>
       <a:buNone/>
       <a:tabLst/>
-      <a:defRPr b="0" baseline="0" cap="none" i="0" spc="0" strike="noStrike" sz="1800" u="none" kumimoji="0" normalizeH="0">
+      <a:defRPr kumimoji="0" sz="1800" b="0" i="0" u="none" strike="noStrike" cap="none" spc="0" normalizeH="0" baseline="0">
         <a:ln>
           <a:noFill/>
         </a:ln>
@@ -66,7 +67,7 @@
       <a:buFontTx/>
       <a:buNone/>
       <a:tabLst/>
-      <a:defRPr b="0" baseline="0" cap="none" i="0" spc="0" strike="noStrike" sz="1800" u="none" kumimoji="0" normalizeH="0">
+      <a:defRPr kumimoji="0" sz="1800" b="0" i="0" u="none" strike="noStrike" cap="none" spc="0" normalizeH="0" baseline="0">
         <a:ln>
           <a:noFill/>
         </a:ln>
@@ -96,7 +97,7 @@
       <a:buFontTx/>
       <a:buNone/>
       <a:tabLst/>
-      <a:defRPr b="0" baseline="0" cap="none" i="0" spc="0" strike="noStrike" sz="1800" u="none" kumimoji="0" normalizeH="0">
+      <a:defRPr kumimoji="0" sz="1800" b="0" i="0" u="none" strike="noStrike" cap="none" spc="0" normalizeH="0" baseline="0">
         <a:ln>
           <a:noFill/>
         </a:ln>
@@ -126,7 +127,7 @@
       <a:buFontTx/>
       <a:buNone/>
       <a:tabLst/>
-      <a:defRPr b="0" baseline="0" cap="none" i="0" spc="0" strike="noStrike" sz="1800" u="none" kumimoji="0" normalizeH="0">
+      <a:defRPr kumimoji="0" sz="1800" b="0" i="0" u="none" strike="noStrike" cap="none" spc="0" normalizeH="0" baseline="0">
         <a:ln>
           <a:noFill/>
         </a:ln>
@@ -156,7 +157,7 @@
       <a:buFontTx/>
       <a:buNone/>
       <a:tabLst/>
-      <a:defRPr b="0" baseline="0" cap="none" i="0" spc="0" strike="noStrike" sz="1800" u="none" kumimoji="0" normalizeH="0">
+      <a:defRPr kumimoji="0" sz="1800" b="0" i="0" u="none" strike="noStrike" cap="none" spc="0" normalizeH="0" baseline="0">
         <a:ln>
           <a:noFill/>
         </a:ln>
@@ -186,7 +187,7 @@
       <a:buFontTx/>
       <a:buNone/>
       <a:tabLst/>
-      <a:defRPr b="0" baseline="0" cap="none" i="0" spc="0" strike="noStrike" sz="1800" u="none" kumimoji="0" normalizeH="0">
+      <a:defRPr kumimoji="0" sz="1800" b="0" i="0" u="none" strike="noStrike" cap="none" spc="0" normalizeH="0" baseline="0">
         <a:ln>
           <a:noFill/>
         </a:ln>
@@ -216,7 +217,7 @@
       <a:buFontTx/>
       <a:buNone/>
       <a:tabLst/>
-      <a:defRPr b="0" baseline="0" cap="none" i="0" spc="0" strike="noStrike" sz="1800" u="none" kumimoji="0" normalizeH="0">
+      <a:defRPr kumimoji="0" sz="1800" b="0" i="0" u="none" strike="noStrike" cap="none" spc="0" normalizeH="0" baseline="0">
         <a:ln>
           <a:noFill/>
         </a:ln>
@@ -246,7 +247,7 @@
       <a:buFontTx/>
       <a:buNone/>
       <a:tabLst/>
-      <a:defRPr b="0" baseline="0" cap="none" i="0" spc="0" strike="noStrike" sz="1800" u="none" kumimoji="0" normalizeH="0">
+      <a:defRPr kumimoji="0" sz="1800" b="0" i="0" u="none" strike="noStrike" cap="none" spc="0" normalizeH="0" baseline="0">
         <a:ln>
           <a:noFill/>
         </a:ln>
@@ -276,7 +277,7 @@
       <a:buFontTx/>
       <a:buNone/>
       <a:tabLst/>
-      <a:defRPr b="0" baseline="0" cap="none" i="0" spc="0" strike="noStrike" sz="1800" u="none" kumimoji="0" normalizeH="0">
+      <a:defRPr kumimoji="0" sz="1800" b="0" i="0" u="none" strike="noStrike" cap="none" spc="0" normalizeH="0" baseline="0">
         <a:ln>
           <a:noFill/>
         </a:ln>
@@ -306,7 +307,7 @@
       <a:buFontTx/>
       <a:buNone/>
       <a:tabLst/>
-      <a:defRPr b="0" baseline="0" cap="none" i="0" spc="0" strike="noStrike" sz="1800" u="none" kumimoji="0" normalizeH="0">
+      <a:defRPr kumimoji="0" sz="1800" b="0" i="0" u="none" strike="noStrike" cap="none" spc="0" normalizeH="0" baseline="0">
         <a:ln>
           <a:noFill/>
         </a:ln>
@@ -322,16 +323,22 @@
       </a:defRPr>
     </a:lvl9pPr>
   </p:defaultTextStyle>
+  <p:extLst>
+    <p:ext uri="{EFAFB233-063F-42B5-8137-9DF3F51BA10A}">
+      <p15:sldGuideLst xmlns:p15="http://schemas.microsoft.com/office/powerpoint/2012/main"/>
+    </p:ext>
+  </p:extLst>
 </p:presentation>
 </file>
 
-<file path=ppt/commentAuthors.xml><?xml version="1.0" encoding="utf-8"?>
-<p:cmAuthorLst xmlns:a="http://schemas.openxmlformats.org/drawingml/2006/main" xmlns:r="http://schemas.openxmlformats.org/officeDocument/2006/relationships" xmlns:p="http://schemas.openxmlformats.org/presentationml/2006/main" xmlns:m="http://schemas.openxmlformats.org/officeDocument/2006/math" xmlns:a14="http://schemas.microsoft.com/office/drawing/2010/main"/>
-</file>
-
 <file path=ppt/notesMasters/notesMaster1.xml><?xml version="1.0" encoding="utf-8"?>
-<p:notesMaster xmlns:a="http://schemas.openxmlformats.org/drawingml/2006/main" xmlns:r="http://schemas.openxmlformats.org/officeDocument/2006/relationships" xmlns:p="http://schemas.openxmlformats.org/presentationml/2006/main" xmlns:m="http://schemas.openxmlformats.org/officeDocument/2006/math" xmlns:a14="http://schemas.microsoft.com/office/drawing/2010/main">
+<p:notesMaster xmlns:a="http://schemas.openxmlformats.org/drawingml/2006/main" xmlns:r="http://schemas.openxmlformats.org/officeDocument/2006/relationships" xmlns:p="http://schemas.openxmlformats.org/presentationml/2006/main">
   <p:cSld>
+    <p:bg>
+      <p:bgRef idx="1001">
+        <a:schemeClr val="bg1"/>
+      </p:bgRef>
+    </p:bg>
     <p:spTree>
       <p:nvGrpSpPr>
         <p:cNvPr id="1" name=""/>
@@ -349,7 +356,9 @@
       <p:sp>
         <p:nvSpPr>
           <p:cNvPr id="316" name="Shape 316"/>
-          <p:cNvSpPr/>
+          <p:cNvSpPr>
+            <a:spLocks noGrp="1" noRot="1" noChangeAspect="1"/>
+          </p:cNvSpPr>
           <p:nvPr>
             <p:ph type="sldImg"/>
           </p:nvPr>
@@ -367,14 +376,16 @@
           <a:bodyPr/>
           <a:lstStyle/>
           <a:p>
-            <a:pPr/>
+            <a:endParaRPr/>
           </a:p>
         </p:txBody>
       </p:sp>
       <p:sp>
         <p:nvSpPr>
           <p:cNvPr id="317" name="Shape 317"/>
-          <p:cNvSpPr/>
+          <p:cNvSpPr>
+            <a:spLocks noGrp="1"/>
+          </p:cNvSpPr>
           <p:nvPr>
             <p:ph type="body" sz="quarter" idx="1"/>
           </p:nvPr>
@@ -392,7 +403,7 @@
           <a:bodyPr/>
           <a:lstStyle/>
           <a:p>
-            <a:pPr/>
+            <a:endParaRPr/>
           </a:p>
         </p:txBody>
       </p:sp>
@@ -504,7 +515,7 @@
 </file>
 
 <file path=ppt/slideLayouts/slideLayout1.xml><?xml version="1.0" encoding="utf-8"?>
-<p:sldLayout xmlns:a="http://schemas.openxmlformats.org/drawingml/2006/main" xmlns:r="http://schemas.openxmlformats.org/officeDocument/2006/relationships" xmlns:p="http://schemas.openxmlformats.org/presentationml/2006/main" xmlns:m="http://schemas.openxmlformats.org/officeDocument/2006/math" xmlns:a14="http://schemas.microsoft.com/office/drawing/2010/main" type="title" showMasterSp="0" showMasterPhAnim="1">
+<p:sldLayout xmlns:a="http://schemas.openxmlformats.org/drawingml/2006/main" xmlns:r="http://schemas.openxmlformats.org/officeDocument/2006/relationships" xmlns:p="http://schemas.openxmlformats.org/presentationml/2006/main" showMasterSp="0" type="title">
   <p:cSld name="Úvodná snímka">
     <p:spTree>
       <p:nvGrpSpPr>
@@ -608,6 +619,7 @@
                   </a:solidFill>
                 </a:defRPr>
               </a:pPr>
+              <a:endParaRPr/>
             </a:p>
           </p:txBody>
         </p:sp>
@@ -642,7 +654,7 @@
               </a:cxnLst>
               <a:rect l="0" t="0" r="r" b="b"/>
               <a:pathLst>
-                <a:path w="21600" h="21600" fill="norm" stroke="1" extrusionOk="0">
+                <a:path w="21600" h="21600" extrusionOk="0">
                   <a:moveTo>
                     <a:pt x="10800" y="21600"/>
                   </a:moveTo>
@@ -724,6 +736,7 @@
                   </a:solidFill>
                 </a:defRPr>
               </a:pPr>
+              <a:endParaRPr/>
             </a:p>
           </p:txBody>
         </p:sp>
@@ -758,7 +771,7 @@
               </a:cxnLst>
               <a:rect l="0" t="0" r="r" b="b"/>
               <a:pathLst>
-                <a:path w="21600" h="21600" fill="norm" stroke="1" extrusionOk="0">
+                <a:path w="21600" h="21600" extrusionOk="0">
                   <a:moveTo>
                     <a:pt x="10800" y="21600"/>
                   </a:moveTo>
@@ -840,6 +853,7 @@
                   </a:solidFill>
                 </a:defRPr>
               </a:pPr>
+              <a:endParaRPr/>
             </a:p>
           </p:txBody>
         </p:sp>
@@ -887,6 +901,7 @@
                   </a:solidFill>
                 </a:defRPr>
               </a:pPr>
+              <a:endParaRPr/>
             </a:p>
           </p:txBody>
         </p:sp>
@@ -921,7 +936,7 @@
               </a:cxnLst>
               <a:rect l="0" t="0" r="r" b="b"/>
               <a:pathLst>
-                <a:path w="21600" h="21600" fill="norm" stroke="1" extrusionOk="0">
+                <a:path w="21600" h="21600" extrusionOk="0">
                   <a:moveTo>
                     <a:pt x="10800" y="21600"/>
                   </a:moveTo>
@@ -1003,6 +1018,7 @@
                   </a:solidFill>
                 </a:defRPr>
               </a:pPr>
+              <a:endParaRPr/>
             </a:p>
           </p:txBody>
         </p:sp>
@@ -1037,7 +1053,7 @@
               </a:cxnLst>
               <a:rect l="0" t="0" r="r" b="b"/>
               <a:pathLst>
-                <a:path w="21600" h="21600" fill="norm" stroke="1" extrusionOk="0">
+                <a:path w="21600" h="21600" extrusionOk="0">
                   <a:moveTo>
                     <a:pt x="3375" y="21600"/>
                   </a:moveTo>
@@ -1093,6 +1109,7 @@
                   </a:solidFill>
                 </a:defRPr>
               </a:pPr>
+              <a:endParaRPr/>
             </a:p>
           </p:txBody>
         </p:sp>
@@ -1127,7 +1144,7 @@
               </a:cxnLst>
               <a:rect l="0" t="0" r="r" b="b"/>
               <a:pathLst>
-                <a:path w="21600" h="21600" fill="norm" stroke="1" extrusionOk="0">
+                <a:path w="21600" h="21600" extrusionOk="0">
                   <a:moveTo>
                     <a:pt x="20233" y="21600"/>
                   </a:moveTo>
@@ -1183,6 +1200,7 @@
                   </a:solidFill>
                 </a:defRPr>
               </a:pPr>
+              <a:endParaRPr/>
             </a:p>
           </p:txBody>
         </p:sp>
@@ -1217,7 +1235,7 @@
               </a:cxnLst>
               <a:rect l="0" t="0" r="r" b="b"/>
               <a:pathLst>
-                <a:path w="21600" h="21600" fill="norm" stroke="1" extrusionOk="0">
+                <a:path w="21600" h="21600" extrusionOk="0">
                   <a:moveTo>
                     <a:pt x="10800" y="21600"/>
                   </a:moveTo>
@@ -1299,6 +1317,7 @@
                   </a:solidFill>
                 </a:defRPr>
               </a:pPr>
+              <a:endParaRPr/>
             </a:p>
           </p:txBody>
         </p:sp>
@@ -1333,7 +1352,7 @@
               </a:cxnLst>
               <a:rect l="0" t="0" r="r" b="b"/>
               <a:pathLst>
-                <a:path w="21600" h="21600" fill="norm" stroke="1" extrusionOk="0">
+                <a:path w="21600" h="21600" extrusionOk="0">
                   <a:moveTo>
                     <a:pt x="20215" y="21600"/>
                   </a:moveTo>
@@ -1389,6 +1408,7 @@
                   </a:solidFill>
                 </a:defRPr>
               </a:pPr>
+              <a:endParaRPr/>
             </a:p>
           </p:txBody>
         </p:sp>
@@ -1423,7 +1443,7 @@
               </a:cxnLst>
               <a:rect l="0" t="0" r="r" b="b"/>
               <a:pathLst>
-                <a:path w="21600" h="21600" fill="norm" stroke="1" extrusionOk="0">
+                <a:path w="21600" h="21600" extrusionOk="0">
                   <a:moveTo>
                     <a:pt x="21600" y="21600"/>
                   </a:moveTo>
@@ -1479,6 +1499,7 @@
                   </a:solidFill>
                 </a:defRPr>
               </a:pPr>
+              <a:endParaRPr/>
             </a:p>
           </p:txBody>
         </p:sp>
@@ -1513,7 +1534,7 @@
               </a:cxnLst>
               <a:rect l="0" t="0" r="r" b="b"/>
               <a:pathLst>
-                <a:path w="21600" h="21600" fill="norm" stroke="1" extrusionOk="0">
+                <a:path w="21600" h="21600" extrusionOk="0">
                   <a:moveTo>
                     <a:pt x="10800" y="21600"/>
                   </a:moveTo>
@@ -1595,6 +1616,7 @@
                   </a:solidFill>
                 </a:defRPr>
               </a:pPr>
+              <a:endParaRPr/>
             </a:p>
           </p:txBody>
         </p:sp>
@@ -1629,7 +1651,7 @@
               </a:cxnLst>
               <a:rect l="0" t="0" r="r" b="b"/>
               <a:pathLst>
-                <a:path w="21600" h="21600" fill="norm" stroke="1" extrusionOk="0">
+                <a:path w="21600" h="21600" extrusionOk="0">
                   <a:moveTo>
                     <a:pt x="10800" y="21600"/>
                   </a:moveTo>
@@ -1711,6 +1733,7 @@
                   </a:solidFill>
                 </a:defRPr>
               </a:pPr>
+              <a:endParaRPr/>
             </a:p>
           </p:txBody>
         </p:sp>
@@ -1745,7 +1768,7 @@
               </a:cxnLst>
               <a:rect l="0" t="0" r="r" b="b"/>
               <a:pathLst>
-                <a:path w="21600" h="21600" fill="norm" stroke="1" extrusionOk="0">
+                <a:path w="21600" h="21600" extrusionOk="0">
                   <a:moveTo>
                     <a:pt x="20618" y="21600"/>
                   </a:moveTo>
@@ -1801,6 +1824,7 @@
                   </a:solidFill>
                 </a:defRPr>
               </a:pPr>
+              <a:endParaRPr/>
             </a:p>
           </p:txBody>
         </p:sp>
@@ -1835,7 +1859,7 @@
               </a:cxnLst>
               <a:rect l="0" t="0" r="r" b="b"/>
               <a:pathLst>
-                <a:path w="19694" h="21600" fill="norm" stroke="1" extrusionOk="0">
+                <a:path w="19694" h="21600" extrusionOk="0">
                   <a:moveTo>
                     <a:pt x="9847" y="21600"/>
                   </a:moveTo>
@@ -1937,6 +1961,7 @@
                   </a:solidFill>
                 </a:defRPr>
               </a:pPr>
+              <a:endParaRPr/>
             </a:p>
           </p:txBody>
         </p:sp>
@@ -1971,7 +1996,7 @@
               </a:cxnLst>
               <a:rect l="0" t="0" r="r" b="b"/>
               <a:pathLst>
-                <a:path w="21600" h="21600" fill="norm" stroke="1" extrusionOk="0">
+                <a:path w="21600" h="21600" extrusionOk="0">
                   <a:moveTo>
                     <a:pt x="3375" y="21600"/>
                   </a:moveTo>
@@ -2027,6 +2052,7 @@
                   </a:solidFill>
                 </a:defRPr>
               </a:pPr>
+              <a:endParaRPr/>
             </a:p>
           </p:txBody>
         </p:sp>
@@ -2061,7 +2087,7 @@
               </a:cxnLst>
               <a:rect l="0" t="0" r="r" b="b"/>
               <a:pathLst>
-                <a:path w="21600" h="21600" fill="norm" stroke="1" extrusionOk="0">
+                <a:path w="21600" h="21600" extrusionOk="0">
                   <a:moveTo>
                     <a:pt x="10800" y="21600"/>
                   </a:moveTo>
@@ -2143,6 +2169,7 @@
                   </a:solidFill>
                 </a:defRPr>
               </a:pPr>
+              <a:endParaRPr/>
             </a:p>
           </p:txBody>
         </p:sp>
@@ -2177,7 +2204,7 @@
               </a:cxnLst>
               <a:rect l="0" t="0" r="r" b="b"/>
               <a:pathLst>
-                <a:path w="21600" h="21600" fill="norm" stroke="1" extrusionOk="0">
+                <a:path w="21600" h="21600" extrusionOk="0">
                   <a:moveTo>
                     <a:pt x="10800" y="21600"/>
                   </a:moveTo>
@@ -2259,6 +2286,7 @@
                   </a:solidFill>
                 </a:defRPr>
               </a:pPr>
+              <a:endParaRPr/>
             </a:p>
           </p:txBody>
         </p:sp>
@@ -2293,7 +2321,7 @@
               </a:cxnLst>
               <a:rect l="0" t="0" r="r" b="b"/>
               <a:pathLst>
-                <a:path w="21600" h="21600" fill="norm" stroke="1" extrusionOk="0">
+                <a:path w="21600" h="21600" extrusionOk="0">
                   <a:moveTo>
                     <a:pt x="21600" y="21600"/>
                   </a:moveTo>
@@ -2349,6 +2377,7 @@
                   </a:solidFill>
                 </a:defRPr>
               </a:pPr>
+              <a:endParaRPr/>
             </a:p>
           </p:txBody>
         </p:sp>
@@ -2383,7 +2412,7 @@
               </a:cxnLst>
               <a:rect l="0" t="0" r="r" b="b"/>
               <a:pathLst>
-                <a:path w="21600" h="21600" fill="norm" stroke="1" extrusionOk="0">
+                <a:path w="21600" h="21600" extrusionOk="0">
                   <a:moveTo>
                     <a:pt x="11127" y="21600"/>
                   </a:moveTo>
@@ -2465,6 +2494,7 @@
                   </a:solidFill>
                 </a:defRPr>
               </a:pPr>
+              <a:endParaRPr/>
             </a:p>
           </p:txBody>
         </p:sp>
@@ -2499,7 +2529,7 @@
               </a:cxnLst>
               <a:rect l="0" t="0" r="r" b="b"/>
               <a:pathLst>
-                <a:path w="21600" h="21600" fill="norm" stroke="1" extrusionOk="0">
+                <a:path w="21600" h="21600" extrusionOk="0">
                   <a:moveTo>
                     <a:pt x="10800" y="21600"/>
                   </a:moveTo>
@@ -2581,6 +2611,7 @@
                   </a:solidFill>
                 </a:defRPr>
               </a:pPr>
+              <a:endParaRPr/>
             </a:p>
           </p:txBody>
         </p:sp>
@@ -2615,7 +2646,7 @@
               </a:cxnLst>
               <a:rect l="0" t="0" r="r" b="b"/>
               <a:pathLst>
-                <a:path w="21600" h="21600" fill="norm" stroke="1" extrusionOk="0">
+                <a:path w="21600" h="21600" extrusionOk="0">
                   <a:moveTo>
                     <a:pt x="17743" y="21600"/>
                   </a:moveTo>
@@ -2665,6 +2696,7 @@
                   </a:solidFill>
                 </a:defRPr>
               </a:pPr>
+              <a:endParaRPr/>
             </a:p>
           </p:txBody>
         </p:sp>
@@ -2699,7 +2731,7 @@
               </a:cxnLst>
               <a:rect l="0" t="0" r="r" b="b"/>
               <a:pathLst>
-                <a:path w="21600" h="21600" fill="norm" stroke="1" extrusionOk="0">
+                <a:path w="21600" h="21600" extrusionOk="0">
                   <a:moveTo>
                     <a:pt x="10800" y="21600"/>
                   </a:moveTo>
@@ -2781,6 +2813,7 @@
                   </a:solidFill>
                 </a:defRPr>
               </a:pPr>
+              <a:endParaRPr/>
             </a:p>
           </p:txBody>
         </p:sp>
@@ -2815,7 +2848,7 @@
               </a:cxnLst>
               <a:rect l="0" t="0" r="r" b="b"/>
               <a:pathLst>
-                <a:path w="21600" h="21600" fill="norm" stroke="1" extrusionOk="0">
+                <a:path w="21600" h="21600" extrusionOk="0">
                   <a:moveTo>
                     <a:pt x="3086" y="21600"/>
                   </a:moveTo>
@@ -2865,6 +2898,7 @@
                   </a:solidFill>
                 </a:defRPr>
               </a:pPr>
+              <a:endParaRPr/>
             </a:p>
           </p:txBody>
         </p:sp>
@@ -2899,7 +2933,7 @@
               </a:cxnLst>
               <a:rect l="0" t="0" r="r" b="b"/>
               <a:pathLst>
-                <a:path w="21600" h="21600" fill="norm" stroke="1" extrusionOk="0">
+                <a:path w="21600" h="21600" extrusionOk="0">
                   <a:moveTo>
                     <a:pt x="10800" y="21600"/>
                   </a:moveTo>
@@ -2981,6 +3015,7 @@
                   </a:solidFill>
                 </a:defRPr>
               </a:pPr>
+              <a:endParaRPr/>
             </a:p>
           </p:txBody>
         </p:sp>
@@ -3015,7 +3050,7 @@
               </a:cxnLst>
               <a:rect l="0" t="0" r="r" b="b"/>
               <a:pathLst>
-                <a:path w="21600" h="21600" fill="norm" stroke="1" extrusionOk="0">
+                <a:path w="21600" h="21600" extrusionOk="0">
                   <a:moveTo>
                     <a:pt x="21600" y="21600"/>
                   </a:moveTo>
@@ -3077,6 +3112,7 @@
                   </a:solidFill>
                 </a:defRPr>
               </a:pPr>
+              <a:endParaRPr/>
             </a:p>
           </p:txBody>
         </p:sp>
@@ -3111,7 +3147,7 @@
               </a:cxnLst>
               <a:rect l="0" t="0" r="r" b="b"/>
               <a:pathLst>
-                <a:path w="21600" h="21600" fill="norm" stroke="1" extrusionOk="0">
+                <a:path w="21600" h="21600" extrusionOk="0">
                   <a:moveTo>
                     <a:pt x="10800" y="21600"/>
                   </a:moveTo>
@@ -3193,6 +3229,7 @@
                   </a:solidFill>
                 </a:defRPr>
               </a:pPr>
+              <a:endParaRPr/>
             </a:p>
           </p:txBody>
         </p:sp>
@@ -3227,7 +3264,7 @@
               </a:cxnLst>
               <a:rect l="0" t="0" r="r" b="b"/>
               <a:pathLst>
-                <a:path w="21600" h="21600" fill="norm" stroke="1" extrusionOk="0">
+                <a:path w="21600" h="21600" extrusionOk="0">
                   <a:moveTo>
                     <a:pt x="21600" y="21600"/>
                   </a:moveTo>
@@ -3289,6 +3326,7 @@
                   </a:solidFill>
                 </a:defRPr>
               </a:pPr>
+              <a:endParaRPr/>
             </a:p>
           </p:txBody>
         </p:sp>
@@ -3323,7 +3361,7 @@
               </a:cxnLst>
               <a:rect l="0" t="0" r="r" b="b"/>
               <a:pathLst>
-                <a:path w="21600" h="21600" fill="norm" stroke="1" extrusionOk="0">
+                <a:path w="21600" h="21600" extrusionOk="0">
                   <a:moveTo>
                     <a:pt x="10800" y="21600"/>
                   </a:moveTo>
@@ -3405,6 +3443,7 @@
                   </a:solidFill>
                 </a:defRPr>
               </a:pPr>
+              <a:endParaRPr/>
             </a:p>
           </p:txBody>
         </p:sp>
@@ -3452,6 +3491,7 @@
                   </a:solidFill>
                 </a:defRPr>
               </a:pPr>
+              <a:endParaRPr/>
             </a:p>
           </p:txBody>
         </p:sp>
@@ -3486,7 +3526,7 @@
               </a:cxnLst>
               <a:rect l="0" t="0" r="r" b="b"/>
               <a:pathLst>
-                <a:path w="21600" h="21600" fill="norm" stroke="1" extrusionOk="0">
+                <a:path w="21600" h="21600" extrusionOk="0">
                   <a:moveTo>
                     <a:pt x="10800" y="21600"/>
                   </a:moveTo>
@@ -3568,6 +3608,7 @@
                   </a:solidFill>
                 </a:defRPr>
               </a:pPr>
+              <a:endParaRPr/>
             </a:p>
           </p:txBody>
         </p:sp>
@@ -3602,7 +3643,7 @@
               </a:cxnLst>
               <a:rect l="0" t="0" r="r" b="b"/>
               <a:pathLst>
-                <a:path w="21600" h="21600" fill="norm" stroke="1" extrusionOk="0">
+                <a:path w="21600" h="21600" extrusionOk="0">
                   <a:moveTo>
                     <a:pt x="21600" y="21600"/>
                   </a:moveTo>
@@ -3658,6 +3699,7 @@
                   </a:solidFill>
                 </a:defRPr>
               </a:pPr>
+              <a:endParaRPr/>
             </a:p>
           </p:txBody>
         </p:sp>
@@ -3692,7 +3734,7 @@
               </a:cxnLst>
               <a:rect l="0" t="0" r="r" b="b"/>
               <a:pathLst>
-                <a:path w="21600" h="21600" fill="norm" stroke="1" extrusionOk="0">
+                <a:path w="21600" h="21600" extrusionOk="0">
                   <a:moveTo>
                     <a:pt x="1920" y="21600"/>
                   </a:moveTo>
@@ -3748,6 +3790,7 @@
                   </a:solidFill>
                 </a:defRPr>
               </a:pPr>
+              <a:endParaRPr/>
             </a:p>
           </p:txBody>
         </p:sp>
@@ -3782,7 +3825,7 @@
               </a:cxnLst>
               <a:rect l="0" t="0" r="r" b="b"/>
               <a:pathLst>
-                <a:path w="21600" h="21600" fill="norm" stroke="1" extrusionOk="0">
+                <a:path w="21600" h="21600" extrusionOk="0">
                   <a:moveTo>
                     <a:pt x="11109" y="21600"/>
                   </a:moveTo>
@@ -3864,6 +3907,7 @@
                   </a:solidFill>
                 </a:defRPr>
               </a:pPr>
+              <a:endParaRPr/>
             </a:p>
           </p:txBody>
         </p:sp>
@@ -3898,7 +3942,7 @@
               </a:cxnLst>
               <a:rect l="0" t="0" r="r" b="b"/>
               <a:pathLst>
-                <a:path w="21600" h="21600" fill="norm" stroke="1" extrusionOk="0">
+                <a:path w="21600" h="21600" extrusionOk="0">
                   <a:moveTo>
                     <a:pt x="21600" y="21600"/>
                   </a:moveTo>
@@ -3960,6 +4004,7 @@
                   </a:solidFill>
                 </a:defRPr>
               </a:pPr>
+              <a:endParaRPr/>
             </a:p>
           </p:txBody>
         </p:sp>
@@ -3994,7 +4039,7 @@
               </a:cxnLst>
               <a:rect l="0" t="0" r="r" b="b"/>
               <a:pathLst>
-                <a:path w="21600" h="21600" fill="norm" stroke="1" extrusionOk="0">
+                <a:path w="21600" h="21600" extrusionOk="0">
                   <a:moveTo>
                     <a:pt x="21600" y="21600"/>
                   </a:moveTo>
@@ -4050,6 +4095,7 @@
                   </a:solidFill>
                 </a:defRPr>
               </a:pPr>
+              <a:endParaRPr/>
             </a:p>
           </p:txBody>
         </p:sp>
@@ -4084,7 +4130,7 @@
               </a:cxnLst>
               <a:rect l="0" t="0" r="r" b="b"/>
               <a:pathLst>
-                <a:path w="21600" h="21600" fill="norm" stroke="1" extrusionOk="0">
+                <a:path w="21600" h="21600" extrusionOk="0">
                   <a:moveTo>
                     <a:pt x="11270" y="21600"/>
                   </a:moveTo>
@@ -4166,6 +4212,7 @@
                   </a:solidFill>
                 </a:defRPr>
               </a:pPr>
+              <a:endParaRPr/>
             </a:p>
           </p:txBody>
         </p:sp>
@@ -4200,7 +4247,7 @@
               </a:cxnLst>
               <a:rect l="0" t="0" r="r" b="b"/>
               <a:pathLst>
-                <a:path w="21600" h="21600" fill="norm" stroke="1" extrusionOk="0">
+                <a:path w="21600" h="21600" extrusionOk="0">
                   <a:moveTo>
                     <a:pt x="2880" y="21600"/>
                   </a:moveTo>
@@ -4256,6 +4303,7 @@
                   </a:solidFill>
                 </a:defRPr>
               </a:pPr>
+              <a:endParaRPr/>
             </a:p>
           </p:txBody>
         </p:sp>
@@ -4290,7 +4338,7 @@
               </a:cxnLst>
               <a:rect l="0" t="0" r="r" b="b"/>
               <a:pathLst>
-                <a:path w="21600" h="21600" fill="norm" stroke="1" extrusionOk="0">
+                <a:path w="21600" h="21600" extrusionOk="0">
                   <a:moveTo>
                     <a:pt x="10330" y="21600"/>
                   </a:moveTo>
@@ -4372,6 +4420,7 @@
                   </a:solidFill>
                 </a:defRPr>
               </a:pPr>
+              <a:endParaRPr/>
             </a:p>
           </p:txBody>
         </p:sp>
@@ -4406,7 +4455,7 @@
               </a:cxnLst>
               <a:rect l="0" t="0" r="r" b="b"/>
               <a:pathLst>
-                <a:path w="21600" h="21600" fill="norm" stroke="1" extrusionOk="0">
+                <a:path w="21600" h="21600" extrusionOk="0">
                   <a:moveTo>
                     <a:pt x="1800" y="21600"/>
                   </a:moveTo>
@@ -4462,6 +4511,7 @@
                   </a:solidFill>
                 </a:defRPr>
               </a:pPr>
+              <a:endParaRPr/>
             </a:p>
           </p:txBody>
         </p:sp>
@@ -4496,7 +4546,7 @@
               </a:cxnLst>
               <a:rect l="0" t="0" r="r" b="b"/>
               <a:pathLst>
-                <a:path w="21600" h="21600" fill="norm" stroke="1" extrusionOk="0">
+                <a:path w="21600" h="21600" extrusionOk="0">
                   <a:moveTo>
                     <a:pt x="11270" y="21600"/>
                   </a:moveTo>
@@ -4578,6 +4628,7 @@
                   </a:solidFill>
                 </a:defRPr>
               </a:pPr>
+              <a:endParaRPr/>
             </a:p>
           </p:txBody>
         </p:sp>
@@ -4625,6 +4676,7 @@
                   </a:solidFill>
                 </a:defRPr>
               </a:pPr>
+              <a:endParaRPr/>
             </a:p>
           </p:txBody>
         </p:sp>
@@ -4659,7 +4711,7 @@
               </a:cxnLst>
               <a:rect l="0" t="0" r="r" b="b"/>
               <a:pathLst>
-                <a:path w="21600" h="21600" fill="norm" stroke="1" extrusionOk="0">
+                <a:path w="21600" h="21600" extrusionOk="0">
                   <a:moveTo>
                     <a:pt x="1385" y="21600"/>
                   </a:moveTo>
@@ -4715,6 +4767,7 @@
                   </a:solidFill>
                 </a:defRPr>
               </a:pPr>
+              <a:endParaRPr/>
             </a:p>
           </p:txBody>
         </p:sp>
@@ -4749,7 +4802,7 @@
               </a:cxnLst>
               <a:rect l="0" t="0" r="r" b="b"/>
               <a:pathLst>
-                <a:path w="21600" h="21600" fill="norm" stroke="1" extrusionOk="0">
+                <a:path w="21600" h="21600" extrusionOk="0">
                   <a:moveTo>
                     <a:pt x="10800" y="21600"/>
                   </a:moveTo>
@@ -4831,6 +4884,7 @@
                   </a:solidFill>
                 </a:defRPr>
               </a:pPr>
+              <a:endParaRPr/>
             </a:p>
           </p:txBody>
         </p:sp>
@@ -4865,7 +4919,7 @@
               </a:cxnLst>
               <a:rect l="0" t="0" r="r" b="b"/>
               <a:pathLst>
-                <a:path w="21600" h="21600" fill="norm" stroke="1" extrusionOk="0">
+                <a:path w="21600" h="21600" extrusionOk="0">
                   <a:moveTo>
                     <a:pt x="21600" y="21600"/>
                   </a:moveTo>
@@ -4921,6 +4975,7 @@
                   </a:solidFill>
                 </a:defRPr>
               </a:pPr>
+              <a:endParaRPr/>
             </a:p>
           </p:txBody>
         </p:sp>
@@ -4955,7 +5010,7 @@
               </a:cxnLst>
               <a:rect l="0" t="0" r="r" b="b"/>
               <a:pathLst>
-                <a:path w="21600" h="21600" fill="norm" stroke="1" extrusionOk="0">
+                <a:path w="21600" h="21600" extrusionOk="0">
                   <a:moveTo>
                     <a:pt x="10800" y="21600"/>
                   </a:moveTo>
@@ -5037,6 +5092,7 @@
                   </a:solidFill>
                 </a:defRPr>
               </a:pPr>
+              <a:endParaRPr/>
             </a:p>
           </p:txBody>
         </p:sp>
@@ -5071,7 +5127,7 @@
               </a:cxnLst>
               <a:rect l="0" t="0" r="r" b="b"/>
               <a:pathLst>
-                <a:path w="21600" h="21600" fill="norm" stroke="1" extrusionOk="0">
+                <a:path w="21600" h="21600" extrusionOk="0">
                   <a:moveTo>
                     <a:pt x="10800" y="21600"/>
                   </a:moveTo>
@@ -5153,6 +5209,7 @@
                   </a:solidFill>
                 </a:defRPr>
               </a:pPr>
+              <a:endParaRPr/>
             </a:p>
           </p:txBody>
         </p:sp>
@@ -5187,7 +5244,7 @@
               </a:cxnLst>
               <a:rect l="0" t="0" r="r" b="b"/>
               <a:pathLst>
-                <a:path w="21600" h="21600" fill="norm" stroke="1" extrusionOk="0">
+                <a:path w="21600" h="21600" extrusionOk="0">
                   <a:moveTo>
                     <a:pt x="1662" y="21600"/>
                   </a:moveTo>
@@ -5243,6 +5300,7 @@
                   </a:solidFill>
                 </a:defRPr>
               </a:pPr>
+              <a:endParaRPr/>
             </a:p>
           </p:txBody>
         </p:sp>
@@ -5277,7 +5335,7 @@
               </a:cxnLst>
               <a:rect l="0" t="0" r="r" b="b"/>
               <a:pathLst>
-                <a:path w="21600" h="21600" fill="norm" stroke="1" extrusionOk="0">
+                <a:path w="21600" h="21600" extrusionOk="0">
                   <a:moveTo>
                     <a:pt x="3375" y="21600"/>
                   </a:moveTo>
@@ -5333,6 +5391,7 @@
                   </a:solidFill>
                 </a:defRPr>
               </a:pPr>
+              <a:endParaRPr/>
             </a:p>
           </p:txBody>
         </p:sp>
@@ -5367,7 +5426,7 @@
               </a:cxnLst>
               <a:rect l="0" t="0" r="r" b="b"/>
               <a:pathLst>
-                <a:path w="21600" h="21600" fill="norm" stroke="1" extrusionOk="0">
+                <a:path w="21600" h="21600" extrusionOk="0">
                   <a:moveTo>
                     <a:pt x="10800" y="21600"/>
                   </a:moveTo>
@@ -5449,6 +5508,7 @@
                   </a:solidFill>
                 </a:defRPr>
               </a:pPr>
+              <a:endParaRPr/>
             </a:p>
           </p:txBody>
         </p:sp>
@@ -5483,7 +5543,7 @@
               </a:cxnLst>
               <a:rect l="0" t="0" r="r" b="b"/>
               <a:pathLst>
-                <a:path w="21600" h="21600" fill="norm" stroke="1" extrusionOk="0">
+                <a:path w="21600" h="21600" extrusionOk="0">
                   <a:moveTo>
                     <a:pt x="10800" y="21600"/>
                   </a:moveTo>
@@ -5565,6 +5625,7 @@
                   </a:solidFill>
                 </a:defRPr>
               </a:pPr>
+              <a:endParaRPr/>
             </a:p>
           </p:txBody>
         </p:sp>
@@ -5599,7 +5660,7 @@
               </a:cxnLst>
               <a:rect l="0" t="0" r="r" b="b"/>
               <a:pathLst>
-                <a:path w="21600" h="21600" fill="norm" stroke="1" extrusionOk="0">
+                <a:path w="21600" h="21600" extrusionOk="0">
                   <a:moveTo>
                     <a:pt x="982" y="21600"/>
                   </a:moveTo>
@@ -5655,6 +5716,7 @@
                   </a:solidFill>
                 </a:defRPr>
               </a:pPr>
+              <a:endParaRPr/>
             </a:p>
           </p:txBody>
         </p:sp>
@@ -5689,7 +5751,7 @@
               </a:cxnLst>
               <a:rect l="0" t="0" r="r" b="b"/>
               <a:pathLst>
-                <a:path w="20618" h="21600" fill="norm" stroke="1" extrusionOk="0">
+                <a:path w="20618" h="21600" extrusionOk="0">
                   <a:moveTo>
                     <a:pt x="10473" y="21600"/>
                   </a:moveTo>
@@ -5801,6 +5863,7 @@
                   </a:solidFill>
                 </a:defRPr>
               </a:pPr>
+              <a:endParaRPr/>
             </a:p>
           </p:txBody>
         </p:sp>
@@ -5835,7 +5898,7 @@
               </a:cxnLst>
               <a:rect l="0" t="0" r="r" b="b"/>
               <a:pathLst>
-                <a:path w="21600" h="21600" fill="norm" stroke="1" extrusionOk="0">
+                <a:path w="21600" h="21600" extrusionOk="0">
                   <a:moveTo>
                     <a:pt x="19396" y="21600"/>
                   </a:moveTo>
@@ -5897,6 +5960,7 @@
                   </a:solidFill>
                 </a:defRPr>
               </a:pPr>
+              <a:endParaRPr/>
             </a:p>
           </p:txBody>
         </p:sp>
@@ -5931,7 +5995,7 @@
               </a:cxnLst>
               <a:rect l="0" t="0" r="r" b="b"/>
               <a:pathLst>
-                <a:path w="21600" h="21600" fill="norm" stroke="1" extrusionOk="0">
+                <a:path w="21600" h="21600" extrusionOk="0">
                   <a:moveTo>
                     <a:pt x="11077" y="21600"/>
                   </a:moveTo>
@@ -6013,6 +6077,7 @@
                   </a:solidFill>
                 </a:defRPr>
               </a:pPr>
+              <a:endParaRPr/>
             </a:p>
           </p:txBody>
         </p:sp>
@@ -6020,7 +6085,9 @@
       <p:sp>
         <p:nvSpPr>
           <p:cNvPr id="107" name="Title Text"/>
-          <p:cNvSpPr txBox="1"/>
+          <p:cNvSpPr txBox="1">
+            <a:spLocks noGrp="1"/>
+          </p:cNvSpPr>
           <p:nvPr>
             <p:ph type="title"/>
           </p:nvPr>
@@ -6042,7 +6109,6 @@
             </a:lvl1pPr>
           </a:lstStyle>
           <a:p>
-            <a:pPr/>
             <a:r>
               <a:t>Title Text</a:t>
             </a:r>
@@ -6052,7 +6118,9 @@
       <p:sp>
         <p:nvSpPr>
           <p:cNvPr id="108" name="Body Level One…"/>
-          <p:cNvSpPr txBox="1"/>
+          <p:cNvSpPr txBox="1">
+            <a:spLocks noGrp="1"/>
+          </p:cNvSpPr>
           <p:nvPr>
             <p:ph type="body" sz="quarter" idx="1"/>
           </p:nvPr>
@@ -6073,7 +6141,7 @@
               <a:buSzTx/>
               <a:buFontTx/>
               <a:buNone/>
-              <a:defRPr cap="all" sz="2000">
+              <a:defRPr sz="2000" cap="all">
                 <a:solidFill>
                   <a:srgbClr val="82FFFF"/>
                 </a:solidFill>
@@ -6083,7 +6151,7 @@
               <a:buSzTx/>
               <a:buFontTx/>
               <a:buNone/>
-              <a:defRPr cap="all" sz="2000">
+              <a:defRPr sz="2000" cap="all">
                 <a:solidFill>
                   <a:srgbClr val="82FFFF"/>
                 </a:solidFill>
@@ -6093,7 +6161,7 @@
               <a:buSzTx/>
               <a:buFontTx/>
               <a:buNone/>
-              <a:defRPr cap="all" sz="2000">
+              <a:defRPr sz="2000" cap="all">
                 <a:solidFill>
                   <a:srgbClr val="82FFFF"/>
                 </a:solidFill>
@@ -6103,7 +6171,7 @@
               <a:buSzTx/>
               <a:buFontTx/>
               <a:buNone/>
-              <a:defRPr cap="all" sz="2000">
+              <a:defRPr sz="2000" cap="all">
                 <a:solidFill>
                   <a:srgbClr val="82FFFF"/>
                 </a:solidFill>
@@ -6113,7 +6181,7 @@
               <a:buSzTx/>
               <a:buFontTx/>
               <a:buNone/>
-              <a:defRPr cap="all" sz="2000">
+              <a:defRPr sz="2000" cap="all">
                 <a:solidFill>
                   <a:srgbClr val="82FFFF"/>
                 </a:solidFill>
@@ -6121,7 +6189,6 @@
             </a:lvl5pPr>
           </a:lstStyle>
           <a:p>
-            <a:pPr/>
             <a:r>
               <a:t>Body Level One</a:t>
             </a:r>
@@ -6155,7 +6222,9 @@
       <p:sp>
         <p:nvSpPr>
           <p:cNvPr id="109" name="Slide Number"/>
-          <p:cNvSpPr txBox="1"/>
+          <p:cNvSpPr txBox="1">
+            <a:spLocks noGrp="1"/>
+          </p:cNvSpPr>
           <p:nvPr>
             <p:ph type="sldNum" sz="quarter" idx="2"/>
           </p:nvPr>
@@ -6173,8 +6242,10 @@
           <a:bodyPr/>
           <a:lstStyle/>
           <a:p>
-            <a:pPr/>
-            <a:fld id="{86CB4B4D-7CA3-9044-876B-883B54F8677D}" type="slidenum"/>
+            <a:fld id="{86CB4B4D-7CA3-9044-876B-883B54F8677D}" type="slidenum">
+              <a:t>‹#›</a:t>
+            </a:fld>
+            <a:endParaRPr/>
           </a:p>
         </p:txBody>
       </p:sp>
@@ -6183,12 +6254,12 @@
   <p:clrMapOvr>
     <a:masterClrMapping/>
   </p:clrMapOvr>
-  <p:transition xmlns:p14="http://schemas.microsoft.com/office/powerpoint/2010/main" spd="med" advClick="1"/>
+  <p:transition spd="med"/>
 </p:sldLayout>
 </file>
 
 <file path=ppt/slideLayouts/slideLayout10.xml><?xml version="1.0" encoding="utf-8"?>
-<p:sldLayout xmlns:a="http://schemas.openxmlformats.org/drawingml/2006/main" xmlns:r="http://schemas.openxmlformats.org/officeDocument/2006/relationships" xmlns:p="http://schemas.openxmlformats.org/presentationml/2006/main" xmlns:m="http://schemas.openxmlformats.org/officeDocument/2006/math" xmlns:a14="http://schemas.microsoft.com/office/drawing/2010/main" type="tx" showMasterSp="1" showMasterPhAnim="1">
+<p:sldLayout xmlns:a="http://schemas.openxmlformats.org/drawingml/2006/main" xmlns:r="http://schemas.openxmlformats.org/officeDocument/2006/relationships" xmlns:p="http://schemas.openxmlformats.org/presentationml/2006/main" type="tx">
   <p:cSld name="Panoramatický obrázok s popisom">
     <p:spTree>
       <p:nvGrpSpPr>
@@ -6207,7 +6278,9 @@
       <p:sp>
         <p:nvSpPr>
           <p:cNvPr id="228" name="Title Text"/>
-          <p:cNvSpPr txBox="1"/>
+          <p:cNvSpPr txBox="1">
+            <a:spLocks noGrp="1"/>
+          </p:cNvSpPr>
           <p:nvPr>
             <p:ph type="title"/>
           </p:nvPr>
@@ -6229,7 +6302,6 @@
             </a:lvl1pPr>
           </a:lstStyle>
           <a:p>
-            <a:pPr/>
             <a:r>
               <a:t>Title Text</a:t>
             </a:r>
@@ -6239,7 +6311,9 @@
       <p:sp>
         <p:nvSpPr>
           <p:cNvPr id="229" name="Picture Placeholder 2"/>
-          <p:cNvSpPr/>
+          <p:cNvSpPr>
+            <a:spLocks noGrp="1"/>
+          </p:cNvSpPr>
           <p:nvPr>
             <p:ph type="pic" sz="half" idx="13"/>
           </p:nvPr>
@@ -6261,7 +6335,7 @@
             <a:miter lim="800000"/>
           </a:ln>
           <a:effectLst>
-            <a:outerShdw sx="100000" sy="100000" kx="0" ky="0" algn="b" rotWithShape="0" blurRad="88900" dist="38100" dir="5400000">
+            <a:outerShdw blurRad="88900" dist="38100" dir="5400000" rotWithShape="0">
               <a:srgbClr val="000000">
                 <a:alpha val="40000"/>
               </a:srgbClr>
@@ -6274,14 +6348,16 @@
           </a:bodyPr>
           <a:lstStyle/>
           <a:p>
-            <a:pPr/>
+            <a:endParaRPr/>
           </a:p>
         </p:txBody>
       </p:sp>
       <p:sp>
         <p:nvSpPr>
           <p:cNvPr id="230" name="Body Level One…"/>
-          <p:cNvSpPr txBox="1"/>
+          <p:cNvSpPr txBox="1">
+            <a:spLocks noGrp="1"/>
+          </p:cNvSpPr>
           <p:nvPr>
             <p:ph type="body" sz="quarter" idx="1"/>
           </p:nvPr>
@@ -6330,7 +6406,6 @@
             </a:lvl5pPr>
           </a:lstStyle>
           <a:p>
-            <a:pPr/>
             <a:r>
               <a:t>Body Level One</a:t>
             </a:r>
@@ -6364,7 +6439,9 @@
       <p:sp>
         <p:nvSpPr>
           <p:cNvPr id="231" name="Slide Number"/>
-          <p:cNvSpPr txBox="1"/>
+          <p:cNvSpPr txBox="1">
+            <a:spLocks noGrp="1"/>
+          </p:cNvSpPr>
           <p:nvPr>
             <p:ph type="sldNum" sz="quarter" idx="2"/>
           </p:nvPr>
@@ -6378,8 +6455,10 @@
           <a:bodyPr/>
           <a:lstStyle/>
           <a:p>
-            <a:pPr/>
-            <a:fld id="{86CB4B4D-7CA3-9044-876B-883B54F8677D}" type="slidenum"/>
+            <a:fld id="{86CB4B4D-7CA3-9044-876B-883B54F8677D}" type="slidenum">
+              <a:t>‹#›</a:t>
+            </a:fld>
+            <a:endParaRPr/>
           </a:p>
         </p:txBody>
       </p:sp>
@@ -6388,12 +6467,12 @@
   <p:clrMapOvr>
     <a:masterClrMapping/>
   </p:clrMapOvr>
-  <p:transition xmlns:p14="http://schemas.microsoft.com/office/powerpoint/2010/main" spd="med" advClick="1"/>
+  <p:transition spd="med"/>
 </p:sldLayout>
 </file>
 
 <file path=ppt/slideLayouts/slideLayout11.xml><?xml version="1.0" encoding="utf-8"?>
-<p:sldLayout xmlns:a="http://schemas.openxmlformats.org/drawingml/2006/main" xmlns:r="http://schemas.openxmlformats.org/officeDocument/2006/relationships" xmlns:p="http://schemas.openxmlformats.org/presentationml/2006/main" xmlns:m="http://schemas.openxmlformats.org/officeDocument/2006/math" xmlns:a14="http://schemas.microsoft.com/office/drawing/2010/main" type="tx" showMasterSp="1" showMasterPhAnim="1">
+<p:sldLayout xmlns:a="http://schemas.openxmlformats.org/drawingml/2006/main" xmlns:r="http://schemas.openxmlformats.org/officeDocument/2006/relationships" xmlns:p="http://schemas.openxmlformats.org/presentationml/2006/main" type="tx">
   <p:cSld name="Názov a popis">
     <p:spTree>
       <p:nvGrpSpPr>
@@ -6412,7 +6491,9 @@
       <p:sp>
         <p:nvSpPr>
           <p:cNvPr id="238" name="Title Text"/>
-          <p:cNvSpPr txBox="1"/>
+          <p:cNvSpPr txBox="1">
+            <a:spLocks noGrp="1"/>
+          </p:cNvSpPr>
           <p:nvPr>
             <p:ph type="title"/>
           </p:nvPr>
@@ -6430,7 +6511,6 @@
           <a:bodyPr/>
           <a:lstStyle/>
           <a:p>
-            <a:pPr/>
             <a:r>
               <a:t>Title Text</a:t>
             </a:r>
@@ -6440,7 +6520,9 @@
       <p:sp>
         <p:nvSpPr>
           <p:cNvPr id="239" name="Body Level One…"/>
-          <p:cNvSpPr txBox="1"/>
+          <p:cNvSpPr txBox="1">
+            <a:spLocks noGrp="1"/>
+          </p:cNvSpPr>
           <p:nvPr>
             <p:ph type="body" sz="quarter" idx="1"/>
           </p:nvPr>
@@ -6489,7 +6571,6 @@
             </a:lvl5pPr>
           </a:lstStyle>
           <a:p>
-            <a:pPr/>
             <a:r>
               <a:t>Body Level One</a:t>
             </a:r>
@@ -6523,7 +6604,9 @@
       <p:sp>
         <p:nvSpPr>
           <p:cNvPr id="240" name="Slide Number"/>
-          <p:cNvSpPr txBox="1"/>
+          <p:cNvSpPr txBox="1">
+            <a:spLocks noGrp="1"/>
+          </p:cNvSpPr>
           <p:nvPr>
             <p:ph type="sldNum" sz="quarter" idx="2"/>
           </p:nvPr>
@@ -6537,8 +6620,10 @@
           <a:bodyPr/>
           <a:lstStyle/>
           <a:p>
-            <a:pPr/>
-            <a:fld id="{86CB4B4D-7CA3-9044-876B-883B54F8677D}" type="slidenum"/>
+            <a:fld id="{86CB4B4D-7CA3-9044-876B-883B54F8677D}" type="slidenum">
+              <a:t>‹#›</a:t>
+            </a:fld>
+            <a:endParaRPr/>
           </a:p>
         </p:txBody>
       </p:sp>
@@ -6547,12 +6632,12 @@
   <p:clrMapOvr>
     <a:masterClrMapping/>
   </p:clrMapOvr>
-  <p:transition xmlns:p14="http://schemas.microsoft.com/office/powerpoint/2010/main" spd="med" advClick="1"/>
+  <p:transition spd="med"/>
 </p:sldLayout>
 </file>
 
 <file path=ppt/slideLayouts/slideLayout12.xml><?xml version="1.0" encoding="utf-8"?>
-<p:sldLayout xmlns:a="http://schemas.openxmlformats.org/drawingml/2006/main" xmlns:r="http://schemas.openxmlformats.org/officeDocument/2006/relationships" xmlns:p="http://schemas.openxmlformats.org/presentationml/2006/main" xmlns:m="http://schemas.openxmlformats.org/officeDocument/2006/math" xmlns:a14="http://schemas.microsoft.com/office/drawing/2010/main" type="tx" showMasterSp="1" showMasterPhAnim="1">
+<p:sldLayout xmlns:a="http://schemas.openxmlformats.org/drawingml/2006/main" xmlns:r="http://schemas.openxmlformats.org/officeDocument/2006/relationships" xmlns:p="http://schemas.openxmlformats.org/presentationml/2006/main" type="tx">
   <p:cSld name="Ponuka s popisom">
     <p:spTree>
       <p:nvGrpSpPr>
@@ -6571,7 +6656,9 @@
       <p:sp>
         <p:nvSpPr>
           <p:cNvPr id="247" name="Title Text"/>
-          <p:cNvSpPr txBox="1"/>
+          <p:cNvSpPr txBox="1">
+            <a:spLocks noGrp="1"/>
+          </p:cNvSpPr>
           <p:nvPr>
             <p:ph type="title"/>
           </p:nvPr>
@@ -6589,7 +6676,6 @@
           <a:bodyPr/>
           <a:lstStyle/>
           <a:p>
-            <a:pPr/>
             <a:r>
               <a:t>Title Text</a:t>
             </a:r>
@@ -6599,7 +6685,9 @@
       <p:sp>
         <p:nvSpPr>
           <p:cNvPr id="248" name="Body Level One…"/>
-          <p:cNvSpPr txBox="1"/>
+          <p:cNvSpPr txBox="1">
+            <a:spLocks noGrp="1"/>
+          </p:cNvSpPr>
           <p:nvPr>
             <p:ph type="body" sz="quarter" idx="1"/>
           </p:nvPr>
@@ -6648,7 +6736,6 @@
             </a:lvl5pPr>
           </a:lstStyle>
           <a:p>
-            <a:pPr/>
             <a:r>
               <a:t>Body Level One</a:t>
             </a:r>
@@ -6682,7 +6769,9 @@
       <p:sp>
         <p:nvSpPr>
           <p:cNvPr id="249" name="Text Placeholder 3"/>
-          <p:cNvSpPr/>
+          <p:cNvSpPr>
+            <a:spLocks noGrp="1"/>
+          </p:cNvSpPr>
           <p:nvPr>
             <p:ph type="body" sz="quarter" idx="13"/>
           </p:nvPr>
@@ -6706,6 +6795,7 @@
               <a:buNone/>
               <a:defRPr sz="1800"/>
             </a:pPr>
+            <a:endParaRPr/>
           </a:p>
         </p:txBody>
       </p:sp>
@@ -6728,7 +6818,7 @@
           </a:ln>
           <a:extLst>
             <a:ext uri="{C572A759-6A51-4108-AA02-DFA0A04FC94B}">
-              <ma14:wrappingTextBoxFlag xmlns:ma14="http://schemas.microsoft.com/office/mac/drawingml/2011/main" val="1"/>
+              <ma14:wrappingTextBoxFlag xmlns="" xmlns:m="http://schemas.openxmlformats.org/officeDocument/2006/math" xmlns:a14="http://schemas.microsoft.com/office/drawing/2010/main" xmlns:ma14="http://schemas.microsoft.com/office/mac/drawingml/2011/main" val="1"/>
             </a:ext>
           </a:extLst>
         </p:spPr>
@@ -6738,7 +6828,7 @@
           </a:bodyPr>
           <a:lstStyle>
             <a:lvl1pPr algn="r">
-              <a:defRPr cap="all" sz="8000">
+              <a:defRPr sz="8000" cap="all">
                 <a:solidFill>
                   <a:srgbClr val="FFFFFF"/>
                 </a:solidFill>
@@ -6746,7 +6836,6 @@
             </a:lvl1pPr>
           </a:lstStyle>
           <a:p>
-            <a:pPr/>
             <a:r>
               <a:t>“</a:t>
             </a:r>
@@ -6772,7 +6861,7 @@
           </a:ln>
           <a:extLst>
             <a:ext uri="{C572A759-6A51-4108-AA02-DFA0A04FC94B}">
-              <ma14:wrappingTextBoxFlag xmlns:ma14="http://schemas.microsoft.com/office/mac/drawingml/2011/main" val="1"/>
+              <ma14:wrappingTextBoxFlag xmlns="" xmlns:m="http://schemas.openxmlformats.org/officeDocument/2006/math" xmlns:a14="http://schemas.microsoft.com/office/drawing/2010/main" xmlns:ma14="http://schemas.microsoft.com/office/mac/drawingml/2011/main" val="1"/>
             </a:ext>
           </a:extLst>
         </p:spPr>
@@ -6782,7 +6871,7 @@
           </a:bodyPr>
           <a:lstStyle>
             <a:lvl1pPr algn="r">
-              <a:defRPr cap="all" sz="8000">
+              <a:defRPr sz="8000" cap="all">
                 <a:solidFill>
                   <a:srgbClr val="FFFFFF"/>
                 </a:solidFill>
@@ -6790,7 +6879,6 @@
             </a:lvl1pPr>
           </a:lstStyle>
           <a:p>
-            <a:pPr/>
             <a:r>
               <a:t>”</a:t>
             </a:r>
@@ -6800,7 +6888,9 @@
       <p:sp>
         <p:nvSpPr>
           <p:cNvPr id="252" name="Slide Number"/>
-          <p:cNvSpPr txBox="1"/>
+          <p:cNvSpPr txBox="1">
+            <a:spLocks noGrp="1"/>
+          </p:cNvSpPr>
           <p:nvPr>
             <p:ph type="sldNum" sz="quarter" idx="2"/>
           </p:nvPr>
@@ -6814,8 +6904,10 @@
           <a:bodyPr/>
           <a:lstStyle/>
           <a:p>
-            <a:pPr/>
-            <a:fld id="{86CB4B4D-7CA3-9044-876B-883B54F8677D}" type="slidenum"/>
+            <a:fld id="{86CB4B4D-7CA3-9044-876B-883B54F8677D}" type="slidenum">
+              <a:t>‹#›</a:t>
+            </a:fld>
+            <a:endParaRPr/>
           </a:p>
         </p:txBody>
       </p:sp>
@@ -6824,12 +6916,12 @@
   <p:clrMapOvr>
     <a:masterClrMapping/>
   </p:clrMapOvr>
-  <p:transition xmlns:p14="http://schemas.microsoft.com/office/powerpoint/2010/main" spd="med" advClick="1"/>
+  <p:transition spd="med"/>
 </p:sldLayout>
 </file>
 
 <file path=ppt/slideLayouts/slideLayout13.xml><?xml version="1.0" encoding="utf-8"?>
-<p:sldLayout xmlns:a="http://schemas.openxmlformats.org/drawingml/2006/main" xmlns:r="http://schemas.openxmlformats.org/officeDocument/2006/relationships" xmlns:p="http://schemas.openxmlformats.org/presentationml/2006/main" xmlns:m="http://schemas.openxmlformats.org/officeDocument/2006/math" xmlns:a14="http://schemas.microsoft.com/office/drawing/2010/main" type="tx" showMasterSp="1" showMasterPhAnim="1">
+<p:sldLayout xmlns:a="http://schemas.openxmlformats.org/drawingml/2006/main" xmlns:r="http://schemas.openxmlformats.org/officeDocument/2006/relationships" xmlns:p="http://schemas.openxmlformats.org/presentationml/2006/main" type="tx">
   <p:cSld name="Karta s názvom">
     <p:spTree>
       <p:nvGrpSpPr>
@@ -6848,7 +6940,9 @@
       <p:sp>
         <p:nvSpPr>
           <p:cNvPr id="259" name="Title Text"/>
-          <p:cNvSpPr txBox="1"/>
+          <p:cNvSpPr txBox="1">
+            <a:spLocks noGrp="1"/>
+          </p:cNvSpPr>
           <p:nvPr>
             <p:ph type="title"/>
           </p:nvPr>
@@ -6866,7 +6960,6 @@
           <a:bodyPr anchor="b"/>
           <a:lstStyle/>
           <a:p>
-            <a:pPr/>
             <a:r>
               <a:t>Title Text</a:t>
             </a:r>
@@ -6876,7 +6969,9 @@
       <p:sp>
         <p:nvSpPr>
           <p:cNvPr id="260" name="Body Level One…"/>
-          <p:cNvSpPr txBox="1"/>
+          <p:cNvSpPr txBox="1">
+            <a:spLocks noGrp="1"/>
+          </p:cNvSpPr>
           <p:nvPr>
             <p:ph type="body" sz="quarter" idx="1"/>
           </p:nvPr>
@@ -6925,7 +7020,6 @@
             </a:lvl5pPr>
           </a:lstStyle>
           <a:p>
-            <a:pPr/>
             <a:r>
               <a:t>Body Level One</a:t>
             </a:r>
@@ -6959,7 +7053,9 @@
       <p:sp>
         <p:nvSpPr>
           <p:cNvPr id="261" name="Slide Number"/>
-          <p:cNvSpPr txBox="1"/>
+          <p:cNvSpPr txBox="1">
+            <a:spLocks noGrp="1"/>
+          </p:cNvSpPr>
           <p:nvPr>
             <p:ph type="sldNum" sz="quarter" idx="2"/>
           </p:nvPr>
@@ -6973,8 +7069,10 @@
           <a:bodyPr/>
           <a:lstStyle/>
           <a:p>
-            <a:pPr/>
-            <a:fld id="{86CB4B4D-7CA3-9044-876B-883B54F8677D}" type="slidenum"/>
+            <a:fld id="{86CB4B4D-7CA3-9044-876B-883B54F8677D}" type="slidenum">
+              <a:t>‹#›</a:t>
+            </a:fld>
+            <a:endParaRPr/>
           </a:p>
         </p:txBody>
       </p:sp>
@@ -6983,12 +7081,12 @@
   <p:clrMapOvr>
     <a:masterClrMapping/>
   </p:clrMapOvr>
-  <p:transition xmlns:p14="http://schemas.microsoft.com/office/powerpoint/2010/main" spd="med" advClick="1"/>
+  <p:transition spd="med"/>
 </p:sldLayout>
 </file>
 
 <file path=ppt/slideLayouts/slideLayout14.xml><?xml version="1.0" encoding="utf-8"?>
-<p:sldLayout xmlns:a="http://schemas.openxmlformats.org/drawingml/2006/main" xmlns:r="http://schemas.openxmlformats.org/officeDocument/2006/relationships" xmlns:p="http://schemas.openxmlformats.org/presentationml/2006/main" xmlns:m="http://schemas.openxmlformats.org/officeDocument/2006/math" xmlns:a14="http://schemas.microsoft.com/office/drawing/2010/main" type="tx" showMasterSp="1" showMasterPhAnim="1">
+<p:sldLayout xmlns:a="http://schemas.openxmlformats.org/drawingml/2006/main" xmlns:r="http://schemas.openxmlformats.org/officeDocument/2006/relationships" xmlns:p="http://schemas.openxmlformats.org/presentationml/2006/main" type="tx">
   <p:cSld name="3 Stĺpec">
     <p:spTree>
       <p:nvGrpSpPr>
@@ -7007,7 +7105,9 @@
       <p:sp>
         <p:nvSpPr>
           <p:cNvPr id="268" name="Title Text"/>
-          <p:cNvSpPr txBox="1"/>
+          <p:cNvSpPr txBox="1">
+            <a:spLocks noGrp="1"/>
+          </p:cNvSpPr>
           <p:nvPr>
             <p:ph type="title"/>
           </p:nvPr>
@@ -7025,7 +7125,6 @@
           <a:bodyPr/>
           <a:lstStyle/>
           <a:p>
-            <a:pPr/>
             <a:r>
               <a:t>Title Text</a:t>
             </a:r>
@@ -7035,7 +7134,9 @@
       <p:sp>
         <p:nvSpPr>
           <p:cNvPr id="269" name="Body Level One…"/>
-          <p:cNvSpPr txBox="1"/>
+          <p:cNvSpPr txBox="1">
+            <a:spLocks noGrp="1"/>
+          </p:cNvSpPr>
           <p:nvPr>
             <p:ph type="body" sz="quarter" idx="1"/>
           </p:nvPr>
@@ -7099,7 +7200,6 @@
             </a:lvl5pPr>
           </a:lstStyle>
           <a:p>
-            <a:pPr/>
             <a:r>
               <a:t>Body Level One</a:t>
             </a:r>
@@ -7133,7 +7233,9 @@
       <p:sp>
         <p:nvSpPr>
           <p:cNvPr id="270" name="Text Placeholder 3"/>
-          <p:cNvSpPr/>
+          <p:cNvSpPr>
+            <a:spLocks noGrp="1"/>
+          </p:cNvSpPr>
           <p:nvPr>
             <p:ph type="body" sz="quarter" idx="13"/>
           </p:nvPr>
@@ -7157,13 +7259,16 @@
               <a:buNone/>
               <a:defRPr sz="1400"/>
             </a:pPr>
+            <a:endParaRPr/>
           </a:p>
         </p:txBody>
       </p:sp>
       <p:sp>
         <p:nvSpPr>
           <p:cNvPr id="271" name="Text Placeholder 4"/>
-          <p:cNvSpPr/>
+          <p:cNvSpPr>
+            <a:spLocks noGrp="1"/>
+          </p:cNvSpPr>
           <p:nvPr>
             <p:ph type="body" sz="quarter" idx="14"/>
           </p:nvPr>
@@ -7190,13 +7295,16 @@
               <a:buNone/>
               <a:defRPr cap="all"/>
             </a:pPr>
+            <a:endParaRPr/>
           </a:p>
         </p:txBody>
       </p:sp>
       <p:sp>
         <p:nvSpPr>
           <p:cNvPr id="272" name="Text Placeholder 3"/>
-          <p:cNvSpPr/>
+          <p:cNvSpPr>
+            <a:spLocks noGrp="1"/>
+          </p:cNvSpPr>
           <p:nvPr>
             <p:ph type="body" sz="quarter" idx="15"/>
           </p:nvPr>
@@ -7220,13 +7328,16 @@
               <a:buNone/>
               <a:defRPr sz="1400"/>
             </a:pPr>
+            <a:endParaRPr/>
           </a:p>
         </p:txBody>
       </p:sp>
       <p:sp>
         <p:nvSpPr>
           <p:cNvPr id="273" name="Text Placeholder 4"/>
-          <p:cNvSpPr/>
+          <p:cNvSpPr>
+            <a:spLocks noGrp="1"/>
+          </p:cNvSpPr>
           <p:nvPr>
             <p:ph type="body" sz="quarter" idx="16"/>
           </p:nvPr>
@@ -7253,13 +7364,16 @@
               <a:buNone/>
               <a:defRPr cap="all"/>
             </a:pPr>
+            <a:endParaRPr/>
           </a:p>
         </p:txBody>
       </p:sp>
       <p:sp>
         <p:nvSpPr>
           <p:cNvPr id="274" name="Text Placeholder 3"/>
-          <p:cNvSpPr/>
+          <p:cNvSpPr>
+            <a:spLocks noGrp="1"/>
+          </p:cNvSpPr>
           <p:nvPr>
             <p:ph type="body" sz="quarter" idx="17"/>
           </p:nvPr>
@@ -7283,13 +7397,16 @@
               <a:buNone/>
               <a:defRPr sz="1400"/>
             </a:pPr>
+            <a:endParaRPr/>
           </a:p>
         </p:txBody>
       </p:sp>
       <p:sp>
         <p:nvSpPr>
           <p:cNvPr id="275" name="Slide Number"/>
-          <p:cNvSpPr txBox="1"/>
+          <p:cNvSpPr txBox="1">
+            <a:spLocks noGrp="1"/>
+          </p:cNvSpPr>
           <p:nvPr>
             <p:ph type="sldNum" sz="quarter" idx="2"/>
           </p:nvPr>
@@ -7303,8 +7420,10 @@
           <a:bodyPr/>
           <a:lstStyle/>
           <a:p>
-            <a:pPr/>
-            <a:fld id="{86CB4B4D-7CA3-9044-876B-883B54F8677D}" type="slidenum"/>
+            <a:fld id="{86CB4B4D-7CA3-9044-876B-883B54F8677D}" type="slidenum">
+              <a:t>‹#›</a:t>
+            </a:fld>
+            <a:endParaRPr/>
           </a:p>
         </p:txBody>
       </p:sp>
@@ -7313,12 +7432,12 @@
   <p:clrMapOvr>
     <a:masterClrMapping/>
   </p:clrMapOvr>
-  <p:transition xmlns:p14="http://schemas.microsoft.com/office/powerpoint/2010/main" spd="med" advClick="1"/>
+  <p:transition spd="med"/>
 </p:sldLayout>
 </file>
 
 <file path=ppt/slideLayouts/slideLayout15.xml><?xml version="1.0" encoding="utf-8"?>
-<p:sldLayout xmlns:a="http://schemas.openxmlformats.org/drawingml/2006/main" xmlns:r="http://schemas.openxmlformats.org/officeDocument/2006/relationships" xmlns:p="http://schemas.openxmlformats.org/presentationml/2006/main" xmlns:m="http://schemas.openxmlformats.org/officeDocument/2006/math" xmlns:a14="http://schemas.microsoft.com/office/drawing/2010/main" type="tx" showMasterSp="1" showMasterPhAnim="1">
+<p:sldLayout xmlns:a="http://schemas.openxmlformats.org/drawingml/2006/main" xmlns:r="http://schemas.openxmlformats.org/officeDocument/2006/relationships" xmlns:p="http://schemas.openxmlformats.org/presentationml/2006/main" type="tx">
   <p:cSld name="3 Stĺpec s obrázkom">
     <p:spTree>
       <p:nvGrpSpPr>
@@ -7337,7 +7456,9 @@
       <p:sp>
         <p:nvSpPr>
           <p:cNvPr id="282" name="Title Text"/>
-          <p:cNvSpPr txBox="1"/>
+          <p:cNvSpPr txBox="1">
+            <a:spLocks noGrp="1"/>
+          </p:cNvSpPr>
           <p:nvPr>
             <p:ph type="title"/>
           </p:nvPr>
@@ -7355,7 +7476,6 @@
           <a:bodyPr/>
           <a:lstStyle/>
           <a:p>
-            <a:pPr/>
             <a:r>
               <a:t>Title Text</a:t>
             </a:r>
@@ -7365,7 +7485,9 @@
       <p:sp>
         <p:nvSpPr>
           <p:cNvPr id="283" name="Body Level One…"/>
-          <p:cNvSpPr txBox="1"/>
+          <p:cNvSpPr txBox="1">
+            <a:spLocks noGrp="1"/>
+          </p:cNvSpPr>
           <p:nvPr>
             <p:ph type="body" sz="quarter" idx="1"/>
           </p:nvPr>
@@ -7389,7 +7511,7 @@
               <a:buSzTx/>
               <a:buFontTx/>
               <a:buNone/>
-              <a:defRPr cap="all" sz="2000"/>
+              <a:defRPr sz="2000" cap="all"/>
             </a:lvl1pPr>
             <a:lvl2pPr marL="0" indent="457200">
               <a:lnSpc>
@@ -7398,7 +7520,7 @@
               <a:buSzTx/>
               <a:buFontTx/>
               <a:buNone/>
-              <a:defRPr cap="all" sz="2000"/>
+              <a:defRPr sz="2000" cap="all"/>
             </a:lvl2pPr>
             <a:lvl3pPr marL="0" indent="914400">
               <a:lnSpc>
@@ -7407,7 +7529,7 @@
               <a:buSzTx/>
               <a:buFontTx/>
               <a:buNone/>
-              <a:defRPr cap="all" sz="2000"/>
+              <a:defRPr sz="2000" cap="all"/>
             </a:lvl3pPr>
             <a:lvl4pPr marL="0" indent="1371600">
               <a:lnSpc>
@@ -7416,7 +7538,7 @@
               <a:buSzTx/>
               <a:buFontTx/>
               <a:buNone/>
-              <a:defRPr cap="all" sz="2000"/>
+              <a:defRPr sz="2000" cap="all"/>
             </a:lvl4pPr>
             <a:lvl5pPr marL="0" indent="1828800">
               <a:lnSpc>
@@ -7425,11 +7547,10 @@
               <a:buSzTx/>
               <a:buFontTx/>
               <a:buNone/>
-              <a:defRPr cap="all" sz="2000"/>
+              <a:defRPr sz="2000" cap="all"/>
             </a:lvl5pPr>
           </a:lstStyle>
           <a:p>
-            <a:pPr/>
             <a:r>
               <a:t>Body Level One</a:t>
             </a:r>
@@ -7463,7 +7584,9 @@
       <p:sp>
         <p:nvSpPr>
           <p:cNvPr id="284" name="Picture Placeholder 2"/>
-          <p:cNvSpPr/>
+          <p:cNvSpPr>
+            <a:spLocks noGrp="1"/>
+          </p:cNvSpPr>
           <p:nvPr>
             <p:ph type="pic" sz="quarter" idx="13"/>
           </p:nvPr>
@@ -7485,7 +7608,7 @@
             <a:miter lim="800000"/>
           </a:ln>
           <a:effectLst>
-            <a:outerShdw sx="100000" sy="100000" kx="0" ky="0" algn="b" rotWithShape="0" blurRad="88900" dist="38100" dir="5400000">
+            <a:outerShdw blurRad="88900" dist="38100" dir="5400000" rotWithShape="0">
               <a:srgbClr val="000000">
                 <a:alpha val="40000"/>
               </a:srgbClr>
@@ -7498,14 +7621,16 @@
           </a:bodyPr>
           <a:lstStyle/>
           <a:p>
-            <a:pPr/>
+            <a:endParaRPr/>
           </a:p>
         </p:txBody>
       </p:sp>
       <p:sp>
         <p:nvSpPr>
           <p:cNvPr id="285" name="Text Placeholder 3"/>
-          <p:cNvSpPr/>
+          <p:cNvSpPr>
+            <a:spLocks noGrp="1"/>
+          </p:cNvSpPr>
           <p:nvPr>
             <p:ph type="body" sz="quarter" idx="14"/>
           </p:nvPr>
@@ -7529,13 +7654,16 @@
               <a:buNone/>
               <a:defRPr sz="1400"/>
             </a:pPr>
+            <a:endParaRPr/>
           </a:p>
         </p:txBody>
       </p:sp>
       <p:sp>
         <p:nvSpPr>
           <p:cNvPr id="286" name="Text Placeholder 4"/>
-          <p:cNvSpPr/>
+          <p:cNvSpPr>
+            <a:spLocks noGrp="1"/>
+          </p:cNvSpPr>
           <p:nvPr>
             <p:ph type="body" sz="quarter" idx="15"/>
           </p:nvPr>
@@ -7560,15 +7688,18 @@
               <a:buSzTx/>
               <a:buFontTx/>
               <a:buNone/>
-              <a:defRPr cap="all" sz="2000"/>
+              <a:defRPr sz="2000" cap="all"/>
             </a:pPr>
+            <a:endParaRPr/>
           </a:p>
         </p:txBody>
       </p:sp>
       <p:sp>
         <p:nvSpPr>
           <p:cNvPr id="287" name="Picture Placeholder 2"/>
-          <p:cNvSpPr/>
+          <p:cNvSpPr>
+            <a:spLocks noGrp="1"/>
+          </p:cNvSpPr>
           <p:nvPr>
             <p:ph type="pic" sz="quarter" idx="16"/>
           </p:nvPr>
@@ -7590,7 +7721,7 @@
             <a:miter lim="800000"/>
           </a:ln>
           <a:effectLst>
-            <a:outerShdw sx="100000" sy="100000" kx="0" ky="0" algn="b" rotWithShape="0" blurRad="88900" dist="38100" dir="5400000">
+            <a:outerShdw blurRad="88900" dist="38100" dir="5400000" rotWithShape="0">
               <a:srgbClr val="000000">
                 <a:alpha val="40000"/>
               </a:srgbClr>
@@ -7603,14 +7734,16 @@
           </a:bodyPr>
           <a:lstStyle/>
           <a:p>
-            <a:pPr/>
+            <a:endParaRPr/>
           </a:p>
         </p:txBody>
       </p:sp>
       <p:sp>
         <p:nvSpPr>
           <p:cNvPr id="288" name="Text Placeholder 3"/>
-          <p:cNvSpPr/>
+          <p:cNvSpPr>
+            <a:spLocks noGrp="1"/>
+          </p:cNvSpPr>
           <p:nvPr>
             <p:ph type="body" sz="quarter" idx="17"/>
           </p:nvPr>
@@ -7634,13 +7767,16 @@
               <a:buNone/>
               <a:defRPr sz="1400"/>
             </a:pPr>
+            <a:endParaRPr/>
           </a:p>
         </p:txBody>
       </p:sp>
       <p:sp>
         <p:nvSpPr>
           <p:cNvPr id="289" name="Text Placeholder 4"/>
-          <p:cNvSpPr/>
+          <p:cNvSpPr>
+            <a:spLocks noGrp="1"/>
+          </p:cNvSpPr>
           <p:nvPr>
             <p:ph type="body" sz="quarter" idx="18"/>
           </p:nvPr>
@@ -7665,15 +7801,18 @@
               <a:buSzTx/>
               <a:buFontTx/>
               <a:buNone/>
-              <a:defRPr cap="all" sz="2000"/>
+              <a:defRPr sz="2000" cap="all"/>
             </a:pPr>
+            <a:endParaRPr/>
           </a:p>
         </p:txBody>
       </p:sp>
       <p:sp>
         <p:nvSpPr>
           <p:cNvPr id="290" name="Picture Placeholder 2"/>
-          <p:cNvSpPr/>
+          <p:cNvSpPr>
+            <a:spLocks noGrp="1"/>
+          </p:cNvSpPr>
           <p:nvPr>
             <p:ph type="pic" sz="quarter" idx="19"/>
           </p:nvPr>
@@ -7695,7 +7834,7 @@
             <a:miter lim="800000"/>
           </a:ln>
           <a:effectLst>
-            <a:outerShdw sx="100000" sy="100000" kx="0" ky="0" algn="b" rotWithShape="0" blurRad="88900" dist="38100" dir="5400000">
+            <a:outerShdw blurRad="88900" dist="38100" dir="5400000" rotWithShape="0">
               <a:srgbClr val="000000">
                 <a:alpha val="40000"/>
               </a:srgbClr>
@@ -7708,14 +7847,16 @@
           </a:bodyPr>
           <a:lstStyle/>
           <a:p>
-            <a:pPr/>
+            <a:endParaRPr/>
           </a:p>
         </p:txBody>
       </p:sp>
       <p:sp>
         <p:nvSpPr>
           <p:cNvPr id="291" name="Text Placeholder 3"/>
-          <p:cNvSpPr/>
+          <p:cNvSpPr>
+            <a:spLocks noGrp="1"/>
+          </p:cNvSpPr>
           <p:nvPr>
             <p:ph type="body" sz="quarter" idx="20"/>
           </p:nvPr>
@@ -7739,13 +7880,16 @@
               <a:buNone/>
               <a:defRPr sz="1400"/>
             </a:pPr>
+            <a:endParaRPr/>
           </a:p>
         </p:txBody>
       </p:sp>
       <p:sp>
         <p:nvSpPr>
           <p:cNvPr id="292" name="Slide Number"/>
-          <p:cNvSpPr txBox="1"/>
+          <p:cNvSpPr txBox="1">
+            <a:spLocks noGrp="1"/>
+          </p:cNvSpPr>
           <p:nvPr>
             <p:ph type="sldNum" sz="quarter" idx="2"/>
           </p:nvPr>
@@ -7759,8 +7903,10 @@
           <a:bodyPr/>
           <a:lstStyle/>
           <a:p>
-            <a:pPr/>
-            <a:fld id="{86CB4B4D-7CA3-9044-876B-883B54F8677D}" type="slidenum"/>
+            <a:fld id="{86CB4B4D-7CA3-9044-876B-883B54F8677D}" type="slidenum">
+              <a:t>‹#›</a:t>
+            </a:fld>
+            <a:endParaRPr/>
           </a:p>
         </p:txBody>
       </p:sp>
@@ -7769,12 +7915,12 @@
   <p:clrMapOvr>
     <a:masterClrMapping/>
   </p:clrMapOvr>
-  <p:transition xmlns:p14="http://schemas.microsoft.com/office/powerpoint/2010/main" spd="med" advClick="1"/>
+  <p:transition spd="med"/>
 </p:sldLayout>
 </file>
 
 <file path=ppt/slideLayouts/slideLayout16.xml><?xml version="1.0" encoding="utf-8"?>
-<p:sldLayout xmlns:a="http://schemas.openxmlformats.org/drawingml/2006/main" xmlns:r="http://schemas.openxmlformats.org/officeDocument/2006/relationships" xmlns:p="http://schemas.openxmlformats.org/presentationml/2006/main" xmlns:m="http://schemas.openxmlformats.org/officeDocument/2006/math" xmlns:a14="http://schemas.microsoft.com/office/drawing/2010/main" type="tx" showMasterSp="1" showMasterPhAnim="1">
+<p:sldLayout xmlns:a="http://schemas.openxmlformats.org/drawingml/2006/main" xmlns:r="http://schemas.openxmlformats.org/officeDocument/2006/relationships" xmlns:p="http://schemas.openxmlformats.org/presentationml/2006/main" type="tx">
   <p:cSld name="Nadpis a zvislý text">
     <p:spTree>
       <p:nvGrpSpPr>
@@ -7793,7 +7939,9 @@
       <p:sp>
         <p:nvSpPr>
           <p:cNvPr id="299" name="Title Text"/>
-          <p:cNvSpPr txBox="1"/>
+          <p:cNvSpPr txBox="1">
+            <a:spLocks noGrp="1"/>
+          </p:cNvSpPr>
           <p:nvPr>
             <p:ph type="title"/>
           </p:nvPr>
@@ -7807,7 +7955,6 @@
           <a:bodyPr/>
           <a:lstStyle/>
           <a:p>
-            <a:pPr/>
             <a:r>
               <a:t>Title Text</a:t>
             </a:r>
@@ -7817,7 +7964,9 @@
       <p:sp>
         <p:nvSpPr>
           <p:cNvPr id="300" name="Body Level One…"/>
-          <p:cNvSpPr txBox="1"/>
+          <p:cNvSpPr txBox="1">
+            <a:spLocks noGrp="1"/>
+          </p:cNvSpPr>
           <p:nvPr>
             <p:ph type="body" idx="1"/>
           </p:nvPr>
@@ -7835,7 +7984,6 @@
           <a:bodyPr/>
           <a:lstStyle/>
           <a:p>
-            <a:pPr/>
             <a:r>
               <a:t>Body Level One</a:t>
             </a:r>
@@ -7869,7 +8017,9 @@
       <p:sp>
         <p:nvSpPr>
           <p:cNvPr id="301" name="Slide Number"/>
-          <p:cNvSpPr txBox="1"/>
+          <p:cNvSpPr txBox="1">
+            <a:spLocks noGrp="1"/>
+          </p:cNvSpPr>
           <p:nvPr>
             <p:ph type="sldNum" sz="quarter" idx="2"/>
           </p:nvPr>
@@ -7883,8 +8033,10 @@
           <a:bodyPr/>
           <a:lstStyle/>
           <a:p>
-            <a:pPr/>
-            <a:fld id="{86CB4B4D-7CA3-9044-876B-883B54F8677D}" type="slidenum"/>
+            <a:fld id="{86CB4B4D-7CA3-9044-876B-883B54F8677D}" type="slidenum">
+              <a:t>‹#›</a:t>
+            </a:fld>
+            <a:endParaRPr/>
           </a:p>
         </p:txBody>
       </p:sp>
@@ -7893,12 +8045,12 @@
   <p:clrMapOvr>
     <a:masterClrMapping/>
   </p:clrMapOvr>
-  <p:transition xmlns:p14="http://schemas.microsoft.com/office/powerpoint/2010/main" spd="med" advClick="1"/>
+  <p:transition spd="med"/>
 </p:sldLayout>
 </file>
 
 <file path=ppt/slideLayouts/slideLayout17.xml><?xml version="1.0" encoding="utf-8"?>
-<p:sldLayout xmlns:a="http://schemas.openxmlformats.org/drawingml/2006/main" xmlns:r="http://schemas.openxmlformats.org/officeDocument/2006/relationships" xmlns:p="http://schemas.openxmlformats.org/presentationml/2006/main" xmlns:m="http://schemas.openxmlformats.org/officeDocument/2006/math" xmlns:a14="http://schemas.microsoft.com/office/drawing/2010/main" type="tx" showMasterSp="1" showMasterPhAnim="1">
+<p:sldLayout xmlns:a="http://schemas.openxmlformats.org/drawingml/2006/main" xmlns:r="http://schemas.openxmlformats.org/officeDocument/2006/relationships" xmlns:p="http://schemas.openxmlformats.org/presentationml/2006/main" type="tx">
   <p:cSld name="Zvislý nadpis a text">
     <p:spTree>
       <p:nvGrpSpPr>
@@ -7917,7 +8069,9 @@
       <p:sp>
         <p:nvSpPr>
           <p:cNvPr id="308" name="Title Text"/>
-          <p:cNvSpPr txBox="1"/>
+          <p:cNvSpPr txBox="1">
+            <a:spLocks noGrp="1"/>
+          </p:cNvSpPr>
           <p:nvPr>
             <p:ph type="title"/>
           </p:nvPr>
@@ -7935,7 +8089,6 @@
           <a:bodyPr/>
           <a:lstStyle/>
           <a:p>
-            <a:pPr/>
             <a:r>
               <a:t>Title Text</a:t>
             </a:r>
@@ -7945,7 +8098,9 @@
       <p:sp>
         <p:nvSpPr>
           <p:cNvPr id="309" name="Body Level One…"/>
-          <p:cNvSpPr txBox="1"/>
+          <p:cNvSpPr txBox="1">
+            <a:spLocks noGrp="1"/>
+          </p:cNvSpPr>
           <p:nvPr>
             <p:ph type="body" idx="1"/>
           </p:nvPr>
@@ -7963,7 +8118,6 @@
           <a:bodyPr/>
           <a:lstStyle/>
           <a:p>
-            <a:pPr/>
             <a:r>
               <a:t>Body Level One</a:t>
             </a:r>
@@ -7997,7 +8151,9 @@
       <p:sp>
         <p:nvSpPr>
           <p:cNvPr id="310" name="Slide Number"/>
-          <p:cNvSpPr txBox="1"/>
+          <p:cNvSpPr txBox="1">
+            <a:spLocks noGrp="1"/>
+          </p:cNvSpPr>
           <p:nvPr>
             <p:ph type="sldNum" sz="quarter" idx="2"/>
           </p:nvPr>
@@ -8011,8 +8167,10 @@
           <a:bodyPr/>
           <a:lstStyle/>
           <a:p>
-            <a:pPr/>
-            <a:fld id="{86CB4B4D-7CA3-9044-876B-883B54F8677D}" type="slidenum"/>
+            <a:fld id="{86CB4B4D-7CA3-9044-876B-883B54F8677D}" type="slidenum">
+              <a:t>‹#›</a:t>
+            </a:fld>
+            <a:endParaRPr/>
           </a:p>
         </p:txBody>
       </p:sp>
@@ -8021,12 +8179,12 @@
   <p:clrMapOvr>
     <a:masterClrMapping/>
   </p:clrMapOvr>
-  <p:transition xmlns:p14="http://schemas.microsoft.com/office/powerpoint/2010/main" spd="med" advClick="1"/>
+  <p:transition spd="med"/>
 </p:sldLayout>
 </file>
 
 <file path=ppt/slideLayouts/slideLayout2.xml><?xml version="1.0" encoding="utf-8"?>
-<p:sldLayout xmlns:a="http://schemas.openxmlformats.org/drawingml/2006/main" xmlns:r="http://schemas.openxmlformats.org/officeDocument/2006/relationships" xmlns:p="http://schemas.openxmlformats.org/presentationml/2006/main" xmlns:m="http://schemas.openxmlformats.org/officeDocument/2006/math" xmlns:a14="http://schemas.microsoft.com/office/drawing/2010/main" type="tx" showMasterSp="0" showMasterPhAnim="1">
+<p:sldLayout xmlns:a="http://schemas.openxmlformats.org/drawingml/2006/main" xmlns:r="http://schemas.openxmlformats.org/officeDocument/2006/relationships" xmlns:p="http://schemas.openxmlformats.org/presentationml/2006/main" showMasterSp="0" type="tx">
   <p:cSld name="Nadpis a obsah">
     <p:spTree>
       <p:nvGrpSpPr>
@@ -8144,6 +8302,7 @@
                     </a:solidFill>
                   </a:defRPr>
                 </a:pPr>
+                <a:endParaRPr/>
               </a:p>
             </p:txBody>
           </p:sp>
@@ -8178,7 +8337,7 @@
                 </a:cxnLst>
                 <a:rect l="0" t="0" r="r" b="b"/>
                 <a:pathLst>
-                  <a:path w="21600" h="21600" fill="norm" stroke="1" extrusionOk="0">
+                  <a:path w="21600" h="21600" extrusionOk="0">
                     <a:moveTo>
                       <a:pt x="10800" y="21600"/>
                     </a:moveTo>
@@ -8260,6 +8419,7 @@
                     </a:solidFill>
                   </a:defRPr>
                 </a:pPr>
+                <a:endParaRPr/>
               </a:p>
             </p:txBody>
           </p:sp>
@@ -8294,7 +8454,7 @@
                 </a:cxnLst>
                 <a:rect l="0" t="0" r="r" b="b"/>
                 <a:pathLst>
-                  <a:path w="21600" h="21600" fill="norm" stroke="1" extrusionOk="0">
+                  <a:path w="21600" h="21600" extrusionOk="0">
                     <a:moveTo>
                       <a:pt x="10800" y="21600"/>
                     </a:moveTo>
@@ -8376,6 +8536,7 @@
                     </a:solidFill>
                   </a:defRPr>
                 </a:pPr>
+                <a:endParaRPr/>
               </a:p>
             </p:txBody>
           </p:sp>
@@ -8410,7 +8571,7 @@
                 </a:cxnLst>
                 <a:rect l="0" t="0" r="r" b="b"/>
                 <a:pathLst>
-                  <a:path w="21600" h="21600" fill="norm" stroke="1" extrusionOk="0">
+                  <a:path w="21600" h="21600" extrusionOk="0">
                     <a:moveTo>
                       <a:pt x="20209" y="21600"/>
                     </a:moveTo>
@@ -8466,6 +8627,7 @@
                     </a:solidFill>
                   </a:defRPr>
                 </a:pPr>
+                <a:endParaRPr/>
               </a:p>
             </p:txBody>
           </p:sp>
@@ -8500,7 +8662,7 @@
                 </a:cxnLst>
                 <a:rect l="0" t="0" r="r" b="b"/>
                 <a:pathLst>
-                  <a:path w="21600" h="21600" fill="norm" stroke="1" extrusionOk="0">
+                  <a:path w="21600" h="21600" extrusionOk="0">
                     <a:moveTo>
                       <a:pt x="10800" y="21600"/>
                     </a:moveTo>
@@ -8582,6 +8744,7 @@
                     </a:solidFill>
                   </a:defRPr>
                 </a:pPr>
+                <a:endParaRPr/>
               </a:p>
             </p:txBody>
           </p:sp>
@@ -8616,7 +8779,7 @@
                 </a:cxnLst>
                 <a:rect l="0" t="0" r="r" b="b"/>
                 <a:pathLst>
-                  <a:path w="21600" h="21600" fill="norm" stroke="1" extrusionOk="0">
+                  <a:path w="21600" h="21600" extrusionOk="0">
                     <a:moveTo>
                       <a:pt x="20488" y="21600"/>
                     </a:moveTo>
@@ -8672,6 +8835,7 @@
                     </a:solidFill>
                   </a:defRPr>
                 </a:pPr>
+                <a:endParaRPr/>
               </a:p>
             </p:txBody>
           </p:sp>
@@ -8706,7 +8870,7 @@
                 </a:cxnLst>
                 <a:rect l="0" t="0" r="r" b="b"/>
                 <a:pathLst>
-                  <a:path w="21600" h="21600" fill="norm" stroke="1" extrusionOk="0">
+                  <a:path w="21600" h="21600" extrusionOk="0">
                     <a:moveTo>
                       <a:pt x="21600" y="21600"/>
                     </a:moveTo>
@@ -8762,6 +8926,7 @@
                     </a:solidFill>
                   </a:defRPr>
                 </a:pPr>
+                <a:endParaRPr/>
               </a:p>
             </p:txBody>
           </p:sp>
@@ -8796,7 +8961,7 @@
                 </a:cxnLst>
                 <a:rect l="0" t="0" r="r" b="b"/>
                 <a:pathLst>
-                  <a:path w="21600" h="21600" fill="norm" stroke="1" extrusionOk="0">
+                  <a:path w="21600" h="21600" extrusionOk="0">
                     <a:moveTo>
                       <a:pt x="10800" y="21600"/>
                     </a:moveTo>
@@ -8878,6 +9043,7 @@
                     </a:solidFill>
                   </a:defRPr>
                 </a:pPr>
+                <a:endParaRPr/>
               </a:p>
             </p:txBody>
           </p:sp>
@@ -8912,7 +9078,7 @@
                 </a:cxnLst>
                 <a:rect l="0" t="0" r="r" b="b"/>
                 <a:pathLst>
-                  <a:path w="21600" h="21600" fill="norm" stroke="1" extrusionOk="0">
+                  <a:path w="21600" h="21600" extrusionOk="0">
                     <a:moveTo>
                       <a:pt x="10800" y="21600"/>
                     </a:moveTo>
@@ -8994,6 +9160,7 @@
                     </a:solidFill>
                   </a:defRPr>
                 </a:pPr>
+                <a:endParaRPr/>
               </a:p>
             </p:txBody>
           </p:sp>
@@ -9028,7 +9195,7 @@
                 </a:cxnLst>
                 <a:rect l="0" t="0" r="r" b="b"/>
                 <a:pathLst>
-                  <a:path w="21600" h="21600" fill="norm" stroke="1" extrusionOk="0">
+                  <a:path w="21600" h="21600" extrusionOk="0">
                     <a:moveTo>
                       <a:pt x="20869" y="21600"/>
                     </a:moveTo>
@@ -9084,6 +9251,7 @@
                     </a:solidFill>
                   </a:defRPr>
                 </a:pPr>
+                <a:endParaRPr/>
               </a:p>
             </p:txBody>
           </p:sp>
@@ -9118,7 +9286,7 @@
                 </a:cxnLst>
                 <a:rect l="0" t="0" r="r" b="b"/>
                 <a:pathLst>
-                  <a:path w="19694" h="21600" fill="norm" stroke="1" extrusionOk="0">
+                  <a:path w="19694" h="21600" extrusionOk="0">
                     <a:moveTo>
                       <a:pt x="9847" y="21600"/>
                     </a:moveTo>
@@ -9220,6 +9388,7 @@
                     </a:solidFill>
                   </a:defRPr>
                 </a:pPr>
+                <a:endParaRPr/>
               </a:p>
             </p:txBody>
           </p:sp>
@@ -9254,7 +9423,7 @@
                 </a:cxnLst>
                 <a:rect l="0" t="0" r="r" b="b"/>
                 <a:pathLst>
-                  <a:path w="21600" h="21600" fill="norm" stroke="1" extrusionOk="0">
+                  <a:path w="21600" h="21600" extrusionOk="0">
                     <a:moveTo>
                       <a:pt x="1662" y="21600"/>
                     </a:moveTo>
@@ -9304,6 +9473,7 @@
                     </a:solidFill>
                   </a:defRPr>
                 </a:pPr>
+                <a:endParaRPr/>
               </a:p>
             </p:txBody>
           </p:sp>
@@ -9338,7 +9508,7 @@
                 </a:cxnLst>
                 <a:rect l="0" t="0" r="r" b="b"/>
                 <a:pathLst>
-                  <a:path w="21600" h="21600" fill="norm" stroke="1" extrusionOk="0">
+                  <a:path w="21600" h="21600" extrusionOk="0">
                     <a:moveTo>
                       <a:pt x="21600" y="21600"/>
                     </a:moveTo>
@@ -9394,6 +9564,7 @@
                     </a:solidFill>
                   </a:defRPr>
                 </a:pPr>
+                <a:endParaRPr/>
               </a:p>
             </p:txBody>
           </p:sp>
@@ -9428,7 +9599,7 @@
                 </a:cxnLst>
                 <a:rect l="0" t="0" r="r" b="b"/>
                 <a:pathLst>
-                  <a:path w="21600" h="21600" fill="norm" stroke="1" extrusionOk="0">
+                  <a:path w="21600" h="21600" extrusionOk="0">
                     <a:moveTo>
                       <a:pt x="21600" y="21600"/>
                     </a:moveTo>
@@ -9484,6 +9655,7 @@
                     </a:solidFill>
                   </a:defRPr>
                 </a:pPr>
+                <a:endParaRPr/>
               </a:p>
             </p:txBody>
           </p:sp>
@@ -9518,7 +9690,7 @@
                 </a:cxnLst>
                 <a:rect l="0" t="0" r="r" b="b"/>
                 <a:pathLst>
-                  <a:path w="21600" h="21600" fill="norm" stroke="1" extrusionOk="0">
+                  <a:path w="21600" h="21600" extrusionOk="0">
                     <a:moveTo>
                       <a:pt x="10800" y="21600"/>
                     </a:moveTo>
@@ -9600,6 +9772,7 @@
                     </a:solidFill>
                   </a:defRPr>
                 </a:pPr>
+                <a:endParaRPr/>
               </a:p>
             </p:txBody>
           </p:sp>
@@ -9647,6 +9820,7 @@
                     </a:solidFill>
                   </a:defRPr>
                 </a:pPr>
+                <a:endParaRPr/>
               </a:p>
             </p:txBody>
           </p:sp>
@@ -9681,7 +9855,7 @@
                 </a:cxnLst>
                 <a:rect l="0" t="0" r="r" b="b"/>
                 <a:pathLst>
-                  <a:path w="21600" h="21600" fill="norm" stroke="1" extrusionOk="0">
+                  <a:path w="21600" h="21600" extrusionOk="0">
                     <a:moveTo>
                       <a:pt x="1391" y="21600"/>
                     </a:moveTo>
@@ -9737,6 +9911,7 @@
                     </a:solidFill>
                   </a:defRPr>
                 </a:pPr>
+                <a:endParaRPr/>
               </a:p>
             </p:txBody>
           </p:sp>
@@ -9771,7 +9946,7 @@
                 </a:cxnLst>
                 <a:rect l="0" t="0" r="r" b="b"/>
                 <a:pathLst>
-                  <a:path w="21600" h="21600" fill="norm" stroke="1" extrusionOk="0">
+                  <a:path w="21600" h="21600" extrusionOk="0">
                     <a:moveTo>
                       <a:pt x="10800" y="21600"/>
                     </a:moveTo>
@@ -9853,6 +10028,7 @@
                     </a:solidFill>
                   </a:defRPr>
                 </a:pPr>
+                <a:endParaRPr/>
               </a:p>
             </p:txBody>
           </p:sp>
@@ -9887,7 +10063,7 @@
                 </a:cxnLst>
                 <a:rect l="0" t="0" r="r" b="b"/>
                 <a:pathLst>
-                  <a:path w="21600" h="21600" fill="norm" stroke="1" extrusionOk="0">
+                  <a:path w="21600" h="21600" extrusionOk="0">
                     <a:moveTo>
                       <a:pt x="21600" y="21600"/>
                     </a:moveTo>
@@ -9943,6 +10119,7 @@
                     </a:solidFill>
                   </a:defRPr>
                 </a:pPr>
+                <a:endParaRPr/>
               </a:p>
             </p:txBody>
           </p:sp>
@@ -9977,7 +10154,7 @@
                 </a:cxnLst>
                 <a:rect l="0" t="0" r="r" b="b"/>
                 <a:pathLst>
-                  <a:path w="21600" h="21600" fill="norm" stroke="1" extrusionOk="0">
+                  <a:path w="21600" h="21600" extrusionOk="0">
                     <a:moveTo>
                       <a:pt x="10800" y="21600"/>
                     </a:moveTo>
@@ -10059,6 +10236,7 @@
                     </a:solidFill>
                   </a:defRPr>
                 </a:pPr>
+                <a:endParaRPr/>
               </a:p>
             </p:txBody>
           </p:sp>
@@ -10093,7 +10271,7 @@
                 </a:cxnLst>
                 <a:rect l="0" t="0" r="r" b="b"/>
                 <a:pathLst>
-                  <a:path w="21600" h="21600" fill="norm" stroke="1" extrusionOk="0">
+                  <a:path w="21600" h="21600" extrusionOk="0">
                     <a:moveTo>
                       <a:pt x="1647" y="21600"/>
                     </a:moveTo>
@@ -10152,6 +10330,7 @@
                     </a:solidFill>
                   </a:defRPr>
                 </a:pPr>
+                <a:endParaRPr/>
               </a:p>
             </p:txBody>
           </p:sp>
@@ -10186,7 +10365,7 @@
                 </a:cxnLst>
                 <a:rect l="0" t="0" r="r" b="b"/>
                 <a:pathLst>
-                  <a:path w="21600" h="21600" fill="norm" stroke="1" extrusionOk="0">
+                  <a:path w="21600" h="21600" extrusionOk="0">
                     <a:moveTo>
                       <a:pt x="3375" y="21600"/>
                     </a:moveTo>
@@ -10242,6 +10421,7 @@
                     </a:solidFill>
                   </a:defRPr>
                 </a:pPr>
+                <a:endParaRPr/>
               </a:p>
             </p:txBody>
           </p:sp>
@@ -10276,7 +10456,7 @@
                 </a:cxnLst>
                 <a:rect l="0" t="0" r="r" b="b"/>
                 <a:pathLst>
-                  <a:path w="21600" h="21600" fill="norm" stroke="1" extrusionOk="0">
+                  <a:path w="21600" h="21600" extrusionOk="0">
                     <a:moveTo>
                       <a:pt x="10800" y="21600"/>
                     </a:moveTo>
@@ -10358,6 +10538,7 @@
                     </a:solidFill>
                   </a:defRPr>
                 </a:pPr>
+                <a:endParaRPr/>
               </a:p>
             </p:txBody>
           </p:sp>
@@ -10392,7 +10573,7 @@
                 </a:cxnLst>
                 <a:rect l="0" t="0" r="r" b="b"/>
                 <a:pathLst>
-                  <a:path w="21600" h="21600" fill="norm" stroke="1" extrusionOk="0">
+                  <a:path w="21600" h="21600" extrusionOk="0">
                     <a:moveTo>
                       <a:pt x="10800" y="21600"/>
                     </a:moveTo>
@@ -10474,6 +10655,7 @@
                     </a:solidFill>
                   </a:defRPr>
                 </a:pPr>
+                <a:endParaRPr/>
               </a:p>
             </p:txBody>
           </p:sp>
@@ -10508,7 +10690,7 @@
                 </a:cxnLst>
                 <a:rect l="0" t="0" r="r" b="b"/>
                 <a:pathLst>
-                  <a:path w="21600" h="21600" fill="norm" stroke="1" extrusionOk="0">
+                  <a:path w="21600" h="21600" extrusionOk="0">
                     <a:moveTo>
                       <a:pt x="1232" y="21600"/>
                     </a:moveTo>
@@ -10567,6 +10749,7 @@
                     </a:solidFill>
                   </a:defRPr>
                 </a:pPr>
+                <a:endParaRPr/>
               </a:p>
             </p:txBody>
           </p:sp>
@@ -10601,7 +10784,7 @@
                 </a:cxnLst>
                 <a:rect l="0" t="0" r="r" b="b"/>
                 <a:pathLst>
-                  <a:path w="20618" h="21600" fill="norm" stroke="1" extrusionOk="0">
+                  <a:path w="20618" h="21600" extrusionOk="0">
                     <a:moveTo>
                       <a:pt x="10473" y="21600"/>
                     </a:moveTo>
@@ -10713,6 +10896,7 @@
                     </a:solidFill>
                   </a:defRPr>
                 </a:pPr>
+                <a:endParaRPr/>
               </a:p>
             </p:txBody>
           </p:sp>
@@ -10762,7 +10946,7 @@
                 </a:cxnLst>
                 <a:rect l="0" t="0" r="r" b="b"/>
                 <a:pathLst>
-                  <a:path w="21600" h="21600" fill="norm" stroke="1" extrusionOk="0">
+                  <a:path w="21600" h="21600" extrusionOk="0">
                     <a:moveTo>
                       <a:pt x="986" y="21600"/>
                     </a:moveTo>
@@ -10822,6 +11006,7 @@
                     </a:solidFill>
                   </a:defRPr>
                 </a:pPr>
+                <a:endParaRPr/>
               </a:p>
             </p:txBody>
           </p:sp>
@@ -10856,7 +11041,7 @@
                 </a:cxnLst>
                 <a:rect l="0" t="0" r="r" b="b"/>
                 <a:pathLst>
-                  <a:path w="20618" h="21600" fill="norm" stroke="1" extrusionOk="0">
+                  <a:path w="20618" h="21600" extrusionOk="0">
                     <a:moveTo>
                       <a:pt x="10145" y="21600"/>
                     </a:moveTo>
@@ -10967,6 +11152,7 @@
                     </a:solidFill>
                   </a:defRPr>
                 </a:pPr>
+                <a:endParaRPr/>
               </a:p>
             </p:txBody>
           </p:sp>
@@ -11001,7 +11187,7 @@
                 </a:cxnLst>
                 <a:rect l="0" t="0" r="r" b="b"/>
                 <a:pathLst>
-                  <a:path w="21600" h="21600" fill="norm" stroke="1" extrusionOk="0">
+                  <a:path w="21600" h="21600" extrusionOk="0">
                     <a:moveTo>
                       <a:pt x="10800" y="21600"/>
                     </a:moveTo>
@@ -11087,6 +11273,7 @@
                     </a:solidFill>
                   </a:defRPr>
                 </a:pPr>
+                <a:endParaRPr/>
               </a:p>
             </p:txBody>
           </p:sp>
@@ -11121,7 +11308,7 @@
                 </a:cxnLst>
                 <a:rect l="0" t="0" r="r" b="b"/>
                 <a:pathLst>
-                  <a:path w="21600" h="21600" fill="norm" stroke="1" extrusionOk="0">
+                  <a:path w="21600" h="21600" extrusionOk="0">
                     <a:moveTo>
                       <a:pt x="1723" y="21600"/>
                     </a:moveTo>
@@ -11181,6 +11368,7 @@
                     </a:solidFill>
                   </a:defRPr>
                 </a:pPr>
+                <a:endParaRPr/>
               </a:p>
             </p:txBody>
           </p:sp>
@@ -11215,7 +11403,7 @@
                 </a:cxnLst>
                 <a:rect l="0" t="0" r="r" b="b"/>
                 <a:pathLst>
-                  <a:path w="21600" h="21600" fill="norm" stroke="1" extrusionOk="0">
+                  <a:path w="21600" h="21600" extrusionOk="0">
                     <a:moveTo>
                       <a:pt x="11127" y="21600"/>
                     </a:moveTo>
@@ -11301,6 +11489,7 @@
                     </a:solidFill>
                   </a:defRPr>
                 </a:pPr>
+                <a:endParaRPr/>
               </a:p>
             </p:txBody>
           </p:sp>
@@ -11335,7 +11524,7 @@
                 </a:cxnLst>
                 <a:rect l="0" t="0" r="r" b="b"/>
                 <a:pathLst>
-                  <a:path w="21600" h="21600" fill="norm" stroke="1" extrusionOk="0">
+                  <a:path w="21600" h="21600" extrusionOk="0">
                     <a:moveTo>
                       <a:pt x="1687" y="21600"/>
                     </a:moveTo>
@@ -11401,6 +11590,7 @@
                     </a:solidFill>
                   </a:defRPr>
                 </a:pPr>
+                <a:endParaRPr/>
               </a:p>
             </p:txBody>
           </p:sp>
@@ -11435,7 +11625,7 @@
                 </a:cxnLst>
                 <a:rect l="0" t="0" r="r" b="b"/>
                 <a:pathLst>
-                  <a:path w="21600" h="21600" fill="norm" stroke="1" extrusionOk="0">
+                  <a:path w="21600" h="21600" extrusionOk="0">
                     <a:moveTo>
                       <a:pt x="10800" y="21600"/>
                     </a:moveTo>
@@ -11521,6 +11711,7 @@
                     </a:solidFill>
                   </a:defRPr>
                 </a:pPr>
+                <a:endParaRPr/>
               </a:p>
             </p:txBody>
           </p:sp>
@@ -11555,7 +11746,7 @@
                 </a:cxnLst>
                 <a:rect l="0" t="0" r="r" b="b"/>
                 <a:pathLst>
-                  <a:path w="21600" h="21600" fill="norm" stroke="1" extrusionOk="0">
+                  <a:path w="21600" h="21600" extrusionOk="0">
                     <a:moveTo>
                       <a:pt x="2004" y="21600"/>
                     </a:moveTo>
@@ -11621,6 +11812,7 @@
                     </a:solidFill>
                   </a:defRPr>
                 </a:pPr>
+                <a:endParaRPr/>
               </a:p>
             </p:txBody>
           </p:sp>
@@ -11655,7 +11847,7 @@
                 </a:cxnLst>
                 <a:rect l="0" t="0" r="r" b="b"/>
                 <a:pathLst>
-                  <a:path w="21600" h="21600" fill="norm" stroke="1" extrusionOk="0">
+                  <a:path w="21600" h="21600" extrusionOk="0">
                     <a:moveTo>
                       <a:pt x="10800" y="21600"/>
                     </a:moveTo>
@@ -11741,6 +11933,7 @@
                     </a:solidFill>
                   </a:defRPr>
                 </a:pPr>
+                <a:endParaRPr/>
               </a:p>
             </p:txBody>
           </p:sp>
@@ -11792,6 +11985,7 @@
                     </a:solidFill>
                   </a:defRPr>
                 </a:pPr>
+                <a:endParaRPr/>
               </a:p>
             </p:txBody>
           </p:sp>
@@ -11800,7 +11994,9 @@
       <p:sp>
         <p:nvSpPr>
           <p:cNvPr id="156" name="Title Text"/>
-          <p:cNvSpPr txBox="1"/>
+          <p:cNvSpPr txBox="1">
+            <a:spLocks noGrp="1"/>
+          </p:cNvSpPr>
           <p:nvPr>
             <p:ph type="title"/>
           </p:nvPr>
@@ -11814,7 +12010,6 @@
           <a:bodyPr/>
           <a:lstStyle/>
           <a:p>
-            <a:pPr/>
             <a:r>
               <a:t>Title Text</a:t>
             </a:r>
@@ -11824,7 +12019,9 @@
       <p:sp>
         <p:nvSpPr>
           <p:cNvPr id="157" name="Body Level One…"/>
-          <p:cNvSpPr txBox="1"/>
+          <p:cNvSpPr txBox="1">
+            <a:spLocks noGrp="1"/>
+          </p:cNvSpPr>
           <p:nvPr>
             <p:ph type="body" idx="1"/>
           </p:nvPr>
@@ -11842,7 +12039,6 @@
           <a:bodyPr/>
           <a:lstStyle/>
           <a:p>
-            <a:pPr/>
             <a:r>
               <a:t>Body Level One</a:t>
             </a:r>
@@ -11876,7 +12072,9 @@
       <p:sp>
         <p:nvSpPr>
           <p:cNvPr id="158" name="Slide Number"/>
-          <p:cNvSpPr txBox="1"/>
+          <p:cNvSpPr txBox="1">
+            <a:spLocks noGrp="1"/>
+          </p:cNvSpPr>
           <p:nvPr>
             <p:ph type="sldNum" sz="quarter" idx="2"/>
           </p:nvPr>
@@ -11890,8 +12088,10 @@
           <a:bodyPr/>
           <a:lstStyle/>
           <a:p>
-            <a:pPr/>
-            <a:fld id="{86CB4B4D-7CA3-9044-876B-883B54F8677D}" type="slidenum"/>
+            <a:fld id="{86CB4B4D-7CA3-9044-876B-883B54F8677D}" type="slidenum">
+              <a:t>‹#›</a:t>
+            </a:fld>
+            <a:endParaRPr/>
           </a:p>
         </p:txBody>
       </p:sp>
@@ -11900,12 +12100,12 @@
   <p:clrMapOvr>
     <a:masterClrMapping/>
   </p:clrMapOvr>
-  <p:transition xmlns:p14="http://schemas.microsoft.com/office/powerpoint/2010/main" spd="med" advClick="1"/>
+  <p:transition spd="med"/>
 </p:sldLayout>
 </file>
 
 <file path=ppt/slideLayouts/slideLayout3.xml><?xml version="1.0" encoding="utf-8"?>
-<p:sldLayout xmlns:a="http://schemas.openxmlformats.org/drawingml/2006/main" xmlns:r="http://schemas.openxmlformats.org/officeDocument/2006/relationships" xmlns:p="http://schemas.openxmlformats.org/presentationml/2006/main" xmlns:m="http://schemas.openxmlformats.org/officeDocument/2006/math" xmlns:a14="http://schemas.microsoft.com/office/drawing/2010/main" type="tx" showMasterSp="1" showMasterPhAnim="1">
+<p:sldLayout xmlns:a="http://schemas.openxmlformats.org/drawingml/2006/main" xmlns:r="http://schemas.openxmlformats.org/officeDocument/2006/relationships" xmlns:p="http://schemas.openxmlformats.org/presentationml/2006/main" type="tx">
   <p:cSld name="Hlavička sekcie">
     <p:spTree>
       <p:nvGrpSpPr>
@@ -11924,7 +12124,9 @@
       <p:sp>
         <p:nvSpPr>
           <p:cNvPr id="165" name="Title Text"/>
-          <p:cNvSpPr txBox="1"/>
+          <p:cNvSpPr txBox="1">
+            <a:spLocks noGrp="1"/>
+          </p:cNvSpPr>
           <p:nvPr>
             <p:ph type="title"/>
           </p:nvPr>
@@ -11942,7 +12144,6 @@
           <a:bodyPr anchor="b"/>
           <a:lstStyle/>
           <a:p>
-            <a:pPr/>
             <a:r>
               <a:t>Title Text</a:t>
             </a:r>
@@ -11952,7 +12153,9 @@
       <p:sp>
         <p:nvSpPr>
           <p:cNvPr id="166" name="Body Level One…"/>
-          <p:cNvSpPr txBox="1"/>
+          <p:cNvSpPr txBox="1">
+            <a:spLocks noGrp="1"/>
+          </p:cNvSpPr>
           <p:nvPr>
             <p:ph type="body" sz="quarter" idx="1"/>
           </p:nvPr>
@@ -11973,35 +12176,34 @@
               <a:buSzTx/>
               <a:buFontTx/>
               <a:buNone/>
-              <a:defRPr cap="all" sz="1800"/>
+              <a:defRPr sz="1800" cap="all"/>
             </a:lvl1pPr>
             <a:lvl2pPr marL="0" indent="457200">
               <a:buSzTx/>
               <a:buFontTx/>
               <a:buNone/>
-              <a:defRPr cap="all" sz="1800"/>
+              <a:defRPr sz="1800" cap="all"/>
             </a:lvl2pPr>
             <a:lvl3pPr marL="0" indent="914400">
               <a:buSzTx/>
               <a:buFontTx/>
               <a:buNone/>
-              <a:defRPr cap="all" sz="1800"/>
+              <a:defRPr sz="1800" cap="all"/>
             </a:lvl3pPr>
             <a:lvl4pPr marL="0" indent="1371600">
               <a:buSzTx/>
               <a:buFontTx/>
               <a:buNone/>
-              <a:defRPr cap="all" sz="1800"/>
+              <a:defRPr sz="1800" cap="all"/>
             </a:lvl4pPr>
             <a:lvl5pPr marL="0" indent="1828800">
               <a:buSzTx/>
               <a:buFontTx/>
               <a:buNone/>
-              <a:defRPr cap="all" sz="1800"/>
+              <a:defRPr sz="1800" cap="all"/>
             </a:lvl5pPr>
           </a:lstStyle>
           <a:p>
-            <a:pPr/>
             <a:r>
               <a:t>Body Level One</a:t>
             </a:r>
@@ -12035,7 +12237,9 @@
       <p:sp>
         <p:nvSpPr>
           <p:cNvPr id="167" name="Slide Number"/>
-          <p:cNvSpPr txBox="1"/>
+          <p:cNvSpPr txBox="1">
+            <a:spLocks noGrp="1"/>
+          </p:cNvSpPr>
           <p:nvPr>
             <p:ph type="sldNum" sz="quarter" idx="2"/>
           </p:nvPr>
@@ -12049,8 +12253,10 @@
           <a:bodyPr/>
           <a:lstStyle/>
           <a:p>
-            <a:pPr/>
-            <a:fld id="{86CB4B4D-7CA3-9044-876B-883B54F8677D}" type="slidenum"/>
+            <a:fld id="{86CB4B4D-7CA3-9044-876B-883B54F8677D}" type="slidenum">
+              <a:t>‹#›</a:t>
+            </a:fld>
+            <a:endParaRPr/>
           </a:p>
         </p:txBody>
       </p:sp>
@@ -12059,12 +12265,12 @@
   <p:clrMapOvr>
     <a:masterClrMapping/>
   </p:clrMapOvr>
-  <p:transition xmlns:p14="http://schemas.microsoft.com/office/powerpoint/2010/main" spd="med" advClick="1"/>
+  <p:transition spd="med"/>
 </p:sldLayout>
 </file>
 
 <file path=ppt/slideLayouts/slideLayout4.xml><?xml version="1.0" encoding="utf-8"?>
-<p:sldLayout xmlns:a="http://schemas.openxmlformats.org/drawingml/2006/main" xmlns:r="http://schemas.openxmlformats.org/officeDocument/2006/relationships" xmlns:p="http://schemas.openxmlformats.org/presentationml/2006/main" xmlns:m="http://schemas.openxmlformats.org/officeDocument/2006/math" xmlns:a14="http://schemas.microsoft.com/office/drawing/2010/main" type="tx" showMasterSp="1" showMasterPhAnim="1">
+<p:sldLayout xmlns:a="http://schemas.openxmlformats.org/drawingml/2006/main" xmlns:r="http://schemas.openxmlformats.org/officeDocument/2006/relationships" xmlns:p="http://schemas.openxmlformats.org/presentationml/2006/main" type="tx">
   <p:cSld name="Dva obsahy">
     <p:spTree>
       <p:nvGrpSpPr>
@@ -12083,7 +12289,9 @@
       <p:sp>
         <p:nvSpPr>
           <p:cNvPr id="174" name="Title Text"/>
-          <p:cNvSpPr txBox="1"/>
+          <p:cNvSpPr txBox="1">
+            <a:spLocks noGrp="1"/>
+          </p:cNvSpPr>
           <p:nvPr>
             <p:ph type="title"/>
           </p:nvPr>
@@ -12097,7 +12305,6 @@
           <a:bodyPr/>
           <a:lstStyle/>
           <a:p>
-            <a:pPr/>
             <a:r>
               <a:t>Title Text</a:t>
             </a:r>
@@ -12107,7 +12314,9 @@
       <p:sp>
         <p:nvSpPr>
           <p:cNvPr id="175" name="Body Level One…"/>
-          <p:cNvSpPr txBox="1"/>
+          <p:cNvSpPr txBox="1">
+            <a:spLocks noGrp="1"/>
+          </p:cNvSpPr>
           <p:nvPr>
             <p:ph type="body" sz="half" idx="1"/>
           </p:nvPr>
@@ -12125,7 +12334,6 @@
           <a:bodyPr/>
           <a:lstStyle/>
           <a:p>
-            <a:pPr/>
             <a:r>
               <a:t>Body Level One</a:t>
             </a:r>
@@ -12159,7 +12367,9 @@
       <p:sp>
         <p:nvSpPr>
           <p:cNvPr id="176" name="Slide Number"/>
-          <p:cNvSpPr txBox="1"/>
+          <p:cNvSpPr txBox="1">
+            <a:spLocks noGrp="1"/>
+          </p:cNvSpPr>
           <p:nvPr>
             <p:ph type="sldNum" sz="quarter" idx="2"/>
           </p:nvPr>
@@ -12173,8 +12383,10 @@
           <a:bodyPr/>
           <a:lstStyle/>
           <a:p>
-            <a:pPr/>
-            <a:fld id="{86CB4B4D-7CA3-9044-876B-883B54F8677D}" type="slidenum"/>
+            <a:fld id="{86CB4B4D-7CA3-9044-876B-883B54F8677D}" type="slidenum">
+              <a:t>‹#›</a:t>
+            </a:fld>
+            <a:endParaRPr/>
           </a:p>
         </p:txBody>
       </p:sp>
@@ -12183,12 +12395,12 @@
   <p:clrMapOvr>
     <a:masterClrMapping/>
   </p:clrMapOvr>
-  <p:transition xmlns:p14="http://schemas.microsoft.com/office/powerpoint/2010/main" spd="med" advClick="1"/>
+  <p:transition spd="med"/>
 </p:sldLayout>
 </file>
 
 <file path=ppt/slideLayouts/slideLayout5.xml><?xml version="1.0" encoding="utf-8"?>
-<p:sldLayout xmlns:a="http://schemas.openxmlformats.org/drawingml/2006/main" xmlns:r="http://schemas.openxmlformats.org/officeDocument/2006/relationships" xmlns:p="http://schemas.openxmlformats.org/presentationml/2006/main" xmlns:m="http://schemas.openxmlformats.org/officeDocument/2006/math" xmlns:a14="http://schemas.microsoft.com/office/drawing/2010/main" type="tx" showMasterSp="1" showMasterPhAnim="1">
+<p:sldLayout xmlns:a="http://schemas.openxmlformats.org/drawingml/2006/main" xmlns:r="http://schemas.openxmlformats.org/officeDocument/2006/relationships" xmlns:p="http://schemas.openxmlformats.org/presentationml/2006/main" type="tx">
   <p:cSld name="Porovnanie">
     <p:spTree>
       <p:nvGrpSpPr>
@@ -12207,7 +12419,9 @@
       <p:sp>
         <p:nvSpPr>
           <p:cNvPr id="183" name="Title Text"/>
-          <p:cNvSpPr txBox="1"/>
+          <p:cNvSpPr txBox="1">
+            <a:spLocks noGrp="1"/>
+          </p:cNvSpPr>
           <p:nvPr>
             <p:ph type="title"/>
           </p:nvPr>
@@ -12225,7 +12439,6 @@
           <a:bodyPr/>
           <a:lstStyle/>
           <a:p>
-            <a:pPr/>
             <a:r>
               <a:t>Title Text</a:t>
             </a:r>
@@ -12235,7 +12448,9 @@
       <p:sp>
         <p:nvSpPr>
           <p:cNvPr id="184" name="Body Level One…"/>
-          <p:cNvSpPr txBox="1"/>
+          <p:cNvSpPr txBox="1">
+            <a:spLocks noGrp="1"/>
+          </p:cNvSpPr>
           <p:nvPr>
             <p:ph type="body" sz="quarter" idx="1"/>
           </p:nvPr>
@@ -12299,7 +12514,6 @@
             </a:lvl5pPr>
           </a:lstStyle>
           <a:p>
-            <a:pPr/>
             <a:r>
               <a:t>Body Level One</a:t>
             </a:r>
@@ -12333,7 +12547,9 @@
       <p:sp>
         <p:nvSpPr>
           <p:cNvPr id="185" name="Text Placeholder 4"/>
-          <p:cNvSpPr/>
+          <p:cNvSpPr>
+            <a:spLocks noGrp="1"/>
+          </p:cNvSpPr>
           <p:nvPr>
             <p:ph type="body" sz="quarter" idx="13"/>
           </p:nvPr>
@@ -12360,13 +12576,16 @@
               <a:buNone/>
               <a:defRPr cap="all"/>
             </a:pPr>
+            <a:endParaRPr/>
           </a:p>
         </p:txBody>
       </p:sp>
       <p:sp>
         <p:nvSpPr>
           <p:cNvPr id="186" name="Slide Number"/>
-          <p:cNvSpPr txBox="1"/>
+          <p:cNvSpPr txBox="1">
+            <a:spLocks noGrp="1"/>
+          </p:cNvSpPr>
           <p:nvPr>
             <p:ph type="sldNum" sz="quarter" idx="2"/>
           </p:nvPr>
@@ -12380,8 +12599,10 @@
           <a:bodyPr/>
           <a:lstStyle/>
           <a:p>
-            <a:pPr/>
-            <a:fld id="{86CB4B4D-7CA3-9044-876B-883B54F8677D}" type="slidenum"/>
+            <a:fld id="{86CB4B4D-7CA3-9044-876B-883B54F8677D}" type="slidenum">
+              <a:t>‹#›</a:t>
+            </a:fld>
+            <a:endParaRPr/>
           </a:p>
         </p:txBody>
       </p:sp>
@@ -12390,12 +12611,12 @@
   <p:clrMapOvr>
     <a:masterClrMapping/>
   </p:clrMapOvr>
-  <p:transition xmlns:p14="http://schemas.microsoft.com/office/powerpoint/2010/main" spd="med" advClick="1"/>
+  <p:transition spd="med"/>
 </p:sldLayout>
 </file>
 
 <file path=ppt/slideLayouts/slideLayout6.xml><?xml version="1.0" encoding="utf-8"?>
-<p:sldLayout xmlns:a="http://schemas.openxmlformats.org/drawingml/2006/main" xmlns:r="http://schemas.openxmlformats.org/officeDocument/2006/relationships" xmlns:p="http://schemas.openxmlformats.org/presentationml/2006/main" xmlns:m="http://schemas.openxmlformats.org/officeDocument/2006/math" xmlns:a14="http://schemas.microsoft.com/office/drawing/2010/main" type="tx" showMasterSp="1" showMasterPhAnim="1">
+<p:sldLayout xmlns:a="http://schemas.openxmlformats.org/drawingml/2006/main" xmlns:r="http://schemas.openxmlformats.org/officeDocument/2006/relationships" xmlns:p="http://schemas.openxmlformats.org/presentationml/2006/main" type="tx">
   <p:cSld name="Len nadpis">
     <p:spTree>
       <p:nvGrpSpPr>
@@ -12414,7 +12635,9 @@
       <p:sp>
         <p:nvSpPr>
           <p:cNvPr id="193" name="Title Text"/>
-          <p:cNvSpPr txBox="1"/>
+          <p:cNvSpPr txBox="1">
+            <a:spLocks noGrp="1"/>
+          </p:cNvSpPr>
           <p:nvPr>
             <p:ph type="title"/>
           </p:nvPr>
@@ -12428,7 +12651,6 @@
           <a:bodyPr/>
           <a:lstStyle/>
           <a:p>
-            <a:pPr/>
             <a:r>
               <a:t>Title Text</a:t>
             </a:r>
@@ -12438,7 +12660,9 @@
       <p:sp>
         <p:nvSpPr>
           <p:cNvPr id="194" name="Slide Number"/>
-          <p:cNvSpPr txBox="1"/>
+          <p:cNvSpPr txBox="1">
+            <a:spLocks noGrp="1"/>
+          </p:cNvSpPr>
           <p:nvPr>
             <p:ph type="sldNum" sz="quarter" idx="2"/>
           </p:nvPr>
@@ -12452,8 +12676,10 @@
           <a:bodyPr/>
           <a:lstStyle/>
           <a:p>
-            <a:pPr/>
-            <a:fld id="{86CB4B4D-7CA3-9044-876B-883B54F8677D}" type="slidenum"/>
+            <a:fld id="{86CB4B4D-7CA3-9044-876B-883B54F8677D}" type="slidenum">
+              <a:t>‹#›</a:t>
+            </a:fld>
+            <a:endParaRPr/>
           </a:p>
         </p:txBody>
       </p:sp>
@@ -12462,12 +12688,12 @@
   <p:clrMapOvr>
     <a:masterClrMapping/>
   </p:clrMapOvr>
-  <p:transition xmlns:p14="http://schemas.microsoft.com/office/powerpoint/2010/main" spd="med" advClick="1"/>
+  <p:transition spd="med"/>
 </p:sldLayout>
 </file>
 
 <file path=ppt/slideLayouts/slideLayout7.xml><?xml version="1.0" encoding="utf-8"?>
-<p:sldLayout xmlns:a="http://schemas.openxmlformats.org/drawingml/2006/main" xmlns:r="http://schemas.openxmlformats.org/officeDocument/2006/relationships" xmlns:p="http://schemas.openxmlformats.org/presentationml/2006/main" xmlns:m="http://schemas.openxmlformats.org/officeDocument/2006/math" xmlns:a14="http://schemas.microsoft.com/office/drawing/2010/main" type="tx" showMasterSp="1" showMasterPhAnim="1">
+<p:sldLayout xmlns:a="http://schemas.openxmlformats.org/drawingml/2006/main" xmlns:r="http://schemas.openxmlformats.org/officeDocument/2006/relationships" xmlns:p="http://schemas.openxmlformats.org/presentationml/2006/main" type="tx">
   <p:cSld name="Prázdna">
     <p:spTree>
       <p:nvGrpSpPr>
@@ -12486,7 +12712,9 @@
       <p:sp>
         <p:nvSpPr>
           <p:cNvPr id="201" name="Slide Number"/>
-          <p:cNvSpPr txBox="1"/>
+          <p:cNvSpPr txBox="1">
+            <a:spLocks noGrp="1"/>
+          </p:cNvSpPr>
           <p:nvPr>
             <p:ph type="sldNum" sz="quarter" idx="2"/>
           </p:nvPr>
@@ -12500,8 +12728,10 @@
           <a:bodyPr/>
           <a:lstStyle/>
           <a:p>
-            <a:pPr/>
-            <a:fld id="{86CB4B4D-7CA3-9044-876B-883B54F8677D}" type="slidenum"/>
+            <a:fld id="{86CB4B4D-7CA3-9044-876B-883B54F8677D}" type="slidenum">
+              <a:t>‹#›</a:t>
+            </a:fld>
+            <a:endParaRPr/>
           </a:p>
         </p:txBody>
       </p:sp>
@@ -12510,12 +12740,12 @@
   <p:clrMapOvr>
     <a:masterClrMapping/>
   </p:clrMapOvr>
-  <p:transition xmlns:p14="http://schemas.microsoft.com/office/powerpoint/2010/main" spd="med" advClick="1"/>
+  <p:transition spd="med"/>
 </p:sldLayout>
 </file>
 
 <file path=ppt/slideLayouts/slideLayout8.xml><?xml version="1.0" encoding="utf-8"?>
-<p:sldLayout xmlns:a="http://schemas.openxmlformats.org/drawingml/2006/main" xmlns:r="http://schemas.openxmlformats.org/officeDocument/2006/relationships" xmlns:p="http://schemas.openxmlformats.org/presentationml/2006/main" xmlns:m="http://schemas.openxmlformats.org/officeDocument/2006/math" xmlns:a14="http://schemas.microsoft.com/office/drawing/2010/main" type="tx" showMasterSp="1" showMasterPhAnim="1">
+<p:sldLayout xmlns:a="http://schemas.openxmlformats.org/drawingml/2006/main" xmlns:r="http://schemas.openxmlformats.org/officeDocument/2006/relationships" xmlns:p="http://schemas.openxmlformats.org/presentationml/2006/main" type="tx">
   <p:cSld name="Obsah s popisom">
     <p:spTree>
       <p:nvGrpSpPr>
@@ -12534,7 +12764,9 @@
       <p:sp>
         <p:nvSpPr>
           <p:cNvPr id="208" name="Title Text"/>
-          <p:cNvSpPr txBox="1"/>
+          <p:cNvSpPr txBox="1">
+            <a:spLocks noGrp="1"/>
+          </p:cNvSpPr>
           <p:nvPr>
             <p:ph type="title"/>
           </p:nvPr>
@@ -12556,7 +12788,6 @@
             </a:lvl1pPr>
           </a:lstStyle>
           <a:p>
-            <a:pPr/>
             <a:r>
               <a:t>Title Text</a:t>
             </a:r>
@@ -12566,7 +12797,9 @@
       <p:sp>
         <p:nvSpPr>
           <p:cNvPr id="209" name="Body Level One…"/>
-          <p:cNvSpPr txBox="1"/>
+          <p:cNvSpPr txBox="1">
+            <a:spLocks noGrp="1"/>
+          </p:cNvSpPr>
           <p:nvPr>
             <p:ph type="body" sz="half" idx="1"/>
           </p:nvPr>
@@ -12584,7 +12817,6 @@
           <a:bodyPr anchor="ctr"/>
           <a:lstStyle/>
           <a:p>
-            <a:pPr/>
             <a:r>
               <a:t>Body Level One</a:t>
             </a:r>
@@ -12618,7 +12850,9 @@
       <p:sp>
         <p:nvSpPr>
           <p:cNvPr id="210" name="Text Placeholder 3"/>
-          <p:cNvSpPr/>
+          <p:cNvSpPr>
+            <a:spLocks noGrp="1"/>
+          </p:cNvSpPr>
           <p:nvPr>
             <p:ph type="body" sz="quarter" idx="13"/>
           </p:nvPr>
@@ -12642,13 +12876,16 @@
               <a:buNone/>
               <a:defRPr sz="1600"/>
             </a:pPr>
+            <a:endParaRPr/>
           </a:p>
         </p:txBody>
       </p:sp>
       <p:sp>
         <p:nvSpPr>
           <p:cNvPr id="211" name="Slide Number"/>
-          <p:cNvSpPr txBox="1"/>
+          <p:cNvSpPr txBox="1">
+            <a:spLocks noGrp="1"/>
+          </p:cNvSpPr>
           <p:nvPr>
             <p:ph type="sldNum" sz="quarter" idx="2"/>
           </p:nvPr>
@@ -12662,8 +12899,10 @@
           <a:bodyPr/>
           <a:lstStyle/>
           <a:p>
-            <a:pPr/>
-            <a:fld id="{86CB4B4D-7CA3-9044-876B-883B54F8677D}" type="slidenum"/>
+            <a:fld id="{86CB4B4D-7CA3-9044-876B-883B54F8677D}" type="slidenum">
+              <a:t>‹#›</a:t>
+            </a:fld>
+            <a:endParaRPr/>
           </a:p>
         </p:txBody>
       </p:sp>
@@ -12672,12 +12911,12 @@
   <p:clrMapOvr>
     <a:masterClrMapping/>
   </p:clrMapOvr>
-  <p:transition xmlns:p14="http://schemas.microsoft.com/office/powerpoint/2010/main" spd="med" advClick="1"/>
+  <p:transition spd="med"/>
 </p:sldLayout>
 </file>
 
 <file path=ppt/slideLayouts/slideLayout9.xml><?xml version="1.0" encoding="utf-8"?>
-<p:sldLayout xmlns:a="http://schemas.openxmlformats.org/drawingml/2006/main" xmlns:r="http://schemas.openxmlformats.org/officeDocument/2006/relationships" xmlns:p="http://schemas.openxmlformats.org/presentationml/2006/main" xmlns:m="http://schemas.openxmlformats.org/officeDocument/2006/math" xmlns:a14="http://schemas.microsoft.com/office/drawing/2010/main" type="tx" showMasterSp="1" showMasterPhAnim="1">
+<p:sldLayout xmlns:a="http://schemas.openxmlformats.org/drawingml/2006/main" xmlns:r="http://schemas.openxmlformats.org/officeDocument/2006/relationships" xmlns:p="http://schemas.openxmlformats.org/presentationml/2006/main" type="tx">
   <p:cSld name="Obrázok s popisom">
     <p:spTree>
       <p:nvGrpSpPr>
@@ -12696,7 +12935,9 @@
       <p:sp>
         <p:nvSpPr>
           <p:cNvPr id="218" name="Title Text"/>
-          <p:cNvSpPr txBox="1"/>
+          <p:cNvSpPr txBox="1">
+            <a:spLocks noGrp="1"/>
+          </p:cNvSpPr>
           <p:nvPr>
             <p:ph type="title"/>
           </p:nvPr>
@@ -12718,7 +12959,6 @@
             </a:lvl1pPr>
           </a:lstStyle>
           <a:p>
-            <a:pPr/>
             <a:r>
               <a:t>Title Text</a:t>
             </a:r>
@@ -12728,7 +12968,9 @@
       <p:sp>
         <p:nvSpPr>
           <p:cNvPr id="219" name="Picture Placeholder 2"/>
-          <p:cNvSpPr/>
+          <p:cNvSpPr>
+            <a:spLocks noGrp="1"/>
+          </p:cNvSpPr>
           <p:nvPr>
             <p:ph type="pic" sz="half" idx="13"/>
           </p:nvPr>
@@ -12750,7 +12992,7 @@
             <a:miter lim="800000"/>
           </a:ln>
           <a:effectLst>
-            <a:outerShdw sx="100000" sy="100000" kx="0" ky="0" algn="b" rotWithShape="0" blurRad="88900" dist="38100" dir="5400000">
+            <a:outerShdw blurRad="88900" dist="38100" dir="5400000" rotWithShape="0">
               <a:srgbClr val="000000">
                 <a:alpha val="40000"/>
               </a:srgbClr>
@@ -12763,14 +13005,16 @@
           </a:bodyPr>
           <a:lstStyle/>
           <a:p>
-            <a:pPr/>
+            <a:endParaRPr/>
           </a:p>
         </p:txBody>
       </p:sp>
       <p:sp>
         <p:nvSpPr>
           <p:cNvPr id="220" name="Body Level One…"/>
-          <p:cNvSpPr txBox="1"/>
+          <p:cNvSpPr txBox="1">
+            <a:spLocks noGrp="1"/>
+          </p:cNvSpPr>
           <p:nvPr>
             <p:ph type="body" sz="half" idx="1"/>
           </p:nvPr>
@@ -12819,7 +13063,6 @@
             </a:lvl5pPr>
           </a:lstStyle>
           <a:p>
-            <a:pPr/>
             <a:r>
               <a:t>Body Level One</a:t>
             </a:r>
@@ -12853,7 +13096,9 @@
       <p:sp>
         <p:nvSpPr>
           <p:cNvPr id="221" name="Slide Number"/>
-          <p:cNvSpPr txBox="1"/>
+          <p:cNvSpPr txBox="1">
+            <a:spLocks noGrp="1"/>
+          </p:cNvSpPr>
           <p:nvPr>
             <p:ph type="sldNum" sz="quarter" idx="2"/>
           </p:nvPr>
@@ -12867,8 +13112,10 @@
           <a:bodyPr/>
           <a:lstStyle/>
           <a:p>
-            <a:pPr/>
-            <a:fld id="{86CB4B4D-7CA3-9044-876B-883B54F8677D}" type="slidenum"/>
+            <a:fld id="{86CB4B4D-7CA3-9044-876B-883B54F8677D}" type="slidenum">
+              <a:t>‹#›</a:t>
+            </a:fld>
+            <a:endParaRPr/>
           </a:p>
         </p:txBody>
       </p:sp>
@@ -12877,22 +13124,23 @@
   <p:clrMapOvr>
     <a:masterClrMapping/>
   </p:clrMapOvr>
-  <p:transition xmlns:p14="http://schemas.microsoft.com/office/powerpoint/2010/main" spd="med" advClick="1"/>
+  <p:transition spd="med"/>
 </p:sldLayout>
 </file>
 
 <file path=ppt/slideMasters/slideMaster1.xml><?xml version="1.0" encoding="utf-8"?>
-<p:sldMaster xmlns:a="http://schemas.openxmlformats.org/drawingml/2006/main" xmlns:r="http://schemas.openxmlformats.org/officeDocument/2006/relationships" xmlns:p="http://schemas.openxmlformats.org/presentationml/2006/main" xmlns:m="http://schemas.openxmlformats.org/officeDocument/2006/math" xmlns:a14="http://schemas.microsoft.com/office/drawing/2010/main">
+<p:sldMaster xmlns:a="http://schemas.openxmlformats.org/drawingml/2006/main" xmlns:r="http://schemas.openxmlformats.org/officeDocument/2006/relationships" xmlns:p="http://schemas.openxmlformats.org/presentationml/2006/main">
   <p:cSld>
     <p:bg>
       <p:bgPr>
         <a:blipFill rotWithShape="1">
-          <a:blip r:embed="rId2"/>
-          <a:srcRect l="0" t="0" r="0" b="0"/>
+          <a:blip r:embed="rId19"/>
+          <a:srcRect/>
           <a:stretch>
             <a:fillRect/>
           </a:stretch>
         </a:blipFill>
+        <a:effectLst/>
       </p:bgPr>
     </p:bg>
     <p:spTree>
@@ -12918,7 +13166,7 @@
           <p:nvPr/>
         </p:nvPicPr>
         <p:blipFill>
-          <a:blip r:embed="rId3">
+          <a:blip r:embed="rId20">
             <a:extLst/>
           </a:blip>
           <a:stretch>
@@ -13010,6 +13258,7 @@
                     </a:solidFill>
                   </a:defRPr>
                 </a:pPr>
+                <a:endParaRPr/>
               </a:p>
             </p:txBody>
           </p:sp>
@@ -13044,7 +13293,7 @@
                 </a:cxnLst>
                 <a:rect l="0" t="0" r="r" b="b"/>
                 <a:pathLst>
-                  <a:path w="21600" h="21600" fill="norm" stroke="1" extrusionOk="0">
+                  <a:path w="21600" h="21600" extrusionOk="0">
                     <a:moveTo>
                       <a:pt x="10800" y="21600"/>
                     </a:moveTo>
@@ -13126,6 +13375,7 @@
                     </a:solidFill>
                   </a:defRPr>
                 </a:pPr>
+                <a:endParaRPr/>
               </a:p>
             </p:txBody>
           </p:sp>
@@ -13160,7 +13410,7 @@
                 </a:cxnLst>
                 <a:rect l="0" t="0" r="r" b="b"/>
                 <a:pathLst>
-                  <a:path w="21600" h="21600" fill="norm" stroke="1" extrusionOk="0">
+                  <a:path w="21600" h="21600" extrusionOk="0">
                     <a:moveTo>
                       <a:pt x="10800" y="21600"/>
                     </a:moveTo>
@@ -13242,6 +13492,7 @@
                     </a:solidFill>
                   </a:defRPr>
                 </a:pPr>
+                <a:endParaRPr/>
               </a:p>
             </p:txBody>
           </p:sp>
@@ -13276,7 +13527,7 @@
                 </a:cxnLst>
                 <a:rect l="0" t="0" r="r" b="b"/>
                 <a:pathLst>
-                  <a:path w="21600" h="21600" fill="norm" stroke="1" extrusionOk="0">
+                  <a:path w="21600" h="21600" extrusionOk="0">
                     <a:moveTo>
                       <a:pt x="20209" y="21600"/>
                     </a:moveTo>
@@ -13332,6 +13583,7 @@
                     </a:solidFill>
                   </a:defRPr>
                 </a:pPr>
+                <a:endParaRPr/>
               </a:p>
             </p:txBody>
           </p:sp>
@@ -13366,7 +13618,7 @@
                 </a:cxnLst>
                 <a:rect l="0" t="0" r="r" b="b"/>
                 <a:pathLst>
-                  <a:path w="21600" h="21600" fill="norm" stroke="1" extrusionOk="0">
+                  <a:path w="21600" h="21600" extrusionOk="0">
                     <a:moveTo>
                       <a:pt x="10800" y="21600"/>
                     </a:moveTo>
@@ -13448,6 +13700,7 @@
                     </a:solidFill>
                   </a:defRPr>
                 </a:pPr>
+                <a:endParaRPr/>
               </a:p>
             </p:txBody>
           </p:sp>
@@ -13482,7 +13735,7 @@
                 </a:cxnLst>
                 <a:rect l="0" t="0" r="r" b="b"/>
                 <a:pathLst>
-                  <a:path w="21600" h="21600" fill="norm" stroke="1" extrusionOk="0">
+                  <a:path w="21600" h="21600" extrusionOk="0">
                     <a:moveTo>
                       <a:pt x="20488" y="21600"/>
                     </a:moveTo>
@@ -13538,6 +13791,7 @@
                     </a:solidFill>
                   </a:defRPr>
                 </a:pPr>
+                <a:endParaRPr/>
               </a:p>
             </p:txBody>
           </p:sp>
@@ -13572,7 +13826,7 @@
                 </a:cxnLst>
                 <a:rect l="0" t="0" r="r" b="b"/>
                 <a:pathLst>
-                  <a:path w="21600" h="21600" fill="norm" stroke="1" extrusionOk="0">
+                  <a:path w="21600" h="21600" extrusionOk="0">
                     <a:moveTo>
                       <a:pt x="21600" y="21600"/>
                     </a:moveTo>
@@ -13628,6 +13882,7 @@
                     </a:solidFill>
                   </a:defRPr>
                 </a:pPr>
+                <a:endParaRPr/>
               </a:p>
             </p:txBody>
           </p:sp>
@@ -13662,7 +13917,7 @@
                 </a:cxnLst>
                 <a:rect l="0" t="0" r="r" b="b"/>
                 <a:pathLst>
-                  <a:path w="21600" h="21600" fill="norm" stroke="1" extrusionOk="0">
+                  <a:path w="21600" h="21600" extrusionOk="0">
                     <a:moveTo>
                       <a:pt x="10800" y="21600"/>
                     </a:moveTo>
@@ -13744,6 +13999,7 @@
                     </a:solidFill>
                   </a:defRPr>
                 </a:pPr>
+                <a:endParaRPr/>
               </a:p>
             </p:txBody>
           </p:sp>
@@ -13778,7 +14034,7 @@
                 </a:cxnLst>
                 <a:rect l="0" t="0" r="r" b="b"/>
                 <a:pathLst>
-                  <a:path w="21600" h="21600" fill="norm" stroke="1" extrusionOk="0">
+                  <a:path w="21600" h="21600" extrusionOk="0">
                     <a:moveTo>
                       <a:pt x="10800" y="21600"/>
                     </a:moveTo>
@@ -13860,6 +14116,7 @@
                     </a:solidFill>
                   </a:defRPr>
                 </a:pPr>
+                <a:endParaRPr/>
               </a:p>
             </p:txBody>
           </p:sp>
@@ -13894,7 +14151,7 @@
                 </a:cxnLst>
                 <a:rect l="0" t="0" r="r" b="b"/>
                 <a:pathLst>
-                  <a:path w="21600" h="21600" fill="norm" stroke="1" extrusionOk="0">
+                  <a:path w="21600" h="21600" extrusionOk="0">
                     <a:moveTo>
                       <a:pt x="20869" y="21600"/>
                     </a:moveTo>
@@ -13950,6 +14207,7 @@
                     </a:solidFill>
                   </a:defRPr>
                 </a:pPr>
+                <a:endParaRPr/>
               </a:p>
             </p:txBody>
           </p:sp>
@@ -13984,7 +14242,7 @@
                 </a:cxnLst>
                 <a:rect l="0" t="0" r="r" b="b"/>
                 <a:pathLst>
-                  <a:path w="19694" h="21600" fill="norm" stroke="1" extrusionOk="0">
+                  <a:path w="19694" h="21600" extrusionOk="0">
                     <a:moveTo>
                       <a:pt x="9847" y="21600"/>
                     </a:moveTo>
@@ -14086,6 +14344,7 @@
                     </a:solidFill>
                   </a:defRPr>
                 </a:pPr>
+                <a:endParaRPr/>
               </a:p>
             </p:txBody>
           </p:sp>
@@ -14120,7 +14379,7 @@
                 </a:cxnLst>
                 <a:rect l="0" t="0" r="r" b="b"/>
                 <a:pathLst>
-                  <a:path w="21600" h="21600" fill="norm" stroke="1" extrusionOk="0">
+                  <a:path w="21600" h="21600" extrusionOk="0">
                     <a:moveTo>
                       <a:pt x="1662" y="21600"/>
                     </a:moveTo>
@@ -14170,6 +14429,7 @@
                     </a:solidFill>
                   </a:defRPr>
                 </a:pPr>
+                <a:endParaRPr/>
               </a:p>
             </p:txBody>
           </p:sp>
@@ -14204,7 +14464,7 @@
                 </a:cxnLst>
                 <a:rect l="0" t="0" r="r" b="b"/>
                 <a:pathLst>
-                  <a:path w="21600" h="21600" fill="norm" stroke="1" extrusionOk="0">
+                  <a:path w="21600" h="21600" extrusionOk="0">
                     <a:moveTo>
                       <a:pt x="21600" y="21600"/>
                     </a:moveTo>
@@ -14260,6 +14520,7 @@
                     </a:solidFill>
                   </a:defRPr>
                 </a:pPr>
+                <a:endParaRPr/>
               </a:p>
             </p:txBody>
           </p:sp>
@@ -14294,7 +14555,7 @@
                 </a:cxnLst>
                 <a:rect l="0" t="0" r="r" b="b"/>
                 <a:pathLst>
-                  <a:path w="21600" h="21600" fill="norm" stroke="1" extrusionOk="0">
+                  <a:path w="21600" h="21600" extrusionOk="0">
                     <a:moveTo>
                       <a:pt x="21600" y="21600"/>
                     </a:moveTo>
@@ -14350,6 +14611,7 @@
                     </a:solidFill>
                   </a:defRPr>
                 </a:pPr>
+                <a:endParaRPr/>
               </a:p>
             </p:txBody>
           </p:sp>
@@ -14384,7 +14646,7 @@
                 </a:cxnLst>
                 <a:rect l="0" t="0" r="r" b="b"/>
                 <a:pathLst>
-                  <a:path w="21600" h="21600" fill="norm" stroke="1" extrusionOk="0">
+                  <a:path w="21600" h="21600" extrusionOk="0">
                     <a:moveTo>
                       <a:pt x="10800" y="21600"/>
                     </a:moveTo>
@@ -14466,6 +14728,7 @@
                     </a:solidFill>
                   </a:defRPr>
                 </a:pPr>
+                <a:endParaRPr/>
               </a:p>
             </p:txBody>
           </p:sp>
@@ -14513,6 +14776,7 @@
                     </a:solidFill>
                   </a:defRPr>
                 </a:pPr>
+                <a:endParaRPr/>
               </a:p>
             </p:txBody>
           </p:sp>
@@ -14547,7 +14811,7 @@
                 </a:cxnLst>
                 <a:rect l="0" t="0" r="r" b="b"/>
                 <a:pathLst>
-                  <a:path w="21600" h="21600" fill="norm" stroke="1" extrusionOk="0">
+                  <a:path w="21600" h="21600" extrusionOk="0">
                     <a:moveTo>
                       <a:pt x="1391" y="21600"/>
                     </a:moveTo>
@@ -14603,6 +14867,7 @@
                     </a:solidFill>
                   </a:defRPr>
                 </a:pPr>
+                <a:endParaRPr/>
               </a:p>
             </p:txBody>
           </p:sp>
@@ -14637,7 +14902,7 @@
                 </a:cxnLst>
                 <a:rect l="0" t="0" r="r" b="b"/>
                 <a:pathLst>
-                  <a:path w="21600" h="21600" fill="norm" stroke="1" extrusionOk="0">
+                  <a:path w="21600" h="21600" extrusionOk="0">
                     <a:moveTo>
                       <a:pt x="10800" y="21600"/>
                     </a:moveTo>
@@ -14719,6 +14984,7 @@
                     </a:solidFill>
                   </a:defRPr>
                 </a:pPr>
+                <a:endParaRPr/>
               </a:p>
             </p:txBody>
           </p:sp>
@@ -14753,7 +15019,7 @@
                 </a:cxnLst>
                 <a:rect l="0" t="0" r="r" b="b"/>
                 <a:pathLst>
-                  <a:path w="21600" h="21600" fill="norm" stroke="1" extrusionOk="0">
+                  <a:path w="21600" h="21600" extrusionOk="0">
                     <a:moveTo>
                       <a:pt x="21600" y="21600"/>
                     </a:moveTo>
@@ -14809,6 +15075,7 @@
                     </a:solidFill>
                   </a:defRPr>
                 </a:pPr>
+                <a:endParaRPr/>
               </a:p>
             </p:txBody>
           </p:sp>
@@ -14843,7 +15110,7 @@
                 </a:cxnLst>
                 <a:rect l="0" t="0" r="r" b="b"/>
                 <a:pathLst>
-                  <a:path w="21600" h="21600" fill="norm" stroke="1" extrusionOk="0">
+                  <a:path w="21600" h="21600" extrusionOk="0">
                     <a:moveTo>
                       <a:pt x="10800" y="21600"/>
                     </a:moveTo>
@@ -14925,6 +15192,7 @@
                     </a:solidFill>
                   </a:defRPr>
                 </a:pPr>
+                <a:endParaRPr/>
               </a:p>
             </p:txBody>
           </p:sp>
@@ -14959,7 +15227,7 @@
                 </a:cxnLst>
                 <a:rect l="0" t="0" r="r" b="b"/>
                 <a:pathLst>
-                  <a:path w="21600" h="21600" fill="norm" stroke="1" extrusionOk="0">
+                  <a:path w="21600" h="21600" extrusionOk="0">
                     <a:moveTo>
                       <a:pt x="1647" y="21600"/>
                     </a:moveTo>
@@ -15018,6 +15286,7 @@
                     </a:solidFill>
                   </a:defRPr>
                 </a:pPr>
+                <a:endParaRPr/>
               </a:p>
             </p:txBody>
           </p:sp>
@@ -15052,7 +15321,7 @@
                 </a:cxnLst>
                 <a:rect l="0" t="0" r="r" b="b"/>
                 <a:pathLst>
-                  <a:path w="21600" h="21600" fill="norm" stroke="1" extrusionOk="0">
+                  <a:path w="21600" h="21600" extrusionOk="0">
                     <a:moveTo>
                       <a:pt x="3375" y="21600"/>
                     </a:moveTo>
@@ -15108,6 +15377,7 @@
                     </a:solidFill>
                   </a:defRPr>
                 </a:pPr>
+                <a:endParaRPr/>
               </a:p>
             </p:txBody>
           </p:sp>
@@ -15142,7 +15412,7 @@
                 </a:cxnLst>
                 <a:rect l="0" t="0" r="r" b="b"/>
                 <a:pathLst>
-                  <a:path w="21600" h="21600" fill="norm" stroke="1" extrusionOk="0">
+                  <a:path w="21600" h="21600" extrusionOk="0">
                     <a:moveTo>
                       <a:pt x="10800" y="21600"/>
                     </a:moveTo>
@@ -15224,6 +15494,7 @@
                     </a:solidFill>
                   </a:defRPr>
                 </a:pPr>
+                <a:endParaRPr/>
               </a:p>
             </p:txBody>
           </p:sp>
@@ -15258,7 +15529,7 @@
                 </a:cxnLst>
                 <a:rect l="0" t="0" r="r" b="b"/>
                 <a:pathLst>
-                  <a:path w="21600" h="21600" fill="norm" stroke="1" extrusionOk="0">
+                  <a:path w="21600" h="21600" extrusionOk="0">
                     <a:moveTo>
                       <a:pt x="10800" y="21600"/>
                     </a:moveTo>
@@ -15340,6 +15611,7 @@
                     </a:solidFill>
                   </a:defRPr>
                 </a:pPr>
+                <a:endParaRPr/>
               </a:p>
             </p:txBody>
           </p:sp>
@@ -15374,7 +15646,7 @@
                 </a:cxnLst>
                 <a:rect l="0" t="0" r="r" b="b"/>
                 <a:pathLst>
-                  <a:path w="21600" h="21600" fill="norm" stroke="1" extrusionOk="0">
+                  <a:path w="21600" h="21600" extrusionOk="0">
                     <a:moveTo>
                       <a:pt x="1232" y="21600"/>
                     </a:moveTo>
@@ -15433,6 +15705,7 @@
                     </a:solidFill>
                   </a:defRPr>
                 </a:pPr>
+                <a:endParaRPr/>
               </a:p>
             </p:txBody>
           </p:sp>
@@ -15467,7 +15740,7 @@
                 </a:cxnLst>
                 <a:rect l="0" t="0" r="r" b="b"/>
                 <a:pathLst>
-                  <a:path w="20618" h="21600" fill="norm" stroke="1" extrusionOk="0">
+                  <a:path w="20618" h="21600" extrusionOk="0">
                     <a:moveTo>
                       <a:pt x="10473" y="21600"/>
                     </a:moveTo>
@@ -15579,6 +15852,7 @@
                     </a:solidFill>
                   </a:defRPr>
                 </a:pPr>
+                <a:endParaRPr/>
               </a:p>
             </p:txBody>
           </p:sp>
@@ -15628,7 +15902,7 @@
                 </a:cxnLst>
                 <a:rect l="0" t="0" r="r" b="b"/>
                 <a:pathLst>
-                  <a:path w="21600" h="21600" fill="norm" stroke="1" extrusionOk="0">
+                  <a:path w="21600" h="21600" extrusionOk="0">
                     <a:moveTo>
                       <a:pt x="986" y="21600"/>
                     </a:moveTo>
@@ -15688,6 +15962,7 @@
                     </a:solidFill>
                   </a:defRPr>
                 </a:pPr>
+                <a:endParaRPr/>
               </a:p>
             </p:txBody>
           </p:sp>
@@ -15722,7 +15997,7 @@
                 </a:cxnLst>
                 <a:rect l="0" t="0" r="r" b="b"/>
                 <a:pathLst>
-                  <a:path w="20618" h="21600" fill="norm" stroke="1" extrusionOk="0">
+                  <a:path w="20618" h="21600" extrusionOk="0">
                     <a:moveTo>
                       <a:pt x="10145" y="21600"/>
                     </a:moveTo>
@@ -15833,6 +16108,7 @@
                     </a:solidFill>
                   </a:defRPr>
                 </a:pPr>
+                <a:endParaRPr/>
               </a:p>
             </p:txBody>
           </p:sp>
@@ -15867,7 +16143,7 @@
                 </a:cxnLst>
                 <a:rect l="0" t="0" r="r" b="b"/>
                 <a:pathLst>
-                  <a:path w="21600" h="21600" fill="norm" stroke="1" extrusionOk="0">
+                  <a:path w="21600" h="21600" extrusionOk="0">
                     <a:moveTo>
                       <a:pt x="10800" y="21600"/>
                     </a:moveTo>
@@ -15953,6 +16229,7 @@
                     </a:solidFill>
                   </a:defRPr>
                 </a:pPr>
+                <a:endParaRPr/>
               </a:p>
             </p:txBody>
           </p:sp>
@@ -15987,7 +16264,7 @@
                 </a:cxnLst>
                 <a:rect l="0" t="0" r="r" b="b"/>
                 <a:pathLst>
-                  <a:path w="21600" h="21600" fill="norm" stroke="1" extrusionOk="0">
+                  <a:path w="21600" h="21600" extrusionOk="0">
                     <a:moveTo>
                       <a:pt x="1723" y="21600"/>
                     </a:moveTo>
@@ -16047,6 +16324,7 @@
                     </a:solidFill>
                   </a:defRPr>
                 </a:pPr>
+                <a:endParaRPr/>
               </a:p>
             </p:txBody>
           </p:sp>
@@ -16081,7 +16359,7 @@
                 </a:cxnLst>
                 <a:rect l="0" t="0" r="r" b="b"/>
                 <a:pathLst>
-                  <a:path w="21600" h="21600" fill="norm" stroke="1" extrusionOk="0">
+                  <a:path w="21600" h="21600" extrusionOk="0">
                     <a:moveTo>
                       <a:pt x="11127" y="21600"/>
                     </a:moveTo>
@@ -16167,6 +16445,7 @@
                     </a:solidFill>
                   </a:defRPr>
                 </a:pPr>
+                <a:endParaRPr/>
               </a:p>
             </p:txBody>
           </p:sp>
@@ -16201,7 +16480,7 @@
                 </a:cxnLst>
                 <a:rect l="0" t="0" r="r" b="b"/>
                 <a:pathLst>
-                  <a:path w="21600" h="21600" fill="norm" stroke="1" extrusionOk="0">
+                  <a:path w="21600" h="21600" extrusionOk="0">
                     <a:moveTo>
                       <a:pt x="1687" y="21600"/>
                     </a:moveTo>
@@ -16267,6 +16546,7 @@
                     </a:solidFill>
                   </a:defRPr>
                 </a:pPr>
+                <a:endParaRPr/>
               </a:p>
             </p:txBody>
           </p:sp>
@@ -16301,7 +16581,7 @@
                 </a:cxnLst>
                 <a:rect l="0" t="0" r="r" b="b"/>
                 <a:pathLst>
-                  <a:path w="21600" h="21600" fill="norm" stroke="1" extrusionOk="0">
+                  <a:path w="21600" h="21600" extrusionOk="0">
                     <a:moveTo>
                       <a:pt x="10800" y="21600"/>
                     </a:moveTo>
@@ -16387,6 +16667,7 @@
                     </a:solidFill>
                   </a:defRPr>
                 </a:pPr>
+                <a:endParaRPr/>
               </a:p>
             </p:txBody>
           </p:sp>
@@ -16421,7 +16702,7 @@
                 </a:cxnLst>
                 <a:rect l="0" t="0" r="r" b="b"/>
                 <a:pathLst>
-                  <a:path w="21600" h="21600" fill="norm" stroke="1" extrusionOk="0">
+                  <a:path w="21600" h="21600" extrusionOk="0">
                     <a:moveTo>
                       <a:pt x="2004" y="21600"/>
                     </a:moveTo>
@@ -16487,6 +16768,7 @@
                     </a:solidFill>
                   </a:defRPr>
                 </a:pPr>
+                <a:endParaRPr/>
               </a:p>
             </p:txBody>
           </p:sp>
@@ -16521,7 +16803,7 @@
                 </a:cxnLst>
                 <a:rect l="0" t="0" r="r" b="b"/>
                 <a:pathLst>
-                  <a:path w="21600" h="21600" fill="norm" stroke="1" extrusionOk="0">
+                  <a:path w="21600" h="21600" extrusionOk="0">
                     <a:moveTo>
                       <a:pt x="10800" y="21600"/>
                     </a:moveTo>
@@ -16607,6 +16889,7 @@
                     </a:solidFill>
                   </a:defRPr>
                 </a:pPr>
+                <a:endParaRPr/>
               </a:p>
             </p:txBody>
           </p:sp>
@@ -16658,6 +16941,7 @@
                     </a:solidFill>
                   </a:defRPr>
                 </a:pPr>
+                <a:endParaRPr/>
               </a:p>
             </p:txBody>
           </p:sp>
@@ -16666,7 +16950,9 @@
       <p:sp>
         <p:nvSpPr>
           <p:cNvPr id="42" name="Title Text"/>
-          <p:cNvSpPr txBox="1"/>
+          <p:cNvSpPr txBox="1">
+            <a:spLocks noGrp="1"/>
+          </p:cNvSpPr>
           <p:nvPr>
             <p:ph type="title"/>
           </p:nvPr>
@@ -16684,17 +16970,16 @@
           </a:ln>
           <a:extLst>
             <a:ext uri="{C572A759-6A51-4108-AA02-DFA0A04FC94B}">
-              <ma14:wrappingTextBoxFlag xmlns:ma14="http://schemas.microsoft.com/office/mac/drawingml/2011/main" val="1"/>
+              <ma14:wrappingTextBoxFlag xmlns="" xmlns:m="http://schemas.openxmlformats.org/officeDocument/2006/math" xmlns:a14="http://schemas.microsoft.com/office/drawing/2010/main" xmlns:ma14="http://schemas.microsoft.com/office/mac/drawingml/2011/main" val="1"/>
             </a:ext>
           </a:extLst>
         </p:spPr>
         <p:txBody>
           <a:bodyPr lIns="45719" rIns="45719" anchor="ctr">
-            <a:normAutofit fontScale="100000" lnSpcReduction="0"/>
+            <a:normAutofit/>
           </a:bodyPr>
           <a:lstStyle/>
           <a:p>
-            <a:pPr/>
             <a:r>
               <a:t>Title Text</a:t>
             </a:r>
@@ -16704,7 +16989,9 @@
       <p:sp>
         <p:nvSpPr>
           <p:cNvPr id="43" name="Body Level One…"/>
-          <p:cNvSpPr txBox="1"/>
+          <p:cNvSpPr txBox="1">
+            <a:spLocks noGrp="1"/>
+          </p:cNvSpPr>
           <p:nvPr>
             <p:ph type="body" idx="1"/>
           </p:nvPr>
@@ -16722,17 +17009,16 @@
           </a:ln>
           <a:extLst>
             <a:ext uri="{C572A759-6A51-4108-AA02-DFA0A04FC94B}">
-              <ma14:wrappingTextBoxFlag xmlns:ma14="http://schemas.microsoft.com/office/mac/drawingml/2011/main" val="1"/>
+              <ma14:wrappingTextBoxFlag xmlns="" xmlns:m="http://schemas.openxmlformats.org/officeDocument/2006/math" xmlns:a14="http://schemas.microsoft.com/office/drawing/2010/main" xmlns:ma14="http://schemas.microsoft.com/office/mac/drawingml/2011/main" val="1"/>
             </a:ext>
           </a:extLst>
         </p:spPr>
         <p:txBody>
           <a:bodyPr lIns="45719" rIns="45719">
-            <a:normAutofit fontScale="100000" lnSpcReduction="0"/>
+            <a:normAutofit/>
           </a:bodyPr>
           <a:lstStyle/>
           <a:p>
-            <a:pPr/>
             <a:r>
               <a:t>Body Level One</a:t>
             </a:r>
@@ -16766,7 +17052,9 @@
       <p:sp>
         <p:nvSpPr>
           <p:cNvPr id="44" name="Slide Number"/>
-          <p:cNvSpPr txBox="1"/>
+          <p:cNvSpPr txBox="1">
+            <a:spLocks noGrp="1"/>
+          </p:cNvSpPr>
           <p:nvPr>
             <p:ph type="sldNum" sz="quarter" idx="2"/>
           </p:nvPr>
@@ -16797,8 +17085,10 @@
             </a:lvl1pPr>
           </a:lstStyle>
           <a:p>
-            <a:pPr/>
-            <a:fld id="{86CB4B4D-7CA3-9044-876B-883B54F8677D}" type="slidenum"/>
+            <a:fld id="{86CB4B4D-7CA3-9044-876B-883B54F8677D}" type="slidenum">
+              <a:t>‹#›</a:t>
+            </a:fld>
+            <a:endParaRPr/>
           </a:p>
         </p:txBody>
       </p:sp>
@@ -16806,25 +17096,25 @@
   </p:cSld>
   <p:clrMap bg1="lt1" tx1="dk1" bg2="lt2" tx2="dk2" accent1="accent1" accent2="accent2" accent3="accent3" accent4="accent4" accent5="accent5" accent6="accent6" hlink="hlink" folHlink="folHlink"/>
   <p:sldLayoutIdLst>
-    <p:sldLayoutId id="2147483649" r:id="rId4"/>
-    <p:sldLayoutId id="2147483650" r:id="rId5"/>
-    <p:sldLayoutId id="2147483651" r:id="rId6"/>
-    <p:sldLayoutId id="2147483652" r:id="rId7"/>
-    <p:sldLayoutId id="2147483653" r:id="rId8"/>
-    <p:sldLayoutId id="2147483654" r:id="rId9"/>
-    <p:sldLayoutId id="2147483655" r:id="rId10"/>
-    <p:sldLayoutId id="2147483656" r:id="rId11"/>
-    <p:sldLayoutId id="2147483657" r:id="rId12"/>
-    <p:sldLayoutId id="2147483658" r:id="rId13"/>
-    <p:sldLayoutId id="2147483659" r:id="rId14"/>
-    <p:sldLayoutId id="2147483660" r:id="rId15"/>
-    <p:sldLayoutId id="2147483661" r:id="rId16"/>
-    <p:sldLayoutId id="2147483662" r:id="rId17"/>
-    <p:sldLayoutId id="2147483663" r:id="rId18"/>
-    <p:sldLayoutId id="2147483664" r:id="rId19"/>
-    <p:sldLayoutId id="2147483665" r:id="rId20"/>
+    <p:sldLayoutId id="2147483649" r:id="rId1"/>
+    <p:sldLayoutId id="2147483650" r:id="rId2"/>
+    <p:sldLayoutId id="2147483651" r:id="rId3"/>
+    <p:sldLayoutId id="2147483652" r:id="rId4"/>
+    <p:sldLayoutId id="2147483653" r:id="rId5"/>
+    <p:sldLayoutId id="2147483654" r:id="rId6"/>
+    <p:sldLayoutId id="2147483655" r:id="rId7"/>
+    <p:sldLayoutId id="2147483656" r:id="rId8"/>
+    <p:sldLayoutId id="2147483657" r:id="rId9"/>
+    <p:sldLayoutId id="2147483658" r:id="rId10"/>
+    <p:sldLayoutId id="2147483659" r:id="rId11"/>
+    <p:sldLayoutId id="2147483660" r:id="rId12"/>
+    <p:sldLayoutId id="2147483661" r:id="rId13"/>
+    <p:sldLayoutId id="2147483662" r:id="rId14"/>
+    <p:sldLayoutId id="2147483663" r:id="rId15"/>
+    <p:sldLayoutId id="2147483664" r:id="rId16"/>
+    <p:sldLayoutId id="2147483665" r:id="rId17"/>
   </p:sldLayoutIdLst>
-  <p:transition xmlns:p14="http://schemas.microsoft.com/office/powerpoint/2010/main" spd="med" advClick="1"/>
+  <p:transition spd="med"/>
   <p:txStyles>
     <p:titleStyle>
       <a:lvl1pPr marL="0" marR="0" indent="0" algn="l" defTabSz="914400" rtl="0" latinLnBrk="0">
@@ -16842,7 +17132,7 @@
         <a:buFontTx/>
         <a:buNone/>
         <a:tabLst/>
-        <a:defRPr b="0" baseline="0" cap="all" i="0" spc="0" strike="noStrike" sz="3600" u="none">
+        <a:defRPr sz="3600" b="0" i="0" u="none" strike="noStrike" cap="all" spc="0" baseline="0">
           <a:ln>
             <a:noFill/>
           </a:ln>
@@ -16871,7 +17161,7 @@
         <a:buFontTx/>
         <a:buNone/>
         <a:tabLst/>
-        <a:defRPr b="0" baseline="0" cap="all" i="0" spc="0" strike="noStrike" sz="3600" u="none">
+        <a:defRPr sz="3600" b="0" i="0" u="none" strike="noStrike" cap="all" spc="0" baseline="0">
           <a:ln>
             <a:noFill/>
           </a:ln>
@@ -16900,7 +17190,7 @@
         <a:buFontTx/>
         <a:buNone/>
         <a:tabLst/>
-        <a:defRPr b="0" baseline="0" cap="all" i="0" spc="0" strike="noStrike" sz="3600" u="none">
+        <a:defRPr sz="3600" b="0" i="0" u="none" strike="noStrike" cap="all" spc="0" baseline="0">
           <a:ln>
             <a:noFill/>
           </a:ln>
@@ -16929,7 +17219,7 @@
         <a:buFontTx/>
         <a:buNone/>
         <a:tabLst/>
-        <a:defRPr b="0" baseline="0" cap="all" i="0" spc="0" strike="noStrike" sz="3600" u="none">
+        <a:defRPr sz="3600" b="0" i="0" u="none" strike="noStrike" cap="all" spc="0" baseline="0">
           <a:ln>
             <a:noFill/>
           </a:ln>
@@ -16958,7 +17248,7 @@
         <a:buFontTx/>
         <a:buNone/>
         <a:tabLst/>
-        <a:defRPr b="0" baseline="0" cap="all" i="0" spc="0" strike="noStrike" sz="3600" u="none">
+        <a:defRPr sz="3600" b="0" i="0" u="none" strike="noStrike" cap="all" spc="0" baseline="0">
           <a:ln>
             <a:noFill/>
           </a:ln>
@@ -16987,7 +17277,7 @@
         <a:buFontTx/>
         <a:buNone/>
         <a:tabLst/>
-        <a:defRPr b="0" baseline="0" cap="all" i="0" spc="0" strike="noStrike" sz="3600" u="none">
+        <a:defRPr sz="3600" b="0" i="0" u="none" strike="noStrike" cap="all" spc="0" baseline="0">
           <a:ln>
             <a:noFill/>
           </a:ln>
@@ -17016,7 +17306,7 @@
         <a:buFontTx/>
         <a:buNone/>
         <a:tabLst/>
-        <a:defRPr b="0" baseline="0" cap="all" i="0" spc="0" strike="noStrike" sz="3600" u="none">
+        <a:defRPr sz="3600" b="0" i="0" u="none" strike="noStrike" cap="all" spc="0" baseline="0">
           <a:ln>
             <a:noFill/>
           </a:ln>
@@ -17045,7 +17335,7 @@
         <a:buFontTx/>
         <a:buNone/>
         <a:tabLst/>
-        <a:defRPr b="0" baseline="0" cap="all" i="0" spc="0" strike="noStrike" sz="3600" u="none">
+        <a:defRPr sz="3600" b="0" i="0" u="none" strike="noStrike" cap="all" spc="0" baseline="0">
           <a:ln>
             <a:noFill/>
           </a:ln>
@@ -17074,7 +17364,7 @@
         <a:buFontTx/>
         <a:buNone/>
         <a:tabLst/>
-        <a:defRPr b="0" baseline="0" cap="all" i="0" spc="0" strike="noStrike" sz="3600" u="none">
+        <a:defRPr sz="3600" b="0" i="0" u="none" strike="noStrike" cap="all" spc="0" baseline="0">
           <a:ln>
             <a:noFill/>
           </a:ln>
@@ -17105,7 +17395,7 @@
         <a:buFont typeface="Arial"/>
         <a:buChar char="•"/>
         <a:tabLst/>
-        <a:defRPr b="0" baseline="0" cap="none" i="0" spc="0" strike="noStrike" sz="2400" u="none">
+        <a:defRPr sz="2400" b="0" i="0" u="none" strike="noStrike" cap="none" spc="0" baseline="0">
           <a:ln>
             <a:noFill/>
           </a:ln>
@@ -17134,7 +17424,7 @@
         <a:buFont typeface="Arial"/>
         <a:buChar char="•"/>
         <a:tabLst/>
-        <a:defRPr b="0" baseline="0" cap="none" i="0" spc="0" strike="noStrike" sz="2400" u="none">
+        <a:defRPr sz="2400" b="0" i="0" u="none" strike="noStrike" cap="none" spc="0" baseline="0">
           <a:ln>
             <a:noFill/>
           </a:ln>
@@ -17163,7 +17453,7 @@
         <a:buFont typeface="Arial"/>
         <a:buChar char="•"/>
         <a:tabLst/>
-        <a:defRPr b="0" baseline="0" cap="none" i="0" spc="0" strike="noStrike" sz="2400" u="none">
+        <a:defRPr sz="2400" b="0" i="0" u="none" strike="noStrike" cap="none" spc="0" baseline="0">
           <a:ln>
             <a:noFill/>
           </a:ln>
@@ -17192,7 +17482,7 @@
         <a:buFont typeface="Arial"/>
         <a:buChar char="•"/>
         <a:tabLst/>
-        <a:defRPr b="0" baseline="0" cap="none" i="0" spc="0" strike="noStrike" sz="2400" u="none">
+        <a:defRPr sz="2400" b="0" i="0" u="none" strike="noStrike" cap="none" spc="0" baseline="0">
           <a:ln>
             <a:noFill/>
           </a:ln>
@@ -17221,7 +17511,7 @@
         <a:buFont typeface="Arial"/>
         <a:buChar char="•"/>
         <a:tabLst/>
-        <a:defRPr b="0" baseline="0" cap="none" i="0" spc="0" strike="noStrike" sz="2400" u="none">
+        <a:defRPr sz="2400" b="0" i="0" u="none" strike="noStrike" cap="none" spc="0" baseline="0">
           <a:ln>
             <a:noFill/>
           </a:ln>
@@ -17250,7 +17540,7 @@
         <a:buFont typeface="Arial"/>
         <a:buChar char="•"/>
         <a:tabLst/>
-        <a:defRPr b="0" baseline="0" cap="none" i="0" spc="0" strike="noStrike" sz="2400" u="none">
+        <a:defRPr sz="2400" b="0" i="0" u="none" strike="noStrike" cap="none" spc="0" baseline="0">
           <a:ln>
             <a:noFill/>
           </a:ln>
@@ -17279,7 +17569,7 @@
         <a:buFont typeface="Arial"/>
         <a:buChar char="•"/>
         <a:tabLst/>
-        <a:defRPr b="0" baseline="0" cap="none" i="0" spc="0" strike="noStrike" sz="2400" u="none">
+        <a:defRPr sz="2400" b="0" i="0" u="none" strike="noStrike" cap="none" spc="0" baseline="0">
           <a:ln>
             <a:noFill/>
           </a:ln>
@@ -17308,7 +17598,7 @@
         <a:buFont typeface="Arial"/>
         <a:buChar char="•"/>
         <a:tabLst/>
-        <a:defRPr b="0" baseline="0" cap="none" i="0" spc="0" strike="noStrike" sz="2400" u="none">
+        <a:defRPr sz="2400" b="0" i="0" u="none" strike="noStrike" cap="none" spc="0" baseline="0">
           <a:ln>
             <a:noFill/>
           </a:ln>
@@ -17337,7 +17627,7 @@
         <a:buFont typeface="Arial"/>
         <a:buChar char="•"/>
         <a:tabLst/>
-        <a:defRPr b="0" baseline="0" cap="none" i="0" spc="0" strike="noStrike" sz="2400" u="none">
+        <a:defRPr sz="2400" b="0" i="0" u="none" strike="noStrike" cap="none" spc="0" baseline="0">
           <a:ln>
             <a:noFill/>
           </a:ln>
@@ -17368,7 +17658,7 @@
         <a:buFontTx/>
         <a:buNone/>
         <a:tabLst/>
-        <a:defRPr b="0" baseline="0" cap="none" i="0" spc="0" strike="noStrike" sz="1000" u="none">
+        <a:defRPr sz="1000" b="0" i="0" u="none" strike="noStrike" cap="none" spc="0" baseline="0">
           <a:ln>
             <a:noFill/>
           </a:ln>
@@ -17397,7 +17687,7 @@
         <a:buFontTx/>
         <a:buNone/>
         <a:tabLst/>
-        <a:defRPr b="0" baseline="0" cap="none" i="0" spc="0" strike="noStrike" sz="1000" u="none">
+        <a:defRPr sz="1000" b="0" i="0" u="none" strike="noStrike" cap="none" spc="0" baseline="0">
           <a:ln>
             <a:noFill/>
           </a:ln>
@@ -17426,7 +17716,7 @@
         <a:buFontTx/>
         <a:buNone/>
         <a:tabLst/>
-        <a:defRPr b="0" baseline="0" cap="none" i="0" spc="0" strike="noStrike" sz="1000" u="none">
+        <a:defRPr sz="1000" b="0" i="0" u="none" strike="noStrike" cap="none" spc="0" baseline="0">
           <a:ln>
             <a:noFill/>
           </a:ln>
@@ -17455,7 +17745,7 @@
         <a:buFontTx/>
         <a:buNone/>
         <a:tabLst/>
-        <a:defRPr b="0" baseline="0" cap="none" i="0" spc="0" strike="noStrike" sz="1000" u="none">
+        <a:defRPr sz="1000" b="0" i="0" u="none" strike="noStrike" cap="none" spc="0" baseline="0">
           <a:ln>
             <a:noFill/>
           </a:ln>
@@ -17484,7 +17774,7 @@
         <a:buFontTx/>
         <a:buNone/>
         <a:tabLst/>
-        <a:defRPr b="0" baseline="0" cap="none" i="0" spc="0" strike="noStrike" sz="1000" u="none">
+        <a:defRPr sz="1000" b="0" i="0" u="none" strike="noStrike" cap="none" spc="0" baseline="0">
           <a:ln>
             <a:noFill/>
           </a:ln>
@@ -17513,7 +17803,7 @@
         <a:buFontTx/>
         <a:buNone/>
         <a:tabLst/>
-        <a:defRPr b="0" baseline="0" cap="none" i="0" spc="0" strike="noStrike" sz="1000" u="none">
+        <a:defRPr sz="1000" b="0" i="0" u="none" strike="noStrike" cap="none" spc="0" baseline="0">
           <a:ln>
             <a:noFill/>
           </a:ln>
@@ -17542,7 +17832,7 @@
         <a:buFontTx/>
         <a:buNone/>
         <a:tabLst/>
-        <a:defRPr b="0" baseline="0" cap="none" i="0" spc="0" strike="noStrike" sz="1000" u="none">
+        <a:defRPr sz="1000" b="0" i="0" u="none" strike="noStrike" cap="none" spc="0" baseline="0">
           <a:ln>
             <a:noFill/>
           </a:ln>
@@ -17571,7 +17861,7 @@
         <a:buFontTx/>
         <a:buNone/>
         <a:tabLst/>
-        <a:defRPr b="0" baseline="0" cap="none" i="0" spc="0" strike="noStrike" sz="1000" u="none">
+        <a:defRPr sz="1000" b="0" i="0" u="none" strike="noStrike" cap="none" spc="0" baseline="0">
           <a:ln>
             <a:noFill/>
           </a:ln>
@@ -17600,7 +17890,7 @@
         <a:buFontTx/>
         <a:buNone/>
         <a:tabLst/>
-        <a:defRPr b="0" baseline="0" cap="none" i="0" spc="0" strike="noStrike" sz="1000" u="none">
+        <a:defRPr sz="1000" b="0" i="0" u="none" strike="noStrike" cap="none" spc="0" baseline="0">
           <a:ln>
             <a:noFill/>
           </a:ln>
@@ -17620,7 +17910,7 @@
 </file>
 
 <file path=ppt/slides/slide1.xml><?xml version="1.0" encoding="utf-8"?>
-<p:sld xmlns:a="http://schemas.openxmlformats.org/drawingml/2006/main" xmlns:r="http://schemas.openxmlformats.org/officeDocument/2006/relationships" xmlns:p="http://schemas.openxmlformats.org/presentationml/2006/main" xmlns:m="http://schemas.openxmlformats.org/officeDocument/2006/math" xmlns:a14="http://schemas.microsoft.com/office/drawing/2010/main" showMasterSp="1" showMasterPhAnim="1">
+<p:sld xmlns:a="http://schemas.openxmlformats.org/drawingml/2006/main" xmlns:r="http://schemas.openxmlformats.org/officeDocument/2006/relationships" xmlns:p="http://schemas.openxmlformats.org/presentationml/2006/main">
   <p:cSld>
     <p:spTree>
       <p:nvGrpSpPr>
@@ -17639,7 +17929,9 @@
       <p:sp>
         <p:nvSpPr>
           <p:cNvPr id="319" name="Podnadpis 2"/>
-          <p:cNvSpPr txBox="1"/>
+          <p:cNvSpPr txBox="1">
+            <a:spLocks noGrp="1"/>
+          </p:cNvSpPr>
           <p:nvPr>
             <p:ph type="subTitle" sz="quarter" idx="1"/>
           </p:nvPr>
@@ -17654,11 +17946,13 @@
           </a:prstGeom>
         </p:spPr>
         <p:txBody>
-          <a:bodyPr/>
+          <a:bodyPr>
+            <a:normAutofit/>
+          </a:bodyPr>
           <a:lstStyle/>
           <a:p>
-            <a:pPr/>
             <a:r>
+              <a:rPr sz="2800" dirty="0"/>
               <a:t>multithreading / multiprocessing</a:t>
             </a:r>
           </a:p>
@@ -17683,7 +17977,7 @@
           </a:ln>
           <a:extLst>
             <a:ext uri="{C572A759-6A51-4108-AA02-DFA0A04FC94B}">
-              <ma14:wrappingTextBoxFlag xmlns:ma14="http://schemas.microsoft.com/office/mac/drawingml/2011/main" val="1"/>
+              <ma14:wrappingTextBoxFlag xmlns="" xmlns:m="http://schemas.openxmlformats.org/officeDocument/2006/math" xmlns:a14="http://schemas.microsoft.com/office/drawing/2010/main" xmlns:ma14="http://schemas.microsoft.com/office/mac/drawingml/2011/main" val="1"/>
             </a:ext>
           </a:extLst>
         </p:spPr>
@@ -17701,110 +17995,261 @@
             </a:lvl1pPr>
           </a:lstStyle>
           <a:p>
-            <a:pPr/>
             <a:r>
               <a:t>Miroslav Ledecký, Tomás Marczi</a:t>
             </a:r>
           </a:p>
         </p:txBody>
       </p:sp>
-      <p:grpSp>
-        <p:nvGrpSpPr>
-          <p:cNvPr id="323" name="Image Gallery"/>
-          <p:cNvGrpSpPr/>
+      <p:pic>
+        <p:nvPicPr>
+          <p:cNvPr id="321" name="Python-logo.png" descr="Python-logo.png"/>
+          <p:cNvPicPr>
+            <a:picLocks noChangeAspect="1"/>
+          </p:cNvPicPr>
           <p:nvPr/>
-        </p:nvGrpSpPr>
-        <p:grpSpPr>
+        </p:nvPicPr>
+        <p:blipFill>
+          <a:blip r:embed="rId2">
+            <a:extLst/>
+          </a:blip>
+          <a:srcRect l="5645" r="5645"/>
+          <a:stretch>
+            <a:fillRect/>
+          </a:stretch>
+        </p:blipFill>
+        <p:spPr>
           <a:xfrm>
-            <a:off x="1666344" y="1001712"/>
-            <a:ext cx="6959766" cy="3790789"/>
-            <a:chOff x="0" y="0"/>
-            <a:chExt cx="6959765" cy="3790787"/>
+            <a:off x="1657283" y="1109028"/>
+            <a:ext cx="6959767" cy="3320890"/>
           </a:xfrm>
-        </p:grpSpPr>
-        <p:pic>
-          <p:nvPicPr>
-            <p:cNvPr id="321" name="Python-logo.png" descr="Python-logo.png"/>
-            <p:cNvPicPr>
-              <a:picLocks noChangeAspect="1"/>
-            </p:cNvPicPr>
-            <p:nvPr/>
-          </p:nvPicPr>
-          <p:blipFill>
-            <a:blip r:embed="rId2">
-              <a:extLst/>
-            </a:blip>
-            <a:srcRect l="5645" t="0" r="5645" b="0"/>
-            <a:stretch>
-              <a:fillRect/>
-            </a:stretch>
-          </p:blipFill>
-          <p:spPr>
-            <a:xfrm>
-              <a:off x="0" y="0"/>
-              <a:ext cx="6959766" cy="3320888"/>
-            </a:xfrm>
-            <a:prstGeom prst="rect">
-              <a:avLst/>
-            </a:prstGeom>
-            <a:ln w="12700" cap="flat">
-              <a:noFill/>
-              <a:miter lim="400000"/>
-            </a:ln>
-            <a:effectLst/>
-          </p:spPr>
-        </p:pic>
-        <p:sp>
-          <p:nvSpPr>
-            <p:cNvPr id="322" name="Type to enter a caption."/>
-            <p:cNvSpPr/>
-            <p:nvPr/>
-          </p:nvSpPr>
-          <p:spPr>
-            <a:xfrm>
-              <a:off x="0" y="3397087"/>
-              <a:ext cx="6959766" cy="393701"/>
-            </a:xfrm>
-            <a:prstGeom prst="rect">
-              <a:avLst/>
-            </a:prstGeom>
+          <a:prstGeom prst="rect">
+            <a:avLst/>
+          </a:prstGeom>
+          <a:ln w="12700" cap="flat">
             <a:noFill/>
-            <a:ln w="12700" cap="flat">
-              <a:noFill/>
-              <a:miter lim="400000"/>
-            </a:ln>
-            <a:effectLst/>
-            <a:extLst>
-              <a:ext uri="{C572A759-6A51-4108-AA02-DFA0A04FC94B}">
-                <ma14:wrappingTextBoxFlag xmlns:ma14="http://schemas.microsoft.com/office/mac/drawingml/2011/main" val="1"/>
-              </a:ext>
-            </a:extLst>
-          </p:spPr>
-          <p:txBody>
-            <a:bodyPr wrap="square" lIns="76200" tIns="76200" rIns="76200" bIns="76200" numCol="1" anchor="t">
-              <a:noAutofit/>
-            </a:bodyPr>
-            <a:lstStyle/>
-            <a:p>
-              <a:pPr/>
-              <a:r>
-                <a:t>Type to enter a caption.</a:t>
-              </a:r>
-            </a:p>
-          </p:txBody>
-        </p:sp>
-      </p:grpSp>
+            <a:miter lim="400000"/>
+          </a:ln>
+          <a:effectLst/>
+        </p:spPr>
+      </p:pic>
     </p:spTree>
   </p:cSld>
   <p:clrMapOvr>
     <a:masterClrMapping/>
   </p:clrMapOvr>
-  <p:transition xmlns:p14="http://schemas.microsoft.com/office/powerpoint/2010/main" spd="med" advClick="1"/>
+  <p:transition spd="med"/>
 </p:sld>
 </file>
 
 <file path=ppt/slides/slide10.xml><?xml version="1.0" encoding="utf-8"?>
-<p:sld xmlns:a="http://schemas.openxmlformats.org/drawingml/2006/main" xmlns:r="http://schemas.openxmlformats.org/officeDocument/2006/relationships" xmlns:p="http://schemas.openxmlformats.org/presentationml/2006/main" xmlns:m="http://schemas.openxmlformats.org/officeDocument/2006/math" xmlns:a14="http://schemas.microsoft.com/office/drawing/2010/main" showMasterSp="1" showMasterPhAnim="1">
+<p:sld xmlns:a="http://schemas.openxmlformats.org/drawingml/2006/main" xmlns:r="http://schemas.openxmlformats.org/officeDocument/2006/relationships" xmlns:p="http://schemas.openxmlformats.org/presentationml/2006/main">
+  <p:cSld>
+    <p:spTree>
+      <p:nvGrpSpPr>
+        <p:cNvPr id="1" name=""/>
+        <p:cNvGrpSpPr/>
+        <p:nvPr/>
+      </p:nvGrpSpPr>
+      <p:grpSpPr>
+        <a:xfrm>
+          <a:off x="0" y="0"/>
+          <a:ext cx="0" cy="0"/>
+          <a:chOff x="0" y="0"/>
+          <a:chExt cx="0" cy="0"/>
+        </a:xfrm>
+      </p:grpSpPr>
+      <p:sp>
+        <p:nvSpPr>
+          <p:cNvPr id="358" name="Nadpis 1"/>
+          <p:cNvSpPr txBox="1">
+            <a:spLocks noGrp="1"/>
+          </p:cNvSpPr>
+          <p:nvPr>
+            <p:ph type="title"/>
+          </p:nvPr>
+        </p:nvSpPr>
+        <p:spPr>
+          <a:xfrm>
+            <a:off x="1141413" y="618518"/>
+            <a:ext cx="9905998" cy="1478571"/>
+          </a:xfrm>
+          <a:prstGeom prst="rect">
+            <a:avLst/>
+          </a:prstGeom>
+        </p:spPr>
+        <p:txBody>
+          <a:bodyPr/>
+          <a:lstStyle/>
+          <a:p>
+            <a:r>
+              <a:t>fibonacci sequence - execution time</a:t>
+            </a:r>
+          </a:p>
+        </p:txBody>
+      </p:sp>
+      <p:sp>
+        <p:nvSpPr>
+          <p:cNvPr id="359" name="Zástupný objekt pre obsah 2"/>
+          <p:cNvSpPr txBox="1">
+            <a:spLocks noGrp="1"/>
+          </p:cNvSpPr>
+          <p:nvPr>
+            <p:ph type="body" idx="1"/>
+          </p:nvPr>
+        </p:nvSpPr>
+        <p:spPr>
+          <a:xfrm>
+            <a:off x="1141411" y="2249485"/>
+            <a:ext cx="9906001" cy="4427763"/>
+          </a:xfrm>
+          <a:prstGeom prst="rect">
+            <a:avLst/>
+          </a:prstGeom>
+        </p:spPr>
+        <p:txBody>
+          <a:bodyPr/>
+          <a:lstStyle/>
+          <a:p>
+            <a:pPr>
+              <a:lnSpc>
+                <a:spcPct val="108000"/>
+              </a:lnSpc>
+            </a:pPr>
+            <a:r>
+              <a:rPr dirty="0"/>
+              <a:t>Fib (32bit): 633.25s</a:t>
+            </a:r>
+          </a:p>
+          <a:p>
+            <a:pPr>
+              <a:lnSpc>
+                <a:spcPct val="108000"/>
+              </a:lnSpc>
+            </a:pPr>
+            <a:r>
+              <a:rPr dirty="0"/>
+              <a:t>Fib (64bit): 52.89s</a:t>
+            </a:r>
+          </a:p>
+          <a:p>
+            <a:pPr>
+              <a:lnSpc>
+                <a:spcPct val="108000"/>
+              </a:lnSpc>
+            </a:pPr>
+            <a:r>
+              <a:rPr dirty="0"/>
+              <a:t>Fib multiprocessing (64bit): 14.84s</a:t>
+            </a:r>
+          </a:p>
+          <a:p>
+            <a:pPr>
+              <a:lnSpc>
+                <a:spcPct val="108000"/>
+              </a:lnSpc>
+            </a:pPr>
+            <a:r>
+              <a:rPr dirty="0"/>
+              <a:t>Fib multiprocessing (32bit): 177.58s</a:t>
+            </a:r>
+          </a:p>
+          <a:p>
+            <a:pPr>
+              <a:lnSpc>
+                <a:spcPct val="108000"/>
+              </a:lnSpc>
+            </a:pPr>
+            <a:r>
+              <a:rPr dirty="0"/>
+              <a:t>Fib multithreading (</a:t>
+            </a:r>
+            <a:r>
+              <a:rPr dirty="0" err="1"/>
+              <a:t>IronPython</a:t>
+            </a:r>
+            <a:r>
+              <a:rPr dirty="0"/>
+              <a:t> - 64bit): 57.9s</a:t>
+            </a:r>
+          </a:p>
+          <a:p>
+            <a:pPr>
+              <a:lnSpc>
+                <a:spcPct val="108000"/>
+              </a:lnSpc>
+            </a:pPr>
+            <a:r>
+              <a:rPr dirty="0"/>
+              <a:t>Fib multithreading (</a:t>
+            </a:r>
+            <a:r>
+              <a:rPr dirty="0" err="1"/>
+              <a:t>IronPython</a:t>
+            </a:r>
+            <a:r>
+              <a:rPr dirty="0"/>
+              <a:t> - 32bit): 101.2s</a:t>
+            </a:r>
+          </a:p>
+          <a:p>
+            <a:pPr>
+              <a:lnSpc>
+                <a:spcPct val="108000"/>
+              </a:lnSpc>
+            </a:pPr>
+            <a:r>
+              <a:rPr dirty="0"/>
+              <a:t>Fib multithreading sync (</a:t>
+            </a:r>
+            <a:r>
+              <a:rPr dirty="0" err="1"/>
+              <a:t>IronPython</a:t>
+            </a:r>
+            <a:r>
+              <a:rPr dirty="0"/>
+              <a:t> – 64bit): 126.88s </a:t>
+            </a:r>
+          </a:p>
+          <a:p>
+            <a:pPr>
+              <a:lnSpc>
+                <a:spcPct val="108000"/>
+              </a:lnSpc>
+            </a:pPr>
+            <a:r>
+              <a:rPr dirty="0"/>
+              <a:t>Fib multithreading sync (</a:t>
+            </a:r>
+            <a:r>
+              <a:rPr dirty="0" err="1"/>
+              <a:t>IronPython</a:t>
+            </a:r>
+            <a:r>
+              <a:rPr dirty="0"/>
+              <a:t> – </a:t>
+            </a:r>
+            <a:r>
+              <a:rPr lang="en-GB"/>
+              <a:t>32</a:t>
+            </a:r>
+            <a:r>
+              <a:t>bit): 214.18s</a:t>
+            </a:r>
+          </a:p>
+        </p:txBody>
+      </p:sp>
+    </p:spTree>
+  </p:cSld>
+  <p:clrMapOvr>
+    <a:masterClrMapping/>
+  </p:clrMapOvr>
+  <p:transition spd="med"/>
+</p:sld>
+</file>
+
+<file path=ppt/slides/slide11.xml><?xml version="1.0" encoding="utf-8"?>
+<p:sld xmlns:a="http://schemas.openxmlformats.org/drawingml/2006/main" xmlns:r="http://schemas.openxmlformats.org/officeDocument/2006/relationships" xmlns:p="http://schemas.openxmlformats.org/presentationml/2006/main">
   <p:cSld>
     <p:spTree>
       <p:nvGrpSpPr>
@@ -17823,7 +18268,9 @@
       <p:sp>
         <p:nvSpPr>
           <p:cNvPr id="361" name="Nadpis 1"/>
-          <p:cNvSpPr txBox="1"/>
+          <p:cNvSpPr txBox="1">
+            <a:spLocks noGrp="1"/>
+          </p:cNvSpPr>
           <p:nvPr>
             <p:ph type="title"/>
           </p:nvPr>
@@ -17841,7 +18288,6 @@
           <a:bodyPr/>
           <a:lstStyle/>
           <a:p>
-            <a:pPr/>
             <a:r>
               <a:t>Finding shapes in image - execution time</a:t>
             </a:r>
@@ -17851,7 +18297,9 @@
       <p:sp>
         <p:nvSpPr>
           <p:cNvPr id="362" name="Zástupný objekt pre obsah 2"/>
-          <p:cNvSpPr txBox="1"/>
+          <p:cNvSpPr txBox="1">
+            <a:spLocks noGrp="1"/>
+          </p:cNvSpPr>
           <p:nvPr>
             <p:ph type="body" idx="1"/>
           </p:nvPr>
@@ -17869,30 +18317,66 @@
           <a:bodyPr/>
           <a:lstStyle/>
           <a:p>
-            <a:pPr/>
             <a:r>
+              <a:rPr dirty="0"/>
               <a:t>Shape: 1.31s</a:t>
             </a:r>
           </a:p>
           <a:p>
-            <a:pPr/>
             <a:r>
+              <a:rPr dirty="0"/>
               <a:t>Shape threading: 1.18s</a:t>
             </a:r>
           </a:p>
         </p:txBody>
       </p:sp>
+      <p:pic>
+        <p:nvPicPr>
+          <p:cNvPr id="3" name="Obrázok 2">
+            <a:extLst>
+              <a:ext uri="{FF2B5EF4-FFF2-40B4-BE49-F238E27FC236}">
+                <a16:creationId xmlns:a16="http://schemas.microsoft.com/office/drawing/2014/main" id="{82E51CB2-A796-45A1-9EBD-BE15FF34A333}"/>
+              </a:ext>
+            </a:extLst>
+          </p:cNvPr>
+          <p:cNvPicPr>
+            <a:picLocks noChangeAspect="1"/>
+          </p:cNvPicPr>
+          <p:nvPr/>
+        </p:nvPicPr>
+        <p:blipFill>
+          <a:blip r:embed="rId2">
+            <a:extLst>
+              <a:ext uri="{28A0092B-C50C-407E-A947-70E740481C1C}">
+                <a14:useLocalDpi xmlns:a14="http://schemas.microsoft.com/office/drawing/2010/main" val="0"/>
+              </a:ext>
+            </a:extLst>
+          </a:blip>
+          <a:stretch>
+            <a:fillRect/>
+          </a:stretch>
+        </p:blipFill>
+        <p:spPr>
+          <a:xfrm>
+            <a:off x="1708727" y="3429000"/>
+            <a:ext cx="8377382" cy="3074005"/>
+          </a:xfrm>
+          <a:prstGeom prst="rect">
+            <a:avLst/>
+          </a:prstGeom>
+        </p:spPr>
+      </p:pic>
     </p:spTree>
   </p:cSld>
   <p:clrMapOvr>
     <a:masterClrMapping/>
   </p:clrMapOvr>
-  <p:transition xmlns:p14="http://schemas.microsoft.com/office/powerpoint/2010/main" spd="med" advClick="1"/>
+  <p:transition spd="med"/>
 </p:sld>
 </file>
 
-<file path=ppt/slides/slide11.xml><?xml version="1.0" encoding="utf-8"?>
-<p:sld xmlns:a="http://schemas.openxmlformats.org/drawingml/2006/main" xmlns:r="http://schemas.openxmlformats.org/officeDocument/2006/relationships" xmlns:p="http://schemas.openxmlformats.org/presentationml/2006/main" xmlns:m="http://schemas.openxmlformats.org/officeDocument/2006/math" xmlns:a14="http://schemas.microsoft.com/office/drawing/2010/main" showMasterSp="1" showMasterPhAnim="1">
+<file path=ppt/slides/slide12.xml><?xml version="1.0" encoding="utf-8"?>
+<p:sld xmlns:a="http://schemas.openxmlformats.org/drawingml/2006/main" xmlns:r="http://schemas.openxmlformats.org/officeDocument/2006/relationships" xmlns:p="http://schemas.openxmlformats.org/presentationml/2006/main">
   <p:cSld>
     <p:spTree>
       <p:nvGrpSpPr>
@@ -17911,7 +18395,9 @@
       <p:sp>
         <p:nvSpPr>
           <p:cNvPr id="364" name="Nadpis 1"/>
-          <p:cNvSpPr txBox="1"/>
+          <p:cNvSpPr txBox="1">
+            <a:spLocks noGrp="1"/>
+          </p:cNvSpPr>
           <p:nvPr>
             <p:ph type="title"/>
           </p:nvPr>
@@ -17929,14 +18415,20 @@
           <a:bodyPr/>
           <a:lstStyle/>
           <a:p>
-            <a:pPr/>
+            <a:r>
+              <a:rPr lang="en-GB" dirty="0"/>
+              <a:t>Fib - single vs multi processing</a:t>
+            </a:r>
+            <a:endParaRPr dirty="0"/>
           </a:p>
         </p:txBody>
       </p:sp>
       <p:sp>
         <p:nvSpPr>
           <p:cNvPr id="365" name="Zástupný objekt pre obsah 2"/>
-          <p:cNvSpPr txBox="1"/>
+          <p:cNvSpPr txBox="1">
+            <a:spLocks noGrp="1"/>
+          </p:cNvSpPr>
           <p:nvPr>
             <p:ph type="body" idx="1"/>
           </p:nvPr>
@@ -17954,21 +18446,93 @@
           <a:bodyPr/>
           <a:lstStyle/>
           <a:p>
-            <a:pPr/>
+            <a:endParaRPr/>
           </a:p>
         </p:txBody>
       </p:sp>
+      <p:pic>
+        <p:nvPicPr>
+          <p:cNvPr id="3" name="Obrázok 2">
+            <a:extLst>
+              <a:ext uri="{FF2B5EF4-FFF2-40B4-BE49-F238E27FC236}">
+                <a16:creationId xmlns:a16="http://schemas.microsoft.com/office/drawing/2014/main" id="{182CB9CF-3A4C-4F8A-9D38-B74949191AAA}"/>
+              </a:ext>
+            </a:extLst>
+          </p:cNvPr>
+          <p:cNvPicPr>
+            <a:picLocks noChangeAspect="1"/>
+          </p:cNvPicPr>
+          <p:nvPr/>
+        </p:nvPicPr>
+        <p:blipFill>
+          <a:blip r:embed="rId2">
+            <a:extLst>
+              <a:ext uri="{28A0092B-C50C-407E-A947-70E740481C1C}">
+                <a14:useLocalDpi xmlns:a14="http://schemas.microsoft.com/office/drawing/2010/main" val="0"/>
+              </a:ext>
+            </a:extLst>
+          </a:blip>
+          <a:stretch>
+            <a:fillRect/>
+          </a:stretch>
+        </p:blipFill>
+        <p:spPr>
+          <a:xfrm>
+            <a:off x="1050213" y="2401883"/>
+            <a:ext cx="4853028" cy="3541715"/>
+          </a:xfrm>
+          <a:prstGeom prst="rect">
+            <a:avLst/>
+          </a:prstGeom>
+        </p:spPr>
+      </p:pic>
+      <p:pic>
+        <p:nvPicPr>
+          <p:cNvPr id="5" name="Obrázok 4">
+            <a:extLst>
+              <a:ext uri="{FF2B5EF4-FFF2-40B4-BE49-F238E27FC236}">
+                <a16:creationId xmlns:a16="http://schemas.microsoft.com/office/drawing/2014/main" id="{7C1EECEC-6FAB-4FF9-AB6D-AB57C5D27050}"/>
+              </a:ext>
+            </a:extLst>
+          </p:cNvPr>
+          <p:cNvPicPr>
+            <a:picLocks noChangeAspect="1"/>
+          </p:cNvPicPr>
+          <p:nvPr/>
+        </p:nvPicPr>
+        <p:blipFill>
+          <a:blip r:embed="rId3">
+            <a:extLst>
+              <a:ext uri="{28A0092B-C50C-407E-A947-70E740481C1C}">
+                <a14:useLocalDpi xmlns:a14="http://schemas.microsoft.com/office/drawing/2010/main" val="0"/>
+              </a:ext>
+            </a:extLst>
+          </a:blip>
+          <a:stretch>
+            <a:fillRect/>
+          </a:stretch>
+        </p:blipFill>
+        <p:spPr>
+          <a:xfrm>
+            <a:off x="6402864" y="2401883"/>
+            <a:ext cx="4735746" cy="3541715"/>
+          </a:xfrm>
+          <a:prstGeom prst="rect">
+            <a:avLst/>
+          </a:prstGeom>
+        </p:spPr>
+      </p:pic>
     </p:spTree>
   </p:cSld>
   <p:clrMapOvr>
     <a:masterClrMapping/>
   </p:clrMapOvr>
-  <p:transition xmlns:p14="http://schemas.microsoft.com/office/powerpoint/2010/main" spd="med" advClick="1"/>
+  <p:transition spd="med"/>
 </p:sld>
 </file>
 
-<file path=ppt/slides/slide12.xml><?xml version="1.0" encoding="utf-8"?>
-<p:sld xmlns:a="http://schemas.openxmlformats.org/drawingml/2006/main" xmlns:r="http://schemas.openxmlformats.org/officeDocument/2006/relationships" xmlns:p="http://schemas.openxmlformats.org/presentationml/2006/main" xmlns:m="http://schemas.openxmlformats.org/officeDocument/2006/math" xmlns:a14="http://schemas.microsoft.com/office/drawing/2010/main" showMasterSp="1" showMasterPhAnim="1">
+<file path=ppt/slides/slide13.xml><?xml version="1.0" encoding="utf-8"?>
+<p:sld xmlns:a="http://schemas.openxmlformats.org/drawingml/2006/main" xmlns:r="http://schemas.openxmlformats.org/officeDocument/2006/relationships" xmlns:p="http://schemas.openxmlformats.org/presentationml/2006/main">
   <p:cSld>
     <p:spTree>
       <p:nvGrpSpPr>
@@ -17987,7 +18551,9 @@
       <p:sp>
         <p:nvSpPr>
           <p:cNvPr id="367" name="Nadpis 1"/>
-          <p:cNvSpPr txBox="1"/>
+          <p:cNvSpPr txBox="1">
+            <a:spLocks noGrp="1"/>
+          </p:cNvSpPr>
           <p:nvPr>
             <p:ph type="title"/>
           </p:nvPr>
@@ -18005,7 +18571,6 @@
           <a:bodyPr/>
           <a:lstStyle/>
           <a:p>
-            <a:pPr/>
             <a:r>
               <a:t>sources</a:t>
             </a:r>
@@ -18015,7 +18580,9 @@
       <p:sp>
         <p:nvSpPr>
           <p:cNvPr id="368" name="Zástupný objekt pre obsah 2"/>
-          <p:cNvSpPr txBox="1"/>
+          <p:cNvSpPr txBox="1">
+            <a:spLocks noGrp="1"/>
+          </p:cNvSpPr>
           <p:nvPr>
             <p:ph type="body" idx="1"/>
           </p:nvPr>
@@ -18033,7 +18600,6 @@
           <a:bodyPr/>
           <a:lstStyle/>
           <a:p>
-            <a:pPr/>
             <a:r>
               <a:rPr u="sng">
                 <a:solidFill>
@@ -18044,13 +18610,12 @@
                     <a:srgbClr val="B8FA56"/>
                   </a:solidFill>
                 </a:uFill>
-                <a:hlinkClick r:id="rId2" invalidUrl="" action="" tgtFrame="" tooltip="" history="1" highlightClick="0" endSnd="0"/>
+                <a:hlinkClick r:id="rId2"/>
               </a:rPr>
               <a:t>https://docs.python.org/3/library/threading.html</a:t>
             </a:r>
           </a:p>
           <a:p>
-            <a:pPr/>
             <a:r>
               <a:rPr u="sng">
                 <a:solidFill>
@@ -18061,13 +18626,12 @@
                     <a:srgbClr val="B8FA56"/>
                   </a:solidFill>
                 </a:uFill>
-                <a:hlinkClick r:id="rId3" invalidUrl="" action="" tgtFrame="" tooltip="" history="1" highlightClick="0" endSnd="0"/>
+                <a:hlinkClick r:id="rId3"/>
               </a:rPr>
               <a:t>https://docs.python.org/3/library/multiprocessing.html</a:t>
             </a:r>
           </a:p>
           <a:p>
-            <a:pPr/>
             <a:r>
               <a:rPr u="sng">
                 <a:solidFill>
@@ -18078,7 +18642,7 @@
                     <a:srgbClr val="B8FA56"/>
                   </a:solidFill>
                 </a:uFill>
-                <a:hlinkClick r:id="rId4" invalidUrl="" action="" tgtFrame="" tooltip="" history="1" highlightClick="0" endSnd="0"/>
+                <a:hlinkClick r:id="rId4"/>
               </a:rPr>
               <a:t>https://nitratine.net/blog/post/python-threading-basics/</a:t>
             </a:r>
@@ -18090,12 +18654,12 @@
   <p:clrMapOvr>
     <a:masterClrMapping/>
   </p:clrMapOvr>
-  <p:transition xmlns:p14="http://schemas.microsoft.com/office/powerpoint/2010/main" spd="med" advClick="1"/>
+  <p:transition spd="med"/>
 </p:sld>
 </file>
 
-<file path=ppt/slides/slide13.xml><?xml version="1.0" encoding="utf-8"?>
-<p:sld xmlns:a="http://schemas.openxmlformats.org/drawingml/2006/main" xmlns:r="http://schemas.openxmlformats.org/officeDocument/2006/relationships" xmlns:p="http://schemas.openxmlformats.org/presentationml/2006/main" xmlns:m="http://schemas.openxmlformats.org/officeDocument/2006/math" xmlns:a14="http://schemas.microsoft.com/office/drawing/2010/main" showMasterSp="1" showMasterPhAnim="1">
+<file path=ppt/slides/slide14.xml><?xml version="1.0" encoding="utf-8"?>
+<p:sld xmlns:a="http://schemas.openxmlformats.org/drawingml/2006/main" xmlns:r="http://schemas.openxmlformats.org/officeDocument/2006/relationships" xmlns:p="http://schemas.openxmlformats.org/presentationml/2006/main">
   <p:cSld>
     <p:spTree>
       <p:nvGrpSpPr>
@@ -18114,7 +18678,9 @@
       <p:sp>
         <p:nvSpPr>
           <p:cNvPr id="370" name="Nadpis 1"/>
-          <p:cNvSpPr txBox="1"/>
+          <p:cNvSpPr txBox="1">
+            <a:spLocks noGrp="1"/>
+          </p:cNvSpPr>
           <p:nvPr>
             <p:ph type="title"/>
           </p:nvPr>
@@ -18132,7 +18698,6 @@
           <a:bodyPr/>
           <a:lstStyle/>
           <a:p>
-            <a:pPr/>
             <a:r>
               <a:t>thanks for your attention</a:t>
             </a:r>
@@ -18144,12 +18709,12 @@
   <p:clrMapOvr>
     <a:masterClrMapping/>
   </p:clrMapOvr>
-  <p:transition xmlns:p14="http://schemas.microsoft.com/office/powerpoint/2010/main" spd="med" advClick="1"/>
+  <p:transition spd="med"/>
 </p:sld>
 </file>
 
 <file path=ppt/slides/slide2.xml><?xml version="1.0" encoding="utf-8"?>
-<p:sld xmlns:a="http://schemas.openxmlformats.org/drawingml/2006/main" xmlns:r="http://schemas.openxmlformats.org/officeDocument/2006/relationships" xmlns:p="http://schemas.openxmlformats.org/presentationml/2006/main" xmlns:m="http://schemas.openxmlformats.org/officeDocument/2006/math" xmlns:a14="http://schemas.microsoft.com/office/drawing/2010/main" showMasterSp="1" showMasterPhAnim="1">
+<p:sld xmlns:a="http://schemas.openxmlformats.org/drawingml/2006/main" xmlns:r="http://schemas.openxmlformats.org/officeDocument/2006/relationships" xmlns:p="http://schemas.openxmlformats.org/presentationml/2006/main">
   <p:cSld>
     <p:spTree>
       <p:nvGrpSpPr>
@@ -18168,7 +18733,9 @@
       <p:sp>
         <p:nvSpPr>
           <p:cNvPr id="325" name="python - multithreading"/>
-          <p:cNvSpPr txBox="1"/>
+          <p:cNvSpPr txBox="1">
+            <a:spLocks noGrp="1"/>
+          </p:cNvSpPr>
           <p:nvPr>
             <p:ph type="title"/>
           </p:nvPr>
@@ -18182,7 +18749,6 @@
           <a:bodyPr/>
           <a:lstStyle/>
           <a:p>
-            <a:pPr/>
             <a:r>
               <a:t>python - multithreading</a:t>
             </a:r>
@@ -18192,7 +18758,9 @@
       <p:sp>
         <p:nvSpPr>
           <p:cNvPr id="326" name="start() - Start the thread’s activity…"/>
-          <p:cNvSpPr txBox="1"/>
+          <p:cNvSpPr txBox="1">
+            <a:spLocks noGrp="1"/>
+          </p:cNvSpPr>
           <p:nvPr>
             <p:ph type="body" idx="1"/>
           </p:nvPr>
@@ -18206,7 +18774,6 @@
           <a:bodyPr/>
           <a:lstStyle/>
           <a:p>
-            <a:pPr/>
             <a:r>
               <a:rPr b="1"/>
               <a:t>start()</a:t>
@@ -18216,7 +18783,6 @@
             </a:r>
           </a:p>
           <a:p>
-            <a:pPr/>
             <a:r>
               <a:rPr b="1"/>
               <a:t>run()</a:t>
@@ -18226,7 +18792,6 @@
             </a:r>
           </a:p>
           <a:p>
-            <a:pPr/>
             <a:r>
               <a:rPr b="1"/>
               <a:t>join() </a:t>
@@ -18236,7 +18801,7 @@
             </a:r>
           </a:p>
           <a:p>
-            <a:pPr/>
+            <a:endParaRPr/>
           </a:p>
           <a:p>
             <a:pPr>
@@ -18247,7 +18812,6 @@
             </a:r>
           </a:p>
           <a:p>
-            <a:pPr/>
             <a:r>
               <a:rPr b="1"/>
               <a:t>condition object</a:t>
@@ -18267,12 +18831,148 @@
   <p:clrMapOvr>
     <a:masterClrMapping/>
   </p:clrMapOvr>
-  <p:transition xmlns:p14="http://schemas.microsoft.com/office/powerpoint/2010/main" spd="med" advClick="1"/>
+  <p:transition spd="med"/>
 </p:sld>
 </file>
 
 <file path=ppt/slides/slide3.xml><?xml version="1.0" encoding="utf-8"?>
-<p:sld xmlns:a="http://schemas.openxmlformats.org/drawingml/2006/main" xmlns:r="http://schemas.openxmlformats.org/officeDocument/2006/relationships" xmlns:p="http://schemas.openxmlformats.org/presentationml/2006/main" xmlns:m="http://schemas.openxmlformats.org/officeDocument/2006/math" xmlns:a14="http://schemas.microsoft.com/office/drawing/2010/main" showMasterSp="1" showMasterPhAnim="1">
+<p:sld xmlns:a="http://schemas.openxmlformats.org/drawingml/2006/main" xmlns:r="http://schemas.openxmlformats.org/officeDocument/2006/relationships" xmlns:p="http://schemas.openxmlformats.org/presentationml/2006/main">
+  <p:cSld>
+    <p:spTree>
+      <p:nvGrpSpPr>
+        <p:cNvPr id="1" name=""/>
+        <p:cNvGrpSpPr/>
+        <p:nvPr/>
+      </p:nvGrpSpPr>
+      <p:grpSpPr>
+        <a:xfrm>
+          <a:off x="0" y="0"/>
+          <a:ext cx="0" cy="0"/>
+          <a:chOff x="0" y="0"/>
+          <a:chExt cx="0" cy="0"/>
+        </a:xfrm>
+      </p:grpSpPr>
+      <p:sp>
+        <p:nvSpPr>
+          <p:cNvPr id="2" name="Nadpis 1">
+            <a:extLst>
+              <a:ext uri="{FF2B5EF4-FFF2-40B4-BE49-F238E27FC236}">
+                <a16:creationId xmlns:a16="http://schemas.microsoft.com/office/drawing/2014/main" id="{BC4DD80F-F9BA-4F06-B9EF-184C00209751}"/>
+              </a:ext>
+            </a:extLst>
+          </p:cNvPr>
+          <p:cNvSpPr>
+            <a:spLocks noGrp="1"/>
+          </p:cNvSpPr>
+          <p:nvPr>
+            <p:ph type="title"/>
+          </p:nvPr>
+        </p:nvSpPr>
+        <p:spPr/>
+        <p:txBody>
+          <a:bodyPr/>
+          <a:lstStyle/>
+          <a:p>
+            <a:r>
+              <a:rPr lang="en-GB" dirty="0"/>
+              <a:t>C vs python</a:t>
+            </a:r>
+          </a:p>
+        </p:txBody>
+      </p:sp>
+      <p:sp>
+        <p:nvSpPr>
+          <p:cNvPr id="3" name="Zástupný objekt pre text 2">
+            <a:extLst>
+              <a:ext uri="{FF2B5EF4-FFF2-40B4-BE49-F238E27FC236}">
+                <a16:creationId xmlns:a16="http://schemas.microsoft.com/office/drawing/2014/main" id="{33182D5E-F0B1-4CDB-88EE-36C3E46EB64F}"/>
+              </a:ext>
+            </a:extLst>
+          </p:cNvPr>
+          <p:cNvSpPr>
+            <a:spLocks noGrp="1"/>
+          </p:cNvSpPr>
+          <p:nvPr>
+            <p:ph type="body" idx="1"/>
+          </p:nvPr>
+        </p:nvSpPr>
+        <p:spPr/>
+        <p:txBody>
+          <a:bodyPr/>
+          <a:lstStyle/>
+          <a:p>
+            <a:r>
+              <a:rPr lang="en-GB" dirty="0"/>
+              <a:t>Matrix multiplication without multithreading (matrix dimensions: [3x9000])</a:t>
+            </a:r>
+          </a:p>
+          <a:p>
+            <a:r>
+              <a:rPr lang="en-GB" b="1" dirty="0"/>
+              <a:t>Python</a:t>
+            </a:r>
+            <a:r>
+              <a:rPr lang="en-GB" dirty="0"/>
+              <a:t>: 0.054s</a:t>
+            </a:r>
+          </a:p>
+          <a:p>
+            <a:r>
+              <a:rPr lang="en-GB" b="1" dirty="0"/>
+              <a:t>C</a:t>
+            </a:r>
+            <a:r>
+              <a:rPr lang="en-GB" dirty="0"/>
+              <a:t>: 0.001s</a:t>
+            </a:r>
+          </a:p>
+          <a:p>
+            <a:endParaRPr lang="en-GB" dirty="0"/>
+          </a:p>
+          <a:p>
+            <a:r>
+              <a:rPr lang="en-GB" b="1" dirty="0"/>
+              <a:t>Python</a:t>
+            </a:r>
+            <a:r>
+              <a:rPr lang="en-GB" dirty="0"/>
+              <a:t>: High-level language</a:t>
+            </a:r>
+          </a:p>
+          <a:p>
+            <a:r>
+              <a:rPr lang="en-GB" b="1" dirty="0"/>
+              <a:t>C</a:t>
+            </a:r>
+            <a:r>
+              <a:rPr lang="en-GB" dirty="0"/>
+              <a:t>: Low-level language (compared to Python)</a:t>
+            </a:r>
+          </a:p>
+          <a:p>
+            <a:endParaRPr lang="en-GB" dirty="0"/>
+          </a:p>
+          <a:p>
+            <a:endParaRPr lang="en-GB" dirty="0"/>
+          </a:p>
+        </p:txBody>
+      </p:sp>
+    </p:spTree>
+    <p:extLst>
+      <p:ext uri="{BB962C8B-B14F-4D97-AF65-F5344CB8AC3E}">
+        <p14:creationId xmlns:p14="http://schemas.microsoft.com/office/powerpoint/2010/main" val="1052413517"/>
+      </p:ext>
+    </p:extLst>
+  </p:cSld>
+  <p:clrMapOvr>
+    <a:masterClrMapping/>
+  </p:clrMapOvr>
+  <p:transition spd="med"/>
+</p:sld>
+</file>
+
+<file path=ppt/slides/slide4.xml><?xml version="1.0" encoding="utf-8"?>
+<p:sld xmlns:a="http://schemas.openxmlformats.org/drawingml/2006/main" xmlns:r="http://schemas.openxmlformats.org/officeDocument/2006/relationships" xmlns:p="http://schemas.openxmlformats.org/presentationml/2006/main">
   <p:cSld>
     <p:spTree>
       <p:nvGrpSpPr>
@@ -18291,7 +18991,9 @@
       <p:sp>
         <p:nvSpPr>
           <p:cNvPr id="328" name="multithreading - class"/>
-          <p:cNvSpPr txBox="1"/>
+          <p:cNvSpPr txBox="1">
+            <a:spLocks noGrp="1"/>
+          </p:cNvSpPr>
           <p:nvPr>
             <p:ph type="title"/>
           </p:nvPr>
@@ -18305,110 +19007,55 @@
           <a:bodyPr/>
           <a:lstStyle/>
           <a:p>
-            <a:pPr/>
             <a:r>
               <a:t>multithreading - class</a:t>
             </a:r>
           </a:p>
         </p:txBody>
       </p:sp>
-      <p:grpSp>
-        <p:nvGrpSpPr>
-          <p:cNvPr id="331" name="Image Gallery"/>
-          <p:cNvGrpSpPr/>
+      <p:pic>
+        <p:nvPicPr>
+          <p:cNvPr id="329" name="Screenshot 2019-03-05 at 21.39.57.png" descr="Screenshot 2019-03-05 at 21.39.57.png"/>
+          <p:cNvPicPr>
+            <a:picLocks noChangeAspect="1"/>
+          </p:cNvPicPr>
           <p:nvPr/>
-        </p:nvGrpSpPr>
-        <p:grpSpPr>
+        </p:nvPicPr>
+        <p:blipFill>
+          <a:blip r:embed="rId2">
+            <a:extLst/>
+          </a:blip>
+          <a:srcRect/>
+          <a:stretch>
+            <a:fillRect/>
+          </a:stretch>
+        </p:blipFill>
+        <p:spPr>
           <a:xfrm>
-            <a:off x="1553633" y="1757238"/>
-            <a:ext cx="9405370" cy="4733680"/>
-            <a:chOff x="0" y="0"/>
-            <a:chExt cx="9405369" cy="4733678"/>
+            <a:off x="2266940" y="1757238"/>
+            <a:ext cx="7978757" cy="4263781"/>
           </a:xfrm>
-        </p:grpSpPr>
-        <p:pic>
-          <p:nvPicPr>
-            <p:cNvPr id="329" name="Screenshot 2019-03-05 at 21.39.57.png" descr="Screenshot 2019-03-05 at 21.39.57.png"/>
-            <p:cNvPicPr>
-              <a:picLocks noChangeAspect="1"/>
-            </p:cNvPicPr>
-            <p:nvPr/>
-          </p:nvPicPr>
-          <p:blipFill>
-            <a:blip r:embed="rId2">
-              <a:extLst/>
-            </a:blip>
-            <a:srcRect l="0" t="0" r="0" b="0"/>
-            <a:stretch>
-              <a:fillRect/>
-            </a:stretch>
-          </p:blipFill>
-          <p:spPr>
-            <a:xfrm>
-              <a:off x="713307" y="0"/>
-              <a:ext cx="7978756" cy="4263779"/>
-            </a:xfrm>
-            <a:prstGeom prst="rect">
-              <a:avLst/>
-            </a:prstGeom>
-            <a:ln w="12700" cap="flat">
-              <a:noFill/>
-              <a:miter lim="400000"/>
-            </a:ln>
-            <a:effectLst/>
-          </p:spPr>
-        </p:pic>
-        <p:sp>
-          <p:nvSpPr>
-            <p:cNvPr id="330" name="Type to enter a caption."/>
-            <p:cNvSpPr/>
-            <p:nvPr/>
-          </p:nvSpPr>
-          <p:spPr>
-            <a:xfrm>
-              <a:off x="0" y="4339978"/>
-              <a:ext cx="9405370" cy="393701"/>
-            </a:xfrm>
-            <a:prstGeom prst="rect">
-              <a:avLst/>
-            </a:prstGeom>
+          <a:prstGeom prst="rect">
+            <a:avLst/>
+          </a:prstGeom>
+          <a:ln w="12700" cap="flat">
             <a:noFill/>
-            <a:ln w="12700" cap="flat">
-              <a:noFill/>
-              <a:miter lim="400000"/>
-            </a:ln>
-            <a:effectLst/>
-            <a:extLst>
-              <a:ext uri="{C572A759-6A51-4108-AA02-DFA0A04FC94B}">
-                <ma14:wrappingTextBoxFlag xmlns:ma14="http://schemas.microsoft.com/office/mac/drawingml/2011/main" val="1"/>
-              </a:ext>
-            </a:extLst>
-          </p:spPr>
-          <p:txBody>
-            <a:bodyPr wrap="square" lIns="76200" tIns="76200" rIns="76200" bIns="76200" numCol="1" anchor="t">
-              <a:noAutofit/>
-            </a:bodyPr>
-            <a:lstStyle/>
-            <a:p>
-              <a:pPr/>
-              <a:r>
-                <a:t>Type to enter a caption.</a:t>
-              </a:r>
-            </a:p>
-          </p:txBody>
-        </p:sp>
-      </p:grpSp>
+            <a:miter lim="400000"/>
+          </a:ln>
+          <a:effectLst/>
+        </p:spPr>
+      </p:pic>
     </p:spTree>
   </p:cSld>
   <p:clrMapOvr>
     <a:masterClrMapping/>
   </p:clrMapOvr>
-  <p:transition xmlns:p14="http://schemas.microsoft.com/office/powerpoint/2010/main" spd="med" advClick="1"/>
+  <p:transition spd="med"/>
 </p:sld>
 </file>
 
-<file path=ppt/slides/slide4.xml><?xml version="1.0" encoding="utf-8"?>
-<p:sld xmlns:a="http://schemas.openxmlformats.org/drawingml/2006/main" xmlns:r="http://schemas.openxmlformats.org/officeDocument/2006/relationships" xmlns:p="http://schemas.openxmlformats.org/presentationml/2006/main" xmlns:m="http://schemas.openxmlformats.org/officeDocument/2006/math" xmlns:a14="http://schemas.microsoft.com/office/drawing/2010/main" showMasterSp="1" showMasterPhAnim="1">
+<file path=ppt/slides/slide5.xml><?xml version="1.0" encoding="utf-8"?>
+<p:sld xmlns:a="http://schemas.openxmlformats.org/drawingml/2006/main" xmlns:r="http://schemas.openxmlformats.org/officeDocument/2006/relationships" xmlns:p="http://schemas.openxmlformats.org/presentationml/2006/main">
   <p:cSld>
     <p:spTree>
       <p:nvGrpSpPr>
@@ -18427,7 +19074,9 @@
       <p:sp>
         <p:nvSpPr>
           <p:cNvPr id="333" name="multithreading - function"/>
-          <p:cNvSpPr txBox="1"/>
+          <p:cNvSpPr txBox="1">
+            <a:spLocks noGrp="1"/>
+          </p:cNvSpPr>
           <p:nvPr>
             <p:ph type="title"/>
           </p:nvPr>
@@ -18441,110 +19090,55 @@
           <a:bodyPr/>
           <a:lstStyle/>
           <a:p>
-            <a:pPr/>
             <a:r>
               <a:t>multithreading - function</a:t>
             </a:r>
           </a:p>
         </p:txBody>
       </p:sp>
-      <p:grpSp>
-        <p:nvGrpSpPr>
-          <p:cNvPr id="336" name="Image Gallery"/>
-          <p:cNvGrpSpPr/>
+      <p:pic>
+        <p:nvPicPr>
+          <p:cNvPr id="334" name="Screenshot 2019-03-05 at 21.37.43.png" descr="Screenshot 2019-03-05 at 21.37.43.png"/>
+          <p:cNvPicPr>
+            <a:picLocks noChangeAspect="1"/>
+          </p:cNvPicPr>
           <p:nvPr/>
-        </p:nvGrpSpPr>
-        <p:grpSpPr>
+        </p:nvPicPr>
+        <p:blipFill>
+          <a:blip r:embed="rId2">
+            <a:extLst/>
+          </a:blip>
+          <a:srcRect/>
+          <a:stretch>
+            <a:fillRect/>
+          </a:stretch>
+        </p:blipFill>
+        <p:spPr>
           <a:xfrm>
             <a:off x="2170377" y="2027757"/>
-            <a:ext cx="8559036" cy="4314230"/>
-            <a:chOff x="0" y="239658"/>
-            <a:chExt cx="8559035" cy="4314229"/>
+            <a:ext cx="8559037" cy="3604673"/>
           </a:xfrm>
-        </p:grpSpPr>
-        <p:pic>
-          <p:nvPicPr>
-            <p:cNvPr id="334" name="Screenshot 2019-03-05 at 21.37.43.png" descr="Screenshot 2019-03-05 at 21.37.43.png"/>
-            <p:cNvPicPr>
-              <a:picLocks noChangeAspect="1"/>
-            </p:cNvPicPr>
-            <p:nvPr/>
-          </p:nvPicPr>
-          <p:blipFill>
-            <a:blip r:embed="rId2">
-              <a:extLst/>
-            </a:blip>
-            <a:srcRect l="0" t="0" r="0" b="0"/>
-            <a:stretch>
-              <a:fillRect/>
-            </a:stretch>
-          </p:blipFill>
-          <p:spPr>
-            <a:xfrm>
-              <a:off x="0" y="239658"/>
-              <a:ext cx="8559036" cy="3604672"/>
-            </a:xfrm>
-            <a:prstGeom prst="rect">
-              <a:avLst/>
-            </a:prstGeom>
-            <a:ln w="12700" cap="flat">
-              <a:noFill/>
-              <a:miter lim="400000"/>
-            </a:ln>
-            <a:effectLst/>
-          </p:spPr>
-        </p:pic>
-        <p:sp>
-          <p:nvSpPr>
-            <p:cNvPr id="335" name="Type to enter a caption."/>
-            <p:cNvSpPr/>
-            <p:nvPr/>
-          </p:nvSpPr>
-          <p:spPr>
-            <a:xfrm>
-              <a:off x="0" y="4160187"/>
-              <a:ext cx="8559036" cy="393701"/>
-            </a:xfrm>
-            <a:prstGeom prst="rect">
-              <a:avLst/>
-            </a:prstGeom>
+          <a:prstGeom prst="rect">
+            <a:avLst/>
+          </a:prstGeom>
+          <a:ln w="12700" cap="flat">
             <a:noFill/>
-            <a:ln w="12700" cap="flat">
-              <a:noFill/>
-              <a:miter lim="400000"/>
-            </a:ln>
-            <a:effectLst/>
-            <a:extLst>
-              <a:ext uri="{C572A759-6A51-4108-AA02-DFA0A04FC94B}">
-                <ma14:wrappingTextBoxFlag xmlns:ma14="http://schemas.microsoft.com/office/mac/drawingml/2011/main" val="1"/>
-              </a:ext>
-            </a:extLst>
-          </p:spPr>
-          <p:txBody>
-            <a:bodyPr wrap="square" lIns="76200" tIns="76200" rIns="76200" bIns="76200" numCol="1" anchor="t">
-              <a:noAutofit/>
-            </a:bodyPr>
-            <a:lstStyle/>
-            <a:p>
-              <a:pPr/>
-              <a:r>
-                <a:t>Type to enter a caption.</a:t>
-              </a:r>
-            </a:p>
-          </p:txBody>
-        </p:sp>
-      </p:grpSp>
+            <a:miter lim="400000"/>
+          </a:ln>
+          <a:effectLst/>
+        </p:spPr>
+      </p:pic>
     </p:spTree>
   </p:cSld>
   <p:clrMapOvr>
     <a:masterClrMapping/>
   </p:clrMapOvr>
-  <p:transition xmlns:p14="http://schemas.microsoft.com/office/powerpoint/2010/main" spd="med" advClick="1"/>
+  <p:transition spd="med"/>
 </p:sld>
 </file>
 
-<file path=ppt/slides/slide5.xml><?xml version="1.0" encoding="utf-8"?>
-<p:sld xmlns:a="http://schemas.openxmlformats.org/drawingml/2006/main" xmlns:r="http://schemas.openxmlformats.org/officeDocument/2006/relationships" xmlns:p="http://schemas.openxmlformats.org/presentationml/2006/main" xmlns:m="http://schemas.openxmlformats.org/officeDocument/2006/math" xmlns:a14="http://schemas.microsoft.com/office/drawing/2010/main" showMasterSp="1" showMasterPhAnim="1">
+<file path=ppt/slides/slide6.xml><?xml version="1.0" encoding="utf-8"?>
+<p:sld xmlns:a="http://schemas.openxmlformats.org/drawingml/2006/main" xmlns:r="http://schemas.openxmlformats.org/officeDocument/2006/relationships" xmlns:p="http://schemas.openxmlformats.org/presentationml/2006/main">
   <p:cSld>
     <p:spTree>
       <p:nvGrpSpPr>
@@ -18563,7 +19157,9 @@
       <p:sp>
         <p:nvSpPr>
           <p:cNvPr id="338" name="Condition object"/>
-          <p:cNvSpPr txBox="1"/>
+          <p:cNvSpPr txBox="1">
+            <a:spLocks noGrp="1"/>
+          </p:cNvSpPr>
           <p:nvPr>
             <p:ph type="title"/>
           </p:nvPr>
@@ -18577,110 +19173,55 @@
           <a:bodyPr/>
           <a:lstStyle/>
           <a:p>
-            <a:pPr/>
             <a:r>
               <a:t>Condition object</a:t>
             </a:r>
           </a:p>
         </p:txBody>
       </p:sp>
-      <p:grpSp>
-        <p:nvGrpSpPr>
-          <p:cNvPr id="341" name="Image Gallery"/>
-          <p:cNvGrpSpPr/>
+      <p:pic>
+        <p:nvPicPr>
+          <p:cNvPr id="339" name="Screenshot 2019-03-05 at 21.52.23.png" descr="Screenshot 2019-03-05 at 21.52.23.png"/>
+          <p:cNvPicPr>
+            <a:picLocks noChangeAspect="1"/>
+          </p:cNvPicPr>
           <p:nvPr/>
-        </p:nvGrpSpPr>
-        <p:grpSpPr>
+        </p:nvPicPr>
+        <p:blipFill>
+          <a:blip r:embed="rId2">
+            <a:extLst/>
+          </a:blip>
+          <a:srcRect/>
+          <a:stretch>
+            <a:fillRect/>
+          </a:stretch>
+        </p:blipFill>
+        <p:spPr>
           <a:xfrm>
             <a:off x="2542497" y="2032612"/>
-            <a:ext cx="7560514" cy="3978318"/>
-            <a:chOff x="0" y="99120"/>
-            <a:chExt cx="7560512" cy="3978317"/>
+            <a:ext cx="7560515" cy="3409299"/>
           </a:xfrm>
-        </p:grpSpPr>
-        <p:pic>
-          <p:nvPicPr>
-            <p:cNvPr id="339" name="Screenshot 2019-03-05 at 21.52.23.png" descr="Screenshot 2019-03-05 at 21.52.23.png"/>
-            <p:cNvPicPr>
-              <a:picLocks noChangeAspect="1"/>
-            </p:cNvPicPr>
-            <p:nvPr/>
-          </p:nvPicPr>
-          <p:blipFill>
-            <a:blip r:embed="rId2">
-              <a:extLst/>
-            </a:blip>
-            <a:srcRect l="0" t="0" r="0" b="0"/>
-            <a:stretch>
-              <a:fillRect/>
-            </a:stretch>
-          </p:blipFill>
-          <p:spPr>
-            <a:xfrm>
-              <a:off x="0" y="99120"/>
-              <a:ext cx="7560513" cy="3409298"/>
-            </a:xfrm>
-            <a:prstGeom prst="rect">
-              <a:avLst/>
-            </a:prstGeom>
-            <a:ln w="12700" cap="flat">
-              <a:noFill/>
-              <a:miter lim="400000"/>
-            </a:ln>
-            <a:effectLst/>
-          </p:spPr>
-        </p:pic>
-        <p:sp>
-          <p:nvSpPr>
-            <p:cNvPr id="340" name="Type to enter a caption."/>
-            <p:cNvSpPr/>
-            <p:nvPr/>
-          </p:nvSpPr>
-          <p:spPr>
-            <a:xfrm>
-              <a:off x="0" y="3683737"/>
-              <a:ext cx="7560513" cy="393701"/>
-            </a:xfrm>
-            <a:prstGeom prst="rect">
-              <a:avLst/>
-            </a:prstGeom>
+          <a:prstGeom prst="rect">
+            <a:avLst/>
+          </a:prstGeom>
+          <a:ln w="12700" cap="flat">
             <a:noFill/>
-            <a:ln w="12700" cap="flat">
-              <a:noFill/>
-              <a:miter lim="400000"/>
-            </a:ln>
-            <a:effectLst/>
-            <a:extLst>
-              <a:ext uri="{C572A759-6A51-4108-AA02-DFA0A04FC94B}">
-                <ma14:wrappingTextBoxFlag xmlns:ma14="http://schemas.microsoft.com/office/mac/drawingml/2011/main" val="1"/>
-              </a:ext>
-            </a:extLst>
-          </p:spPr>
-          <p:txBody>
-            <a:bodyPr wrap="square" lIns="76200" tIns="76200" rIns="76200" bIns="76200" numCol="1" anchor="t">
-              <a:noAutofit/>
-            </a:bodyPr>
-            <a:lstStyle/>
-            <a:p>
-              <a:pPr/>
-              <a:r>
-                <a:t>Type to enter a caption.</a:t>
-              </a:r>
-            </a:p>
-          </p:txBody>
-        </p:sp>
-      </p:grpSp>
+            <a:miter lim="400000"/>
+          </a:ln>
+          <a:effectLst/>
+        </p:spPr>
+      </p:pic>
     </p:spTree>
   </p:cSld>
   <p:clrMapOvr>
     <a:masterClrMapping/>
   </p:clrMapOvr>
-  <p:transition xmlns:p14="http://schemas.microsoft.com/office/powerpoint/2010/main" spd="med" advClick="1"/>
+  <p:transition spd="med"/>
 </p:sld>
 </file>
 
-<file path=ppt/slides/slide6.xml><?xml version="1.0" encoding="utf-8"?>
-<p:sld xmlns:a="http://schemas.openxmlformats.org/drawingml/2006/main" xmlns:r="http://schemas.openxmlformats.org/officeDocument/2006/relationships" xmlns:p="http://schemas.openxmlformats.org/presentationml/2006/main" xmlns:m="http://schemas.openxmlformats.org/officeDocument/2006/math" xmlns:a14="http://schemas.microsoft.com/office/drawing/2010/main" showMasterSp="1" showMasterPhAnim="1">
+<file path=ppt/slides/slide7.xml><?xml version="1.0" encoding="utf-8"?>
+<p:sld xmlns:a="http://schemas.openxmlformats.org/drawingml/2006/main" xmlns:r="http://schemas.openxmlformats.org/officeDocument/2006/relationships" xmlns:p="http://schemas.openxmlformats.org/presentationml/2006/main">
   <p:cSld>
     <p:spTree>
       <p:nvGrpSpPr>
@@ -18699,7 +19240,9 @@
       <p:sp>
         <p:nvSpPr>
           <p:cNvPr id="343" name="Global interpreter lock (gil)"/>
-          <p:cNvSpPr txBox="1"/>
+          <p:cNvSpPr txBox="1">
+            <a:spLocks noGrp="1"/>
+          </p:cNvSpPr>
           <p:nvPr>
             <p:ph type="title"/>
           </p:nvPr>
@@ -18713,7 +19256,6 @@
           <a:bodyPr/>
           <a:lstStyle/>
           <a:p>
-            <a:pPr/>
             <a:r>
               <a:t>Global interpreter lock (gil)</a:t>
             </a:r>
@@ -18723,7 +19265,9 @@
       <p:sp>
         <p:nvSpPr>
           <p:cNvPr id="344" name="only for multithreading…"/>
-          <p:cNvSpPr txBox="1"/>
+          <p:cNvSpPr txBox="1">
+            <a:spLocks noGrp="1"/>
+          </p:cNvSpPr>
           <p:nvPr>
             <p:ph type="body" idx="1"/>
           </p:nvPr>
@@ -18737,30 +19281,37 @@
           <a:bodyPr/>
           <a:lstStyle/>
           <a:p>
-            <a:pPr/>
             <a:r>
+              <a:rPr dirty="0"/>
               <a:t>only for multithreading</a:t>
             </a:r>
           </a:p>
           <a:p>
-            <a:pPr/>
+            <a:endParaRPr dirty="0"/>
           </a:p>
           <a:p>
-            <a:pPr/>
+            <a:pPr marL="0" indent="0">
+              <a:buNone/>
+            </a:pPr>
             <a:r>
+              <a:rPr u="sng" dirty="0"/>
               <a:t>2 ways for solving the problem:</a:t>
             </a:r>
           </a:p>
           <a:p>
-            <a:pPr/>
             <a:r>
+              <a:rPr dirty="0"/>
               <a:t>multiprocessing</a:t>
             </a:r>
           </a:p>
           <a:p>
-            <a:pPr/>
             <a:r>
-              <a:t>IronPython 2.7</a:t>
+              <a:rPr dirty="0" err="1"/>
+              <a:t>IronPython</a:t>
+            </a:r>
+            <a:r>
+              <a:rPr dirty="0"/>
+              <a:t> 2.7</a:t>
             </a:r>
           </a:p>
         </p:txBody>
@@ -18770,12 +19321,12 @@
   <p:clrMapOvr>
     <a:masterClrMapping/>
   </p:clrMapOvr>
-  <p:transition xmlns:p14="http://schemas.microsoft.com/office/powerpoint/2010/main" spd="med" advClick="1"/>
+  <p:transition spd="med"/>
 </p:sld>
 </file>
 
-<file path=ppt/slides/slide7.xml><?xml version="1.0" encoding="utf-8"?>
-<p:sld xmlns:a="http://schemas.openxmlformats.org/drawingml/2006/main" xmlns:r="http://schemas.openxmlformats.org/officeDocument/2006/relationships" xmlns:p="http://schemas.openxmlformats.org/presentationml/2006/main" xmlns:m="http://schemas.openxmlformats.org/officeDocument/2006/math" xmlns:a14="http://schemas.microsoft.com/office/drawing/2010/main" showMasterSp="1" showMasterPhAnim="1">
+<file path=ppt/slides/slide8.xml><?xml version="1.0" encoding="utf-8"?>
+<p:sld xmlns:a="http://schemas.openxmlformats.org/drawingml/2006/main" xmlns:r="http://schemas.openxmlformats.org/officeDocument/2006/relationships" xmlns:p="http://schemas.openxmlformats.org/presentationml/2006/main">
   <p:cSld>
     <p:spTree>
       <p:nvGrpSpPr>
@@ -18794,7 +19345,9 @@
       <p:sp>
         <p:nvSpPr>
           <p:cNvPr id="346" name="multiprocessing (vs multithreading)"/>
-          <p:cNvSpPr txBox="1"/>
+          <p:cNvSpPr txBox="1">
+            <a:spLocks noGrp="1"/>
+          </p:cNvSpPr>
           <p:nvPr>
             <p:ph type="title"/>
           </p:nvPr>
@@ -18808,7 +19361,6 @@
           <a:bodyPr/>
           <a:lstStyle/>
           <a:p>
-            <a:pPr/>
             <a:r>
               <a:t>multiprocessing (vs multithreading)</a:t>
             </a:r>
@@ -18818,7 +19370,9 @@
       <p:sp>
         <p:nvSpPr>
           <p:cNvPr id="347" name="separate memory spaces…"/>
-          <p:cNvSpPr txBox="1"/>
+          <p:cNvSpPr txBox="1">
+            <a:spLocks noGrp="1"/>
+          </p:cNvSpPr>
           <p:nvPr>
             <p:ph type="body" idx="1"/>
           </p:nvPr>
@@ -18857,189 +19411,81 @@
           </a:p>
         </p:txBody>
       </p:sp>
-      <p:grpSp>
-        <p:nvGrpSpPr>
-          <p:cNvPr id="350" name="Image Gallery"/>
-          <p:cNvGrpSpPr/>
+      <p:pic>
+        <p:nvPicPr>
+          <p:cNvPr id="348" name="Screenshot 2019-03-05 at 21.55.20.png" descr="Screenshot 2019-03-05 at 21.55.20.png"/>
+          <p:cNvPicPr>
+            <a:picLocks noChangeAspect="1"/>
+          </p:cNvPicPr>
           <p:nvPr/>
-        </p:nvGrpSpPr>
-        <p:grpSpPr>
+        </p:nvPicPr>
+        <p:blipFill>
+          <a:blip r:embed="rId2">
+            <a:extLst/>
+          </a:blip>
+          <a:srcRect/>
+          <a:stretch>
+            <a:fillRect/>
+          </a:stretch>
+        </p:blipFill>
+        <p:spPr>
           <a:xfrm>
             <a:off x="1299633" y="3890363"/>
-            <a:ext cx="7055617" cy="3539137"/>
-            <a:chOff x="0" y="297387"/>
-            <a:chExt cx="7055615" cy="3539136"/>
+            <a:ext cx="7055618" cy="2771851"/>
           </a:xfrm>
-        </p:grpSpPr>
-        <p:pic>
-          <p:nvPicPr>
-            <p:cNvPr id="348" name="Screenshot 2019-03-05 at 21.55.20.png" descr="Screenshot 2019-03-05 at 21.55.20.png"/>
-            <p:cNvPicPr>
-              <a:picLocks noChangeAspect="1"/>
-            </p:cNvPicPr>
-            <p:nvPr/>
-          </p:nvPicPr>
-          <p:blipFill>
-            <a:blip r:embed="rId2">
-              <a:extLst/>
-            </a:blip>
-            <a:srcRect l="0" t="0" r="0" b="0"/>
-            <a:stretch>
-              <a:fillRect/>
-            </a:stretch>
-          </p:blipFill>
-          <p:spPr>
-            <a:xfrm>
-              <a:off x="0" y="297387"/>
-              <a:ext cx="7055616" cy="2771850"/>
-            </a:xfrm>
-            <a:prstGeom prst="rect">
-              <a:avLst/>
-            </a:prstGeom>
-            <a:ln w="12700" cap="flat">
-              <a:noFill/>
-              <a:miter lim="400000"/>
-            </a:ln>
-            <a:effectLst/>
-          </p:spPr>
-        </p:pic>
-        <p:sp>
-          <p:nvSpPr>
-            <p:cNvPr id="349" name="Type to enter a caption."/>
-            <p:cNvSpPr/>
-            <p:nvPr/>
-          </p:nvSpPr>
-          <p:spPr>
-            <a:xfrm>
-              <a:off x="0" y="3442823"/>
-              <a:ext cx="7055616" cy="393701"/>
-            </a:xfrm>
-            <a:prstGeom prst="rect">
-              <a:avLst/>
-            </a:prstGeom>
+          <a:prstGeom prst="rect">
+            <a:avLst/>
+          </a:prstGeom>
+          <a:ln w="12700" cap="flat">
             <a:noFill/>
-            <a:ln w="12700" cap="flat">
-              <a:noFill/>
-              <a:miter lim="400000"/>
-            </a:ln>
-            <a:effectLst/>
-            <a:extLst>
-              <a:ext uri="{C572A759-6A51-4108-AA02-DFA0A04FC94B}">
-                <ma14:wrappingTextBoxFlag xmlns:ma14="http://schemas.microsoft.com/office/mac/drawingml/2011/main" val="1"/>
-              </a:ext>
-            </a:extLst>
-          </p:spPr>
-          <p:txBody>
-            <a:bodyPr wrap="square" lIns="76200" tIns="76200" rIns="76200" bIns="76200" numCol="1" anchor="t">
-              <a:noAutofit/>
-            </a:bodyPr>
-            <a:lstStyle/>
-            <a:p>
-              <a:pPr/>
-              <a:r>
-                <a:t>Type to enter a caption.</a:t>
-              </a:r>
-            </a:p>
-          </p:txBody>
-        </p:sp>
-      </p:grpSp>
-      <p:grpSp>
-        <p:nvGrpSpPr>
-          <p:cNvPr id="353" name="Image Gallery"/>
-          <p:cNvGrpSpPr/>
+            <a:miter lim="400000"/>
+          </a:ln>
+          <a:effectLst/>
+        </p:spPr>
+      </p:pic>
+      <p:pic>
+        <p:nvPicPr>
+          <p:cNvPr id="351" name="Screenshot 2019-03-05 at 21.37.43.png" descr="Screenshot 2019-03-05 at 21.37.43.png"/>
+          <p:cNvPicPr>
+            <a:picLocks noChangeAspect="1"/>
+          </p:cNvPicPr>
           <p:nvPr/>
-        </p:nvGrpSpPr>
-        <p:grpSpPr>
+        </p:nvPicPr>
+        <p:blipFill>
+          <a:blip r:embed="rId3">
+            <a:extLst/>
+          </a:blip>
+          <a:srcRect/>
+          <a:stretch>
+            <a:fillRect/>
+          </a:stretch>
+        </p:blipFill>
+        <p:spPr>
           <a:xfrm>
             <a:off x="6227233" y="1799541"/>
-            <a:ext cx="4828571" cy="2638675"/>
-            <a:chOff x="0" y="135203"/>
-            <a:chExt cx="4828570" cy="2638674"/>
+            <a:ext cx="4828572" cy="2033573"/>
           </a:xfrm>
-        </p:grpSpPr>
-        <p:pic>
-          <p:nvPicPr>
-            <p:cNvPr id="351" name="Screenshot 2019-03-05 at 21.37.43.png" descr="Screenshot 2019-03-05 at 21.37.43.png"/>
-            <p:cNvPicPr>
-              <a:picLocks noChangeAspect="1"/>
-            </p:cNvPicPr>
-            <p:nvPr/>
-          </p:nvPicPr>
-          <p:blipFill>
-            <a:blip r:embed="rId3">
-              <a:extLst/>
-            </a:blip>
-            <a:srcRect l="0" t="0" r="0" b="0"/>
-            <a:stretch>
-              <a:fillRect/>
-            </a:stretch>
-          </p:blipFill>
-          <p:spPr>
-            <a:xfrm>
-              <a:off x="0" y="135203"/>
-              <a:ext cx="4828571" cy="2033572"/>
-            </a:xfrm>
-            <a:prstGeom prst="rect">
-              <a:avLst/>
-            </a:prstGeom>
-            <a:ln w="12700" cap="flat">
-              <a:noFill/>
-              <a:miter lim="400000"/>
-            </a:ln>
-            <a:effectLst/>
-          </p:spPr>
-        </p:pic>
-        <p:sp>
-          <p:nvSpPr>
-            <p:cNvPr id="352" name="Type to enter a caption."/>
-            <p:cNvSpPr/>
-            <p:nvPr/>
-          </p:nvSpPr>
-          <p:spPr>
-            <a:xfrm>
-              <a:off x="0" y="2380177"/>
-              <a:ext cx="4828571" cy="393701"/>
-            </a:xfrm>
-            <a:prstGeom prst="rect">
-              <a:avLst/>
-            </a:prstGeom>
+          <a:prstGeom prst="rect">
+            <a:avLst/>
+          </a:prstGeom>
+          <a:ln w="12700" cap="flat">
             <a:noFill/>
-            <a:ln w="12700" cap="flat">
-              <a:noFill/>
-              <a:miter lim="400000"/>
-            </a:ln>
-            <a:effectLst/>
-            <a:extLst>
-              <a:ext uri="{C572A759-6A51-4108-AA02-DFA0A04FC94B}">
-                <ma14:wrappingTextBoxFlag xmlns:ma14="http://schemas.microsoft.com/office/mac/drawingml/2011/main" val="1"/>
-              </a:ext>
-            </a:extLst>
-          </p:spPr>
-          <p:txBody>
-            <a:bodyPr wrap="square" lIns="76200" tIns="76200" rIns="76200" bIns="76200" numCol="1" anchor="t">
-              <a:noAutofit/>
-            </a:bodyPr>
-            <a:lstStyle/>
-            <a:p>
-              <a:pPr/>
-              <a:r>
-                <a:t>Type to enter a caption.</a:t>
-              </a:r>
-            </a:p>
-          </p:txBody>
-        </p:sp>
-      </p:grpSp>
+            <a:miter lim="400000"/>
+          </a:ln>
+          <a:effectLst/>
+        </p:spPr>
+      </p:pic>
     </p:spTree>
   </p:cSld>
   <p:clrMapOvr>
     <a:masterClrMapping/>
   </p:clrMapOvr>
-  <p:transition xmlns:p14="http://schemas.microsoft.com/office/powerpoint/2010/main" spd="med" advClick="1"/>
+  <p:transition spd="med"/>
 </p:sld>
 </file>
 
-<file path=ppt/slides/slide8.xml><?xml version="1.0" encoding="utf-8"?>
-<p:sld xmlns:a="http://schemas.openxmlformats.org/drawingml/2006/main" xmlns:r="http://schemas.openxmlformats.org/officeDocument/2006/relationships" xmlns:p="http://schemas.openxmlformats.org/presentationml/2006/main" xmlns:m="http://schemas.openxmlformats.org/officeDocument/2006/math" xmlns:a14="http://schemas.microsoft.com/office/drawing/2010/main" showMasterSp="1" showMasterPhAnim="1">
+<file path=ppt/slides/slide9.xml><?xml version="1.0" encoding="utf-8"?>
+<p:sld xmlns:a="http://schemas.openxmlformats.org/drawingml/2006/main" xmlns:r="http://schemas.openxmlformats.org/officeDocument/2006/relationships" xmlns:p="http://schemas.openxmlformats.org/presentationml/2006/main">
   <p:cSld>
     <p:spTree>
       <p:nvGrpSpPr>
@@ -19058,7 +19504,9 @@
       <p:sp>
         <p:nvSpPr>
           <p:cNvPr id="355" name="Nadpis 1"/>
-          <p:cNvSpPr txBox="1"/>
+          <p:cNvSpPr txBox="1">
+            <a:spLocks noGrp="1"/>
+          </p:cNvSpPr>
           <p:nvPr>
             <p:ph type="title"/>
           </p:nvPr>
@@ -19076,7 +19524,6 @@
           <a:bodyPr/>
           <a:lstStyle/>
           <a:p>
-            <a:pPr/>
             <a:r>
               <a:t>Matrix multiplication - execution time</a:t>
             </a:r>
@@ -19086,7 +19533,9 @@
       <p:sp>
         <p:nvSpPr>
           <p:cNvPr id="356" name="Zástupný objekt pre obsah 2"/>
-          <p:cNvSpPr txBox="1"/>
+          <p:cNvSpPr txBox="1">
+            <a:spLocks noGrp="1"/>
+          </p:cNvSpPr>
           <p:nvPr>
             <p:ph type="body" idx="1"/>
           </p:nvPr>
@@ -19104,21 +19553,44 @@
           <a:bodyPr/>
           <a:lstStyle/>
           <a:p>
-            <a:pPr/>
+            <a:pPr marL="0" indent="0">
+              <a:buNone/>
+            </a:pPr>
             <a:r>
+              <a:rPr lang="en-GB" dirty="0"/>
+              <a:t>(matrix dimensions: [3x999999])</a:t>
+            </a:r>
+          </a:p>
+          <a:p>
+            <a:pPr marL="0" indent="0">
+              <a:buNone/>
+            </a:pPr>
+            <a:endParaRPr lang="en-GB" dirty="0"/>
+          </a:p>
+          <a:p>
+            <a:r>
+              <a:rPr dirty="0"/>
               <a:t>Matrix: 5.3s</a:t>
             </a:r>
           </a:p>
           <a:p>
-            <a:pPr/>
             <a:r>
+              <a:rPr dirty="0"/>
               <a:t>Matrix multiprocessing: 1.25s</a:t>
             </a:r>
           </a:p>
           <a:p>
-            <a:pPr/>
             <a:r>
-              <a:t>Matrix multithreading (IronPython): 0.05s</a:t>
+              <a:rPr dirty="0"/>
+              <a:t>Matrix multithreading (</a:t>
+            </a:r>
+            <a:r>
+              <a:rPr dirty="0" err="1"/>
+              <a:t>IronPython</a:t>
+            </a:r>
+            <a:r>
+              <a:rPr dirty="0"/>
+              <a:t>): 0.05s</a:t>
             </a:r>
           </a:p>
         </p:txBody>
@@ -19128,168 +19600,12 @@
   <p:clrMapOvr>
     <a:masterClrMapping/>
   </p:clrMapOvr>
-  <p:transition xmlns:p14="http://schemas.microsoft.com/office/powerpoint/2010/main" spd="med" advClick="1"/>
-</p:sld>
-</file>
-
-<file path=ppt/slides/slide9.xml><?xml version="1.0" encoding="utf-8"?>
-<p:sld xmlns:a="http://schemas.openxmlformats.org/drawingml/2006/main" xmlns:r="http://schemas.openxmlformats.org/officeDocument/2006/relationships" xmlns:p="http://schemas.openxmlformats.org/presentationml/2006/main" xmlns:m="http://schemas.openxmlformats.org/officeDocument/2006/math" xmlns:a14="http://schemas.microsoft.com/office/drawing/2010/main" showMasterSp="1" showMasterPhAnim="1">
-  <p:cSld>
-    <p:spTree>
-      <p:nvGrpSpPr>
-        <p:cNvPr id="1" name=""/>
-        <p:cNvGrpSpPr/>
-        <p:nvPr/>
-      </p:nvGrpSpPr>
-      <p:grpSpPr>
-        <a:xfrm>
-          <a:off x="0" y="0"/>
-          <a:ext cx="0" cy="0"/>
-          <a:chOff x="0" y="0"/>
-          <a:chExt cx="0" cy="0"/>
-        </a:xfrm>
-      </p:grpSpPr>
-      <p:sp>
-        <p:nvSpPr>
-          <p:cNvPr id="358" name="Nadpis 1"/>
-          <p:cNvSpPr txBox="1"/>
-          <p:nvPr>
-            <p:ph type="title"/>
-          </p:nvPr>
-        </p:nvSpPr>
-        <p:spPr>
-          <a:xfrm>
-            <a:off x="1141413" y="618518"/>
-            <a:ext cx="9905998" cy="1478571"/>
-          </a:xfrm>
-          <a:prstGeom prst="rect">
-            <a:avLst/>
-          </a:prstGeom>
-        </p:spPr>
-        <p:txBody>
-          <a:bodyPr/>
-          <a:lstStyle/>
-          <a:p>
-            <a:pPr/>
-            <a:r>
-              <a:t>fibonacci sequence - execution time</a:t>
-            </a:r>
-          </a:p>
-        </p:txBody>
-      </p:sp>
-      <p:sp>
-        <p:nvSpPr>
-          <p:cNvPr id="359" name="Zástupný objekt pre obsah 2"/>
-          <p:cNvSpPr txBox="1"/>
-          <p:nvPr>
-            <p:ph type="body" idx="1"/>
-          </p:nvPr>
-        </p:nvSpPr>
-        <p:spPr>
-          <a:xfrm>
-            <a:off x="1141411" y="2249485"/>
-            <a:ext cx="9906001" cy="4427763"/>
-          </a:xfrm>
-          <a:prstGeom prst="rect">
-            <a:avLst/>
-          </a:prstGeom>
-        </p:spPr>
-        <p:txBody>
-          <a:bodyPr/>
-          <a:lstStyle/>
-          <a:p>
-            <a:pPr>
-              <a:lnSpc>
-                <a:spcPct val="108000"/>
-              </a:lnSpc>
-            </a:pPr>
-            <a:r>
-              <a:t>Fib (32bit): 633.25s</a:t>
-            </a:r>
-          </a:p>
-          <a:p>
-            <a:pPr>
-              <a:lnSpc>
-                <a:spcPct val="108000"/>
-              </a:lnSpc>
-            </a:pPr>
-            <a:r>
-              <a:t>Fib (64bit): 52.89s</a:t>
-            </a:r>
-          </a:p>
-          <a:p>
-            <a:pPr>
-              <a:lnSpc>
-                <a:spcPct val="108000"/>
-              </a:lnSpc>
-            </a:pPr>
-            <a:r>
-              <a:t>Fib multiprocessing (64bit): 14.84s</a:t>
-            </a:r>
-          </a:p>
-          <a:p>
-            <a:pPr>
-              <a:lnSpc>
-                <a:spcPct val="108000"/>
-              </a:lnSpc>
-            </a:pPr>
-            <a:r>
-              <a:t>Fib multiprocessing (32bit): 177.58s</a:t>
-            </a:r>
-          </a:p>
-          <a:p>
-            <a:pPr>
-              <a:lnSpc>
-                <a:spcPct val="108000"/>
-              </a:lnSpc>
-            </a:pPr>
-            <a:r>
-              <a:t>Fib multithreading (IronPython - 64bit): 57.9s</a:t>
-            </a:r>
-          </a:p>
-          <a:p>
-            <a:pPr>
-              <a:lnSpc>
-                <a:spcPct val="108000"/>
-              </a:lnSpc>
-            </a:pPr>
-            <a:r>
-              <a:t>Fib multithreading (IronPython - 32bit): 101.2s</a:t>
-            </a:r>
-          </a:p>
-          <a:p>
-            <a:pPr>
-              <a:lnSpc>
-                <a:spcPct val="108000"/>
-              </a:lnSpc>
-            </a:pPr>
-            <a:r>
-              <a:t>Fib multithreading sync (IronPython – 64bit): 126.88s </a:t>
-            </a:r>
-          </a:p>
-          <a:p>
-            <a:pPr>
-              <a:lnSpc>
-                <a:spcPct val="108000"/>
-              </a:lnSpc>
-            </a:pPr>
-            <a:r>
-              <a:t>Fib multithreading sync (IronPython – 64bit): 214.18s</a:t>
-            </a:r>
-          </a:p>
-        </p:txBody>
-      </p:sp>
-    </p:spTree>
-  </p:cSld>
-  <p:clrMapOvr>
-    <a:masterClrMapping/>
-  </p:clrMapOvr>
-  <p:transition xmlns:p14="http://schemas.microsoft.com/office/powerpoint/2010/main" spd="med" advClick="1"/>
+  <p:transition spd="med"/>
 </p:sld>
 </file>
 
 <file path=ppt/theme/theme1.xml><?xml version="1.0" encoding="utf-8"?>
-<a:theme xmlns:a="http://schemas.openxmlformats.org/drawingml/2006/main" xmlns:r="http://schemas.openxmlformats.org/officeDocument/2006/relationships" name="Obvod">
+<a:theme xmlns:a="http://schemas.openxmlformats.org/drawingml/2006/main" name="Obvod">
   <a:themeElements>
     <a:clrScheme name="Obvod">
       <a:dk1>
@@ -19491,7 +19807,7 @@
         <a:effectLst/>
         <a:sp3d/>
       </a:spPr>
-      <a:bodyPr rot="0" spcFirstLastPara="1" vertOverflow="overflow" horzOverflow="overflow" vert="horz" wrap="square" lIns="45719" tIns="45719" rIns="45719" bIns="45719" numCol="1" spcCol="38100" rtlCol="0" anchor="ctr" upright="0">
+      <a:bodyPr rot="0" spcFirstLastPara="1" vertOverflow="overflow" horzOverflow="overflow" vert="horz" wrap="square" lIns="45719" tIns="45719" rIns="45719" bIns="45719" numCol="1" spcCol="38100" rtlCol="0" anchor="ctr">
         <a:spAutoFit/>
       </a:bodyPr>
       <a:lstStyle>
@@ -19510,7 +19826,7 @@
           <a:buFontTx/>
           <a:buNone/>
           <a:tabLst/>
-          <a:defRPr b="0" baseline="0" cap="none" i="0" spc="0" strike="noStrike" sz="1800" u="none" kumimoji="0" normalizeH="0">
+          <a:defRPr kumimoji="0" sz="1800" b="0" i="0" u="none" strike="noStrike" cap="none" spc="0" normalizeH="0" baseline="0">
             <a:ln>
               <a:noFill/>
             </a:ln>
@@ -19540,7 +19856,7 @@
           <a:buFontTx/>
           <a:buNone/>
           <a:tabLst/>
-          <a:defRPr b="0" baseline="0" cap="none" i="0" spc="0" strike="noStrike" sz="1800" u="none" kumimoji="0" normalizeH="0">
+          <a:defRPr kumimoji="0" sz="1800" b="0" i="0" u="none" strike="noStrike" cap="none" spc="0" normalizeH="0" baseline="0">
             <a:ln>
               <a:noFill/>
             </a:ln>
@@ -19566,7 +19882,7 @@
           <a:buFontTx/>
           <a:buNone/>
           <a:tabLst/>
-          <a:defRPr b="0" baseline="0" cap="none" i="0" spc="0" strike="noStrike" sz="1800" u="none" kumimoji="0" normalizeH="0">
+          <a:defRPr kumimoji="0" sz="1800" b="0" i="0" u="none" strike="noStrike" cap="none" spc="0" normalizeH="0" baseline="0">
             <a:ln>
               <a:noFill/>
             </a:ln>
@@ -19592,7 +19908,7 @@
           <a:buFontTx/>
           <a:buNone/>
           <a:tabLst/>
-          <a:defRPr b="0" baseline="0" cap="none" i="0" spc="0" strike="noStrike" sz="1800" u="none" kumimoji="0" normalizeH="0">
+          <a:defRPr kumimoji="0" sz="1800" b="0" i="0" u="none" strike="noStrike" cap="none" spc="0" normalizeH="0" baseline="0">
             <a:ln>
               <a:noFill/>
             </a:ln>
@@ -19618,7 +19934,7 @@
           <a:buFontTx/>
           <a:buNone/>
           <a:tabLst/>
-          <a:defRPr b="0" baseline="0" cap="none" i="0" spc="0" strike="noStrike" sz="1800" u="none" kumimoji="0" normalizeH="0">
+          <a:defRPr kumimoji="0" sz="1800" b="0" i="0" u="none" strike="noStrike" cap="none" spc="0" normalizeH="0" baseline="0">
             <a:ln>
               <a:noFill/>
             </a:ln>
@@ -19644,7 +19960,7 @@
           <a:buFontTx/>
           <a:buNone/>
           <a:tabLst/>
-          <a:defRPr b="0" baseline="0" cap="none" i="0" spc="0" strike="noStrike" sz="1800" u="none" kumimoji="0" normalizeH="0">
+          <a:defRPr kumimoji="0" sz="1800" b="0" i="0" u="none" strike="noStrike" cap="none" spc="0" normalizeH="0" baseline="0">
             <a:ln>
               <a:noFill/>
             </a:ln>
@@ -19670,7 +19986,7 @@
           <a:buFontTx/>
           <a:buNone/>
           <a:tabLst/>
-          <a:defRPr b="0" baseline="0" cap="none" i="0" spc="0" strike="noStrike" sz="1800" u="none" kumimoji="0" normalizeH="0">
+          <a:defRPr kumimoji="0" sz="1800" b="0" i="0" u="none" strike="noStrike" cap="none" spc="0" normalizeH="0" baseline="0">
             <a:ln>
               <a:noFill/>
             </a:ln>
@@ -19696,7 +20012,7 @@
           <a:buFontTx/>
           <a:buNone/>
           <a:tabLst/>
-          <a:defRPr b="0" baseline="0" cap="none" i="0" spc="0" strike="noStrike" sz="1800" u="none" kumimoji="0" normalizeH="0">
+          <a:defRPr kumimoji="0" sz="1800" b="0" i="0" u="none" strike="noStrike" cap="none" spc="0" normalizeH="0" baseline="0">
             <a:ln>
               <a:noFill/>
             </a:ln>
@@ -19722,7 +20038,7 @@
           <a:buFontTx/>
           <a:buNone/>
           <a:tabLst/>
-          <a:defRPr b="0" baseline="0" cap="none" i="0" spc="0" strike="noStrike" sz="1800" u="none" kumimoji="0" normalizeH="0">
+          <a:defRPr kumimoji="0" sz="1800" b="0" i="0" u="none" strike="noStrike" cap="none" spc="0" normalizeH="0" baseline="0">
             <a:ln>
               <a:noFill/>
             </a:ln>
@@ -19748,7 +20064,7 @@
           <a:buFontTx/>
           <a:buNone/>
           <a:tabLst/>
-          <a:defRPr b="0" baseline="0" cap="none" i="0" spc="0" strike="noStrike" sz="1800" u="none" kumimoji="0" normalizeH="0">
+          <a:defRPr kumimoji="0" sz="1800" b="0" i="0" u="none" strike="noStrike" cap="none" spc="0" normalizeH="0" baseline="0">
             <a:ln>
               <a:noFill/>
             </a:ln>
@@ -19761,9 +20077,15 @@
         </a:lvl9pPr>
       </a:lstStyle>
       <a:style>
-        <a:lnRef idx="0"/>
-        <a:fillRef idx="0"/>
-        <a:effectRef idx="0"/>
+        <a:lnRef idx="0">
+          <a:scrgbClr r="0" g="0" b="0"/>
+        </a:lnRef>
+        <a:fillRef idx="0">
+          <a:scrgbClr r="0" g="0" b="0"/>
+        </a:fillRef>
+        <a:effectRef idx="0">
+          <a:scrgbClr r="0" g="0" b="0"/>
+        </a:effectRef>
         <a:fontRef idx="none"/>
       </a:style>
     </a:spDef>
@@ -19780,7 +20102,7 @@
         <a:effectLst/>
         <a:sp3d/>
       </a:spPr>
-      <a:bodyPr rot="0" spcFirstLastPara="1" vertOverflow="overflow" horzOverflow="overflow" vert="horz" wrap="square" lIns="91439" tIns="45719" rIns="91439" bIns="45719" numCol="1" spcCol="38100" rtlCol="0" anchor="t" upright="0">
+      <a:bodyPr rot="0" spcFirstLastPara="1" vertOverflow="overflow" horzOverflow="overflow" vert="horz" wrap="square" lIns="91439" tIns="45719" rIns="91439" bIns="45719" numCol="1" spcCol="38100" rtlCol="0" anchor="t">
         <a:noAutofit/>
       </a:bodyPr>
       <a:lstStyle>
@@ -19799,7 +20121,7 @@
           <a:buFontTx/>
           <a:buNone/>
           <a:tabLst/>
-          <a:defRPr b="0" baseline="0" cap="none" i="0" spc="0" strike="noStrike" sz="1800" u="none" kumimoji="0" normalizeH="0">
+          <a:defRPr kumimoji="0" sz="1800" b="0" i="0" u="none" strike="noStrike" cap="none" spc="0" normalizeH="0" baseline="0">
             <a:ln>
               <a:noFill/>
             </a:ln>
@@ -19825,7 +20147,7 @@
           <a:buFontTx/>
           <a:buNone/>
           <a:tabLst/>
-          <a:defRPr b="0" baseline="0" cap="none" i="0" spc="0" strike="noStrike" sz="1800" u="none" kumimoji="0" normalizeH="0">
+          <a:defRPr kumimoji="0" sz="1800" b="0" i="0" u="none" strike="noStrike" cap="none" spc="0" normalizeH="0" baseline="0">
             <a:ln>
               <a:noFill/>
             </a:ln>
@@ -19851,7 +20173,7 @@
           <a:buFontTx/>
           <a:buNone/>
           <a:tabLst/>
-          <a:defRPr b="0" baseline="0" cap="none" i="0" spc="0" strike="noStrike" sz="1800" u="none" kumimoji="0" normalizeH="0">
+          <a:defRPr kumimoji="0" sz="1800" b="0" i="0" u="none" strike="noStrike" cap="none" spc="0" normalizeH="0" baseline="0">
             <a:ln>
               <a:noFill/>
             </a:ln>
@@ -19877,7 +20199,7 @@
           <a:buFontTx/>
           <a:buNone/>
           <a:tabLst/>
-          <a:defRPr b="0" baseline="0" cap="none" i="0" spc="0" strike="noStrike" sz="1800" u="none" kumimoji="0" normalizeH="0">
+          <a:defRPr kumimoji="0" sz="1800" b="0" i="0" u="none" strike="noStrike" cap="none" spc="0" normalizeH="0" baseline="0">
             <a:ln>
               <a:noFill/>
             </a:ln>
@@ -19903,7 +20225,7 @@
           <a:buFontTx/>
           <a:buNone/>
           <a:tabLst/>
-          <a:defRPr b="0" baseline="0" cap="none" i="0" spc="0" strike="noStrike" sz="1800" u="none" kumimoji="0" normalizeH="0">
+          <a:defRPr kumimoji="0" sz="1800" b="0" i="0" u="none" strike="noStrike" cap="none" spc="0" normalizeH="0" baseline="0">
             <a:ln>
               <a:noFill/>
             </a:ln>
@@ -19929,7 +20251,7 @@
           <a:buFontTx/>
           <a:buNone/>
           <a:tabLst/>
-          <a:defRPr b="0" baseline="0" cap="none" i="0" spc="0" strike="noStrike" sz="1800" u="none" kumimoji="0" normalizeH="0">
+          <a:defRPr kumimoji="0" sz="1800" b="0" i="0" u="none" strike="noStrike" cap="none" spc="0" normalizeH="0" baseline="0">
             <a:ln>
               <a:noFill/>
             </a:ln>
@@ -19955,7 +20277,7 @@
           <a:buFontTx/>
           <a:buNone/>
           <a:tabLst/>
-          <a:defRPr b="0" baseline="0" cap="none" i="0" spc="0" strike="noStrike" sz="1800" u="none" kumimoji="0" normalizeH="0">
+          <a:defRPr kumimoji="0" sz="1800" b="0" i="0" u="none" strike="noStrike" cap="none" spc="0" normalizeH="0" baseline="0">
             <a:ln>
               <a:noFill/>
             </a:ln>
@@ -19981,7 +20303,7 @@
           <a:buFontTx/>
           <a:buNone/>
           <a:tabLst/>
-          <a:defRPr b="0" baseline="0" cap="none" i="0" spc="0" strike="noStrike" sz="1800" u="none" kumimoji="0" normalizeH="0">
+          <a:defRPr kumimoji="0" sz="1800" b="0" i="0" u="none" strike="noStrike" cap="none" spc="0" normalizeH="0" baseline="0">
             <a:ln>
               <a:noFill/>
             </a:ln>
@@ -20007,7 +20329,7 @@
           <a:buFontTx/>
           <a:buNone/>
           <a:tabLst/>
-          <a:defRPr b="0" baseline="0" cap="none" i="0" spc="0" strike="noStrike" sz="1800" u="none" kumimoji="0" normalizeH="0">
+          <a:defRPr kumimoji="0" sz="1800" b="0" i="0" u="none" strike="noStrike" cap="none" spc="0" normalizeH="0" baseline="0">
             <a:ln>
               <a:noFill/>
             </a:ln>
@@ -20033,7 +20355,7 @@
           <a:buFontTx/>
           <a:buNone/>
           <a:tabLst/>
-          <a:defRPr b="0" baseline="0" cap="none" i="0" spc="0" strike="noStrike" sz="1800" u="none" kumimoji="0" normalizeH="0">
+          <a:defRPr kumimoji="0" sz="1800" b="0" i="0" u="none" strike="noStrike" cap="none" spc="0" normalizeH="0" baseline="0">
             <a:ln>
               <a:noFill/>
             </a:ln>
@@ -20046,9 +20368,15 @@
         </a:lvl9pPr>
       </a:lstStyle>
       <a:style>
-        <a:lnRef idx="0"/>
-        <a:fillRef idx="0"/>
-        <a:effectRef idx="0"/>
+        <a:lnRef idx="0">
+          <a:scrgbClr r="0" g="0" b="0"/>
+        </a:lnRef>
+        <a:fillRef idx="0">
+          <a:scrgbClr r="0" g="0" b="0"/>
+        </a:fillRef>
+        <a:effectRef idx="0">
+          <a:scrgbClr r="0" g="0" b="0"/>
+        </a:effectRef>
         <a:fontRef idx="none"/>
       </a:style>
     </a:lnDef>
@@ -20062,7 +20390,7 @@
         <a:effectLst/>
         <a:sp3d/>
       </a:spPr>
-      <a:bodyPr rot="0" spcFirstLastPara="1" vertOverflow="overflow" horzOverflow="overflow" vert="horz" wrap="square" lIns="45719" tIns="45719" rIns="45719" bIns="45719" numCol="1" spcCol="38100" rtlCol="0" anchor="t" upright="0">
+      <a:bodyPr rot="0" spcFirstLastPara="1" vertOverflow="overflow" horzOverflow="overflow" vert="horz" wrap="square" lIns="45719" tIns="45719" rIns="45719" bIns="45719" numCol="1" spcCol="38100" rtlCol="0" anchor="t">
         <a:spAutoFit/>
       </a:bodyPr>
       <a:lstStyle>
@@ -20081,7 +20409,7 @@
           <a:buFontTx/>
           <a:buNone/>
           <a:tabLst/>
-          <a:defRPr b="0" baseline="0" cap="none" i="0" spc="0" strike="noStrike" sz="1800" u="none" kumimoji="0" normalizeH="0">
+          <a:defRPr kumimoji="0" sz="1800" b="0" i="0" u="none" strike="noStrike" cap="none" spc="0" normalizeH="0" baseline="0">
             <a:ln>
               <a:noFill/>
             </a:ln>
@@ -20111,7 +20439,7 @@
           <a:buFontTx/>
           <a:buNone/>
           <a:tabLst/>
-          <a:defRPr b="0" baseline="0" cap="none" i="0" spc="0" strike="noStrike" sz="1800" u="none" kumimoji="0" normalizeH="0">
+          <a:defRPr kumimoji="0" sz="1800" b="0" i="0" u="none" strike="noStrike" cap="none" spc="0" normalizeH="0" baseline="0">
             <a:ln>
               <a:noFill/>
             </a:ln>
@@ -20137,7 +20465,7 @@
           <a:buFontTx/>
           <a:buNone/>
           <a:tabLst/>
-          <a:defRPr b="0" baseline="0" cap="none" i="0" spc="0" strike="noStrike" sz="1800" u="none" kumimoji="0" normalizeH="0">
+          <a:defRPr kumimoji="0" sz="1800" b="0" i="0" u="none" strike="noStrike" cap="none" spc="0" normalizeH="0" baseline="0">
             <a:ln>
               <a:noFill/>
             </a:ln>
@@ -20163,7 +20491,7 @@
           <a:buFontTx/>
           <a:buNone/>
           <a:tabLst/>
-          <a:defRPr b="0" baseline="0" cap="none" i="0" spc="0" strike="noStrike" sz="1800" u="none" kumimoji="0" normalizeH="0">
+          <a:defRPr kumimoji="0" sz="1800" b="0" i="0" u="none" strike="noStrike" cap="none" spc="0" normalizeH="0" baseline="0">
             <a:ln>
               <a:noFill/>
             </a:ln>
@@ -20189,7 +20517,7 @@
           <a:buFontTx/>
           <a:buNone/>
           <a:tabLst/>
-          <a:defRPr b="0" baseline="0" cap="none" i="0" spc="0" strike="noStrike" sz="1800" u="none" kumimoji="0" normalizeH="0">
+          <a:defRPr kumimoji="0" sz="1800" b="0" i="0" u="none" strike="noStrike" cap="none" spc="0" normalizeH="0" baseline="0">
             <a:ln>
               <a:noFill/>
             </a:ln>
@@ -20215,7 +20543,7 @@
           <a:buFontTx/>
           <a:buNone/>
           <a:tabLst/>
-          <a:defRPr b="0" baseline="0" cap="none" i="0" spc="0" strike="noStrike" sz="1800" u="none" kumimoji="0" normalizeH="0">
+          <a:defRPr kumimoji="0" sz="1800" b="0" i="0" u="none" strike="noStrike" cap="none" spc="0" normalizeH="0" baseline="0">
             <a:ln>
               <a:noFill/>
             </a:ln>
@@ -20241,7 +20569,7 @@
           <a:buFontTx/>
           <a:buNone/>
           <a:tabLst/>
-          <a:defRPr b="0" baseline="0" cap="none" i="0" spc="0" strike="noStrike" sz="1800" u="none" kumimoji="0" normalizeH="0">
+          <a:defRPr kumimoji="0" sz="1800" b="0" i="0" u="none" strike="noStrike" cap="none" spc="0" normalizeH="0" baseline="0">
             <a:ln>
               <a:noFill/>
             </a:ln>
@@ -20267,7 +20595,7 @@
           <a:buFontTx/>
           <a:buNone/>
           <a:tabLst/>
-          <a:defRPr b="0" baseline="0" cap="none" i="0" spc="0" strike="noStrike" sz="1800" u="none" kumimoji="0" normalizeH="0">
+          <a:defRPr kumimoji="0" sz="1800" b="0" i="0" u="none" strike="noStrike" cap="none" spc="0" normalizeH="0" baseline="0">
             <a:ln>
               <a:noFill/>
             </a:ln>
@@ -20293,7 +20621,7 @@
           <a:buFontTx/>
           <a:buNone/>
           <a:tabLst/>
-          <a:defRPr b="0" baseline="0" cap="none" i="0" spc="0" strike="noStrike" sz="1800" u="none" kumimoji="0" normalizeH="0">
+          <a:defRPr kumimoji="0" sz="1800" b="0" i="0" u="none" strike="noStrike" cap="none" spc="0" normalizeH="0" baseline="0">
             <a:ln>
               <a:noFill/>
             </a:ln>
@@ -20319,7 +20647,7 @@
           <a:buFontTx/>
           <a:buNone/>
           <a:tabLst/>
-          <a:defRPr b="0" baseline="0" cap="none" i="0" spc="0" strike="noStrike" sz="1800" u="none" kumimoji="0" normalizeH="0">
+          <a:defRPr kumimoji="0" sz="1800" b="0" i="0" u="none" strike="noStrike" cap="none" spc="0" normalizeH="0" baseline="0">
             <a:ln>
               <a:noFill/>
             </a:ln>
@@ -20332,18 +20660,25 @@
         </a:lvl9pPr>
       </a:lstStyle>
       <a:style>
-        <a:lnRef idx="0"/>
-        <a:fillRef idx="0"/>
-        <a:effectRef idx="0"/>
+        <a:lnRef idx="0">
+          <a:scrgbClr r="0" g="0" b="0"/>
+        </a:lnRef>
+        <a:fillRef idx="0">
+          <a:scrgbClr r="0" g="0" b="0"/>
+        </a:fillRef>
+        <a:effectRef idx="0">
+          <a:scrgbClr r="0" g="0" b="0"/>
+        </a:effectRef>
         <a:fontRef idx="none"/>
       </a:style>
     </a:txDef>
   </a:objectDefaults>
+  <a:extraClrSchemeLst/>
 </a:theme>
 </file>
 
 <file path=ppt/theme/theme2.xml><?xml version="1.0" encoding="utf-8"?>
-<a:theme xmlns:a="http://schemas.openxmlformats.org/drawingml/2006/main" xmlns:r="http://schemas.openxmlformats.org/officeDocument/2006/relationships" name="Obvod">
+<a:theme xmlns:a="http://schemas.openxmlformats.org/drawingml/2006/main" name="Obvod">
   <a:themeElements>
     <a:clrScheme name="Obvod">
       <a:dk1>
@@ -20545,7 +20880,7 @@
         <a:effectLst/>
         <a:sp3d/>
       </a:spPr>
-      <a:bodyPr rot="0" spcFirstLastPara="1" vertOverflow="overflow" horzOverflow="overflow" vert="horz" wrap="square" lIns="45719" tIns="45719" rIns="45719" bIns="45719" numCol="1" spcCol="38100" rtlCol="0" anchor="ctr" upright="0">
+      <a:bodyPr rot="0" spcFirstLastPara="1" vertOverflow="overflow" horzOverflow="overflow" vert="horz" wrap="square" lIns="45719" tIns="45719" rIns="45719" bIns="45719" numCol="1" spcCol="38100" rtlCol="0" anchor="ctr">
         <a:spAutoFit/>
       </a:bodyPr>
       <a:lstStyle>
@@ -20564,7 +20899,7 @@
           <a:buFontTx/>
           <a:buNone/>
           <a:tabLst/>
-          <a:defRPr b="0" baseline="0" cap="none" i="0" spc="0" strike="noStrike" sz="1800" u="none" kumimoji="0" normalizeH="0">
+          <a:defRPr kumimoji="0" sz="1800" b="0" i="0" u="none" strike="noStrike" cap="none" spc="0" normalizeH="0" baseline="0">
             <a:ln>
               <a:noFill/>
             </a:ln>
@@ -20594,7 +20929,7 @@
           <a:buFontTx/>
           <a:buNone/>
           <a:tabLst/>
-          <a:defRPr b="0" baseline="0" cap="none" i="0" spc="0" strike="noStrike" sz="1800" u="none" kumimoji="0" normalizeH="0">
+          <a:defRPr kumimoji="0" sz="1800" b="0" i="0" u="none" strike="noStrike" cap="none" spc="0" normalizeH="0" baseline="0">
             <a:ln>
               <a:noFill/>
             </a:ln>
@@ -20620,7 +20955,7 @@
           <a:buFontTx/>
           <a:buNone/>
           <a:tabLst/>
-          <a:defRPr b="0" baseline="0" cap="none" i="0" spc="0" strike="noStrike" sz="1800" u="none" kumimoji="0" normalizeH="0">
+          <a:defRPr kumimoji="0" sz="1800" b="0" i="0" u="none" strike="noStrike" cap="none" spc="0" normalizeH="0" baseline="0">
             <a:ln>
               <a:noFill/>
             </a:ln>
@@ -20646,7 +20981,7 @@
           <a:buFontTx/>
           <a:buNone/>
           <a:tabLst/>
-          <a:defRPr b="0" baseline="0" cap="none" i="0" spc="0" strike="noStrike" sz="1800" u="none" kumimoji="0" normalizeH="0">
+          <a:defRPr kumimoji="0" sz="1800" b="0" i="0" u="none" strike="noStrike" cap="none" spc="0" normalizeH="0" baseline="0">
             <a:ln>
               <a:noFill/>
             </a:ln>
@@ -20672,7 +21007,7 @@
           <a:buFontTx/>
           <a:buNone/>
           <a:tabLst/>
-          <a:defRPr b="0" baseline="0" cap="none" i="0" spc="0" strike="noStrike" sz="1800" u="none" kumimoji="0" normalizeH="0">
+          <a:defRPr kumimoji="0" sz="1800" b="0" i="0" u="none" strike="noStrike" cap="none" spc="0" normalizeH="0" baseline="0">
             <a:ln>
               <a:noFill/>
             </a:ln>
@@ -20698,7 +21033,7 @@
           <a:buFontTx/>
           <a:buNone/>
           <a:tabLst/>
-          <a:defRPr b="0" baseline="0" cap="none" i="0" spc="0" strike="noStrike" sz="1800" u="none" kumimoji="0" normalizeH="0">
+          <a:defRPr kumimoji="0" sz="1800" b="0" i="0" u="none" strike="noStrike" cap="none" spc="0" normalizeH="0" baseline="0">
             <a:ln>
               <a:noFill/>
             </a:ln>
@@ -20724,7 +21059,7 @@
           <a:buFontTx/>
           <a:buNone/>
           <a:tabLst/>
-          <a:defRPr b="0" baseline="0" cap="none" i="0" spc="0" strike="noStrike" sz="1800" u="none" kumimoji="0" normalizeH="0">
+          <a:defRPr kumimoji="0" sz="1800" b="0" i="0" u="none" strike="noStrike" cap="none" spc="0" normalizeH="0" baseline="0">
             <a:ln>
               <a:noFill/>
             </a:ln>
@@ -20750,7 +21085,7 @@
           <a:buFontTx/>
           <a:buNone/>
           <a:tabLst/>
-          <a:defRPr b="0" baseline="0" cap="none" i="0" spc="0" strike="noStrike" sz="1800" u="none" kumimoji="0" normalizeH="0">
+          <a:defRPr kumimoji="0" sz="1800" b="0" i="0" u="none" strike="noStrike" cap="none" spc="0" normalizeH="0" baseline="0">
             <a:ln>
               <a:noFill/>
             </a:ln>
@@ -20776,7 +21111,7 @@
           <a:buFontTx/>
           <a:buNone/>
           <a:tabLst/>
-          <a:defRPr b="0" baseline="0" cap="none" i="0" spc="0" strike="noStrike" sz="1800" u="none" kumimoji="0" normalizeH="0">
+          <a:defRPr kumimoji="0" sz="1800" b="0" i="0" u="none" strike="noStrike" cap="none" spc="0" normalizeH="0" baseline="0">
             <a:ln>
               <a:noFill/>
             </a:ln>
@@ -20802,7 +21137,7 @@
           <a:buFontTx/>
           <a:buNone/>
           <a:tabLst/>
-          <a:defRPr b="0" baseline="0" cap="none" i="0" spc="0" strike="noStrike" sz="1800" u="none" kumimoji="0" normalizeH="0">
+          <a:defRPr kumimoji="0" sz="1800" b="0" i="0" u="none" strike="noStrike" cap="none" spc="0" normalizeH="0" baseline="0">
             <a:ln>
               <a:noFill/>
             </a:ln>
@@ -20815,9 +21150,15 @@
         </a:lvl9pPr>
       </a:lstStyle>
       <a:style>
-        <a:lnRef idx="0"/>
-        <a:fillRef idx="0"/>
-        <a:effectRef idx="0"/>
+        <a:lnRef idx="0">
+          <a:scrgbClr r="0" g="0" b="0"/>
+        </a:lnRef>
+        <a:fillRef idx="0">
+          <a:scrgbClr r="0" g="0" b="0"/>
+        </a:fillRef>
+        <a:effectRef idx="0">
+          <a:scrgbClr r="0" g="0" b="0"/>
+        </a:effectRef>
         <a:fontRef idx="none"/>
       </a:style>
     </a:spDef>
@@ -20834,7 +21175,7 @@
         <a:effectLst/>
         <a:sp3d/>
       </a:spPr>
-      <a:bodyPr rot="0" spcFirstLastPara="1" vertOverflow="overflow" horzOverflow="overflow" vert="horz" wrap="square" lIns="91439" tIns="45719" rIns="91439" bIns="45719" numCol="1" spcCol="38100" rtlCol="0" anchor="t" upright="0">
+      <a:bodyPr rot="0" spcFirstLastPara="1" vertOverflow="overflow" horzOverflow="overflow" vert="horz" wrap="square" lIns="91439" tIns="45719" rIns="91439" bIns="45719" numCol="1" spcCol="38100" rtlCol="0" anchor="t">
         <a:noAutofit/>
       </a:bodyPr>
       <a:lstStyle>
@@ -20853,7 +21194,7 @@
           <a:buFontTx/>
           <a:buNone/>
           <a:tabLst/>
-          <a:defRPr b="0" baseline="0" cap="none" i="0" spc="0" strike="noStrike" sz="1800" u="none" kumimoji="0" normalizeH="0">
+          <a:defRPr kumimoji="0" sz="1800" b="0" i="0" u="none" strike="noStrike" cap="none" spc="0" normalizeH="0" baseline="0">
             <a:ln>
               <a:noFill/>
             </a:ln>
@@ -20879,7 +21220,7 @@
           <a:buFontTx/>
           <a:buNone/>
           <a:tabLst/>
-          <a:defRPr b="0" baseline="0" cap="none" i="0" spc="0" strike="noStrike" sz="1800" u="none" kumimoji="0" normalizeH="0">
+          <a:defRPr kumimoji="0" sz="1800" b="0" i="0" u="none" strike="noStrike" cap="none" spc="0" normalizeH="0" baseline="0">
             <a:ln>
               <a:noFill/>
             </a:ln>
@@ -20905,7 +21246,7 @@
           <a:buFontTx/>
           <a:buNone/>
           <a:tabLst/>
-          <a:defRPr b="0" baseline="0" cap="none" i="0" spc="0" strike="noStrike" sz="1800" u="none" kumimoji="0" normalizeH="0">
+          <a:defRPr kumimoji="0" sz="1800" b="0" i="0" u="none" strike="noStrike" cap="none" spc="0" normalizeH="0" baseline="0">
             <a:ln>
               <a:noFill/>
             </a:ln>
@@ -20931,7 +21272,7 @@
           <a:buFontTx/>
           <a:buNone/>
           <a:tabLst/>
-          <a:defRPr b="0" baseline="0" cap="none" i="0" spc="0" strike="noStrike" sz="1800" u="none" kumimoji="0" normalizeH="0">
+          <a:defRPr kumimoji="0" sz="1800" b="0" i="0" u="none" strike="noStrike" cap="none" spc="0" normalizeH="0" baseline="0">
             <a:ln>
               <a:noFill/>
             </a:ln>
@@ -20957,7 +21298,7 @@
           <a:buFontTx/>
           <a:buNone/>
           <a:tabLst/>
-          <a:defRPr b="0" baseline="0" cap="none" i="0" spc="0" strike="noStrike" sz="1800" u="none" kumimoji="0" normalizeH="0">
+          <a:defRPr kumimoji="0" sz="1800" b="0" i="0" u="none" strike="noStrike" cap="none" spc="0" normalizeH="0" baseline="0">
             <a:ln>
               <a:noFill/>
             </a:ln>
@@ -20983,7 +21324,7 @@
           <a:buFontTx/>
           <a:buNone/>
           <a:tabLst/>
-          <a:defRPr b="0" baseline="0" cap="none" i="0" spc="0" strike="noStrike" sz="1800" u="none" kumimoji="0" normalizeH="0">
+          <a:defRPr kumimoji="0" sz="1800" b="0" i="0" u="none" strike="noStrike" cap="none" spc="0" normalizeH="0" baseline="0">
             <a:ln>
               <a:noFill/>
             </a:ln>
@@ -21009,7 +21350,7 @@
           <a:buFontTx/>
           <a:buNone/>
           <a:tabLst/>
-          <a:defRPr b="0" baseline="0" cap="none" i="0" spc="0" strike="noStrike" sz="1800" u="none" kumimoji="0" normalizeH="0">
+          <a:defRPr kumimoji="0" sz="1800" b="0" i="0" u="none" strike="noStrike" cap="none" spc="0" normalizeH="0" baseline="0">
             <a:ln>
               <a:noFill/>
             </a:ln>
@@ -21035,7 +21376,7 @@
           <a:buFontTx/>
           <a:buNone/>
           <a:tabLst/>
-          <a:defRPr b="0" baseline="0" cap="none" i="0" spc="0" strike="noStrike" sz="1800" u="none" kumimoji="0" normalizeH="0">
+          <a:defRPr kumimoji="0" sz="1800" b="0" i="0" u="none" strike="noStrike" cap="none" spc="0" normalizeH="0" baseline="0">
             <a:ln>
               <a:noFill/>
             </a:ln>
@@ -21061,7 +21402,7 @@
           <a:buFontTx/>
           <a:buNone/>
           <a:tabLst/>
-          <a:defRPr b="0" baseline="0" cap="none" i="0" spc="0" strike="noStrike" sz="1800" u="none" kumimoji="0" normalizeH="0">
+          <a:defRPr kumimoji="0" sz="1800" b="0" i="0" u="none" strike="noStrike" cap="none" spc="0" normalizeH="0" baseline="0">
             <a:ln>
               <a:noFill/>
             </a:ln>
@@ -21087,7 +21428,7 @@
           <a:buFontTx/>
           <a:buNone/>
           <a:tabLst/>
-          <a:defRPr b="0" baseline="0" cap="none" i="0" spc="0" strike="noStrike" sz="1800" u="none" kumimoji="0" normalizeH="0">
+          <a:defRPr kumimoji="0" sz="1800" b="0" i="0" u="none" strike="noStrike" cap="none" spc="0" normalizeH="0" baseline="0">
             <a:ln>
               <a:noFill/>
             </a:ln>
@@ -21100,9 +21441,15 @@
         </a:lvl9pPr>
       </a:lstStyle>
       <a:style>
-        <a:lnRef idx="0"/>
-        <a:fillRef idx="0"/>
-        <a:effectRef idx="0"/>
+        <a:lnRef idx="0">
+          <a:scrgbClr r="0" g="0" b="0"/>
+        </a:lnRef>
+        <a:fillRef idx="0">
+          <a:scrgbClr r="0" g="0" b="0"/>
+        </a:fillRef>
+        <a:effectRef idx="0">
+          <a:scrgbClr r="0" g="0" b="0"/>
+        </a:effectRef>
         <a:fontRef idx="none"/>
       </a:style>
     </a:lnDef>
@@ -21116,7 +21463,7 @@
         <a:effectLst/>
         <a:sp3d/>
       </a:spPr>
-      <a:bodyPr rot="0" spcFirstLastPara="1" vertOverflow="overflow" horzOverflow="overflow" vert="horz" wrap="square" lIns="45719" tIns="45719" rIns="45719" bIns="45719" numCol="1" spcCol="38100" rtlCol="0" anchor="t" upright="0">
+      <a:bodyPr rot="0" spcFirstLastPara="1" vertOverflow="overflow" horzOverflow="overflow" vert="horz" wrap="square" lIns="45719" tIns="45719" rIns="45719" bIns="45719" numCol="1" spcCol="38100" rtlCol="0" anchor="t">
         <a:spAutoFit/>
       </a:bodyPr>
       <a:lstStyle>
@@ -21135,7 +21482,7 @@
           <a:buFontTx/>
           <a:buNone/>
           <a:tabLst/>
-          <a:defRPr b="0" baseline="0" cap="none" i="0" spc="0" strike="noStrike" sz="1800" u="none" kumimoji="0" normalizeH="0">
+          <a:defRPr kumimoji="0" sz="1800" b="0" i="0" u="none" strike="noStrike" cap="none" spc="0" normalizeH="0" baseline="0">
             <a:ln>
               <a:noFill/>
             </a:ln>
@@ -21165,7 +21512,7 @@
           <a:buFontTx/>
           <a:buNone/>
           <a:tabLst/>
-          <a:defRPr b="0" baseline="0" cap="none" i="0" spc="0" strike="noStrike" sz="1800" u="none" kumimoji="0" normalizeH="0">
+          <a:defRPr kumimoji="0" sz="1800" b="0" i="0" u="none" strike="noStrike" cap="none" spc="0" normalizeH="0" baseline="0">
             <a:ln>
               <a:noFill/>
             </a:ln>
@@ -21191,7 +21538,7 @@
           <a:buFontTx/>
           <a:buNone/>
           <a:tabLst/>
-          <a:defRPr b="0" baseline="0" cap="none" i="0" spc="0" strike="noStrike" sz="1800" u="none" kumimoji="0" normalizeH="0">
+          <a:defRPr kumimoji="0" sz="1800" b="0" i="0" u="none" strike="noStrike" cap="none" spc="0" normalizeH="0" baseline="0">
             <a:ln>
               <a:noFill/>
             </a:ln>
@@ -21217,7 +21564,7 @@
           <a:buFontTx/>
           <a:buNone/>
           <a:tabLst/>
-          <a:defRPr b="0" baseline="0" cap="none" i="0" spc="0" strike="noStrike" sz="1800" u="none" kumimoji="0" normalizeH="0">
+          <a:defRPr kumimoji="0" sz="1800" b="0" i="0" u="none" strike="noStrike" cap="none" spc="0" normalizeH="0" baseline="0">
             <a:ln>
               <a:noFill/>
             </a:ln>
@@ -21243,7 +21590,7 @@
           <a:buFontTx/>
           <a:buNone/>
           <a:tabLst/>
-          <a:defRPr b="0" baseline="0" cap="none" i="0" spc="0" strike="noStrike" sz="1800" u="none" kumimoji="0" normalizeH="0">
+          <a:defRPr kumimoji="0" sz="1800" b="0" i="0" u="none" strike="noStrike" cap="none" spc="0" normalizeH="0" baseline="0">
             <a:ln>
               <a:noFill/>
             </a:ln>
@@ -21269,7 +21616,7 @@
           <a:buFontTx/>
           <a:buNone/>
           <a:tabLst/>
-          <a:defRPr b="0" baseline="0" cap="none" i="0" spc="0" strike="noStrike" sz="1800" u="none" kumimoji="0" normalizeH="0">
+          <a:defRPr kumimoji="0" sz="1800" b="0" i="0" u="none" strike="noStrike" cap="none" spc="0" normalizeH="0" baseline="0">
             <a:ln>
               <a:noFill/>
             </a:ln>
@@ -21295,7 +21642,7 @@
           <a:buFontTx/>
           <a:buNone/>
           <a:tabLst/>
-          <a:defRPr b="0" baseline="0" cap="none" i="0" spc="0" strike="noStrike" sz="1800" u="none" kumimoji="0" normalizeH="0">
+          <a:defRPr kumimoji="0" sz="1800" b="0" i="0" u="none" strike="noStrike" cap="none" spc="0" normalizeH="0" baseline="0">
             <a:ln>
               <a:noFill/>
             </a:ln>
@@ -21321,7 +21668,7 @@
           <a:buFontTx/>
           <a:buNone/>
           <a:tabLst/>
-          <a:defRPr b="0" baseline="0" cap="none" i="0" spc="0" strike="noStrike" sz="1800" u="none" kumimoji="0" normalizeH="0">
+          <a:defRPr kumimoji="0" sz="1800" b="0" i="0" u="none" strike="noStrike" cap="none" spc="0" normalizeH="0" baseline="0">
             <a:ln>
               <a:noFill/>
             </a:ln>
@@ -21347,7 +21694,7 @@
           <a:buFontTx/>
           <a:buNone/>
           <a:tabLst/>
-          <a:defRPr b="0" baseline="0" cap="none" i="0" spc="0" strike="noStrike" sz="1800" u="none" kumimoji="0" normalizeH="0">
+          <a:defRPr kumimoji="0" sz="1800" b="0" i="0" u="none" strike="noStrike" cap="none" spc="0" normalizeH="0" baseline="0">
             <a:ln>
               <a:noFill/>
             </a:ln>
@@ -21373,7 +21720,7 @@
           <a:buFontTx/>
           <a:buNone/>
           <a:tabLst/>
-          <a:defRPr b="0" baseline="0" cap="none" i="0" spc="0" strike="noStrike" sz="1800" u="none" kumimoji="0" normalizeH="0">
+          <a:defRPr kumimoji="0" sz="1800" b="0" i="0" u="none" strike="noStrike" cap="none" spc="0" normalizeH="0" baseline="0">
             <a:ln>
               <a:noFill/>
             </a:ln>
@@ -21386,12 +21733,19 @@
         </a:lvl9pPr>
       </a:lstStyle>
       <a:style>
-        <a:lnRef idx="0"/>
-        <a:fillRef idx="0"/>
-        <a:effectRef idx="0"/>
+        <a:lnRef idx="0">
+          <a:scrgbClr r="0" g="0" b="0"/>
+        </a:lnRef>
+        <a:fillRef idx="0">
+          <a:scrgbClr r="0" g="0" b="0"/>
+        </a:fillRef>
+        <a:effectRef idx="0">
+          <a:scrgbClr r="0" g="0" b="0"/>
+        </a:effectRef>
         <a:fontRef idx="none"/>
       </a:style>
     </a:txDef>
   </a:objectDefaults>
+  <a:extraClrSchemeLst/>
 </a:theme>
 </file>